--- a/Slides/Module 1 - Flask Application Design.pptx
+++ b/Slides/Module 1 - Flask Application Design.pptx
@@ -5,10 +5,10 @@
     <p:sldMasterId id="2147483660" r:id="rId4"/>
   </p:sldMasterIdLst>
   <p:notesMasterIdLst>
-    <p:notesMasterId r:id="rId34"/>
+    <p:notesMasterId r:id="rId36"/>
   </p:notesMasterIdLst>
   <p:handoutMasterIdLst>
-    <p:handoutMasterId r:id="rId35"/>
+    <p:handoutMasterId r:id="rId37"/>
   </p:handoutMasterIdLst>
   <p:sldIdLst>
     <p:sldId id="312" r:id="rId5"/>
@@ -17,29 +17,31 @@
     <p:sldId id="309" r:id="rId8"/>
     <p:sldId id="310" r:id="rId9"/>
     <p:sldId id="311" r:id="rId10"/>
-    <p:sldId id="277" r:id="rId11"/>
-    <p:sldId id="283" r:id="rId12"/>
-    <p:sldId id="284" r:id="rId13"/>
-    <p:sldId id="278" r:id="rId14"/>
-    <p:sldId id="269" r:id="rId15"/>
-    <p:sldId id="304" r:id="rId16"/>
-    <p:sldId id="286" r:id="rId17"/>
-    <p:sldId id="305" r:id="rId18"/>
-    <p:sldId id="315" r:id="rId19"/>
-    <p:sldId id="314" r:id="rId20"/>
-    <p:sldId id="313" r:id="rId21"/>
-    <p:sldId id="287" r:id="rId22"/>
-    <p:sldId id="316" r:id="rId23"/>
-    <p:sldId id="317" r:id="rId24"/>
-    <p:sldId id="318" r:id="rId25"/>
-    <p:sldId id="323" r:id="rId26"/>
-    <p:sldId id="324" r:id="rId27"/>
-    <p:sldId id="326" r:id="rId28"/>
-    <p:sldId id="325" r:id="rId29"/>
-    <p:sldId id="320" r:id="rId30"/>
-    <p:sldId id="321" r:id="rId31"/>
-    <p:sldId id="322" r:id="rId32"/>
-    <p:sldId id="285" r:id="rId33"/>
+    <p:sldId id="327" r:id="rId11"/>
+    <p:sldId id="328" r:id="rId12"/>
+    <p:sldId id="277" r:id="rId13"/>
+    <p:sldId id="283" r:id="rId14"/>
+    <p:sldId id="284" r:id="rId15"/>
+    <p:sldId id="278" r:id="rId16"/>
+    <p:sldId id="269" r:id="rId17"/>
+    <p:sldId id="304" r:id="rId18"/>
+    <p:sldId id="286" r:id="rId19"/>
+    <p:sldId id="305" r:id="rId20"/>
+    <p:sldId id="315" r:id="rId21"/>
+    <p:sldId id="314" r:id="rId22"/>
+    <p:sldId id="313" r:id="rId23"/>
+    <p:sldId id="287" r:id="rId24"/>
+    <p:sldId id="316" r:id="rId25"/>
+    <p:sldId id="317" r:id="rId26"/>
+    <p:sldId id="318" r:id="rId27"/>
+    <p:sldId id="323" r:id="rId28"/>
+    <p:sldId id="324" r:id="rId29"/>
+    <p:sldId id="326" r:id="rId30"/>
+    <p:sldId id="325" r:id="rId31"/>
+    <p:sldId id="320" r:id="rId32"/>
+    <p:sldId id="321" r:id="rId33"/>
+    <p:sldId id="322" r:id="rId34"/>
+    <p:sldId id="285" r:id="rId35"/>
   </p:sldIdLst>
   <p:sldSz cx="12192000" cy="6858000"/>
   <p:notesSz cx="6858000" cy="9144000"/>
@@ -231,7 +233,7 @@
           <a:p>
             <a:fld id="{312E7B4A-039C-48A2-9B2C-AF16AA3873D8}" type="datetimeFigureOut">
               <a:rPr lang="en-US" smtClean="0"/>
-              <a:t>3/3/2015</a:t>
+              <a:t>3/4/2015</a:t>
             </a:fld>
             <a:endParaRPr lang="en-US"/>
           </a:p>
@@ -396,7 +398,7 @@
           <a:p>
             <a:fld id="{DA005A0C-54D9-45AA-87D4-C551D08DFCE1}" type="datetimeFigureOut">
               <a:rPr lang="en-US" smtClean="0"/>
-              <a:t>3/3/2015</a:t>
+              <a:t>3/4/2015</a:t>
             </a:fld>
             <a:endParaRPr lang="en-US"/>
           </a:p>
@@ -1294,7 +1296,7 @@
           <a:p>
             <a:fld id="{4CFD207A-07DF-40AD-A916-9872E089CE7A}" type="slidenum">
               <a:rPr lang="en-US" smtClean="0"/>
-              <a:t>28</a:t>
+              <a:t>30</a:t>
             </a:fld>
             <a:endParaRPr lang="en-US"/>
           </a:p>
@@ -1712,7 +1714,7 @@
             <a:fld id="{13F0F35F-DD44-4607-AEC1-49D7A4BC4066}" type="slidenum">
               <a:rPr lang="en-US" smtClean="0"/>
               <a:pPr/>
-              <a:t>7</a:t>
+              <a:t>9</a:t>
             </a:fld>
             <a:endParaRPr lang="en-US" dirty="0"/>
           </a:p>
@@ -1823,7 +1825,7 @@
             <a:fld id="{13F0F35F-DD44-4607-AEC1-49D7A4BC4066}" type="slidenum">
               <a:rPr lang="en-US" smtClean="0"/>
               <a:pPr/>
-              <a:t>10</a:t>
+              <a:t>12</a:t>
             </a:fld>
             <a:endParaRPr lang="en-US" dirty="0"/>
           </a:p>
@@ -1932,7 +1934,7 @@
             <a:fld id="{B07A3AA4-E735-44C5-88C1-6B0F6288FC71}" type="slidenum">
               <a:rPr lang="en-US" smtClean="0"/>
               <a:pPr/>
-              <a:t>17</a:t>
+              <a:t>19</a:t>
             </a:fld>
             <a:endParaRPr lang="en-US"/>
           </a:p>
@@ -2138,7 +2140,7 @@
           <a:p>
             <a:fld id="{4CFD207A-07DF-40AD-A916-9872E089CE7A}" type="slidenum">
               <a:rPr lang="en-US" smtClean="0"/>
-              <a:t>20</a:t>
+              <a:t>22</a:t>
             </a:fld>
             <a:endParaRPr lang="en-US"/>
           </a:p>
@@ -4983,6 +4985,1484 @@
 <file path=ppt/slides/slide10.xml><?xml version="1.0" encoding="utf-8"?>
 <p:sld xmlns:a="http://schemas.openxmlformats.org/drawingml/2006/main" xmlns:r="http://schemas.openxmlformats.org/officeDocument/2006/relationships" xmlns:p="http://schemas.openxmlformats.org/presentationml/2006/main">
   <p:cSld>
+    <p:bg>
+      <p:bgPr>
+        <a:solidFill>
+          <a:schemeClr val="accent1">
+            <a:lumMod val="75000"/>
+          </a:schemeClr>
+        </a:solidFill>
+        <a:effectLst/>
+      </p:bgPr>
+    </p:bg>
+    <p:spTree>
+      <p:nvGrpSpPr>
+        <p:cNvPr id="1" name=""/>
+        <p:cNvGrpSpPr/>
+        <p:nvPr/>
+      </p:nvGrpSpPr>
+      <p:grpSpPr>
+        <a:xfrm>
+          <a:off x="0" y="0"/>
+          <a:ext cx="0" cy="0"/>
+          <a:chOff x="0" y="0"/>
+          <a:chExt cx="0" cy="0"/>
+        </a:xfrm>
+      </p:grpSpPr>
+      <p:sp>
+        <p:nvSpPr>
+          <p:cNvPr id="4" name="TextBox 3"/>
+          <p:cNvSpPr txBox="1"/>
+          <p:nvPr/>
+        </p:nvSpPr>
+        <p:spPr>
+          <a:xfrm>
+            <a:off x="436610" y="955705"/>
+            <a:ext cx="4181273" cy="523220"/>
+          </a:xfrm>
+          <a:prstGeom prst="rect">
+            <a:avLst/>
+          </a:prstGeom>
+          <a:noFill/>
+        </p:spPr>
+        <p:txBody>
+          <a:bodyPr wrap="none" rtlCol="0">
+            <a:spAutoFit/>
+          </a:bodyPr>
+          <a:lstStyle/>
+          <a:p>
+            <a:r>
+              <a:rPr lang="en-US" sz="2800" dirty="0" smtClean="0">
+                <a:solidFill>
+                  <a:schemeClr val="bg1"/>
+                </a:solidFill>
+              </a:rPr>
+              <a:t>Flask is a unique platform...</a:t>
+            </a:r>
+            <a:endParaRPr lang="en-US" sz="2800" dirty="0">
+              <a:solidFill>
+                <a:schemeClr val="bg1"/>
+              </a:solidFill>
+            </a:endParaRPr>
+          </a:p>
+        </p:txBody>
+      </p:sp>
+      <p:sp>
+        <p:nvSpPr>
+          <p:cNvPr id="5" name="TextBox 4"/>
+          <p:cNvSpPr txBox="1"/>
+          <p:nvPr/>
+        </p:nvSpPr>
+        <p:spPr>
+          <a:xfrm>
+            <a:off x="2620349" y="3080503"/>
+            <a:ext cx="6831037" cy="523220"/>
+          </a:xfrm>
+          <a:prstGeom prst="rect">
+            <a:avLst/>
+          </a:prstGeom>
+          <a:noFill/>
+        </p:spPr>
+        <p:txBody>
+          <a:bodyPr wrap="none" rtlCol="0">
+            <a:spAutoFit/>
+          </a:bodyPr>
+          <a:lstStyle/>
+          <a:p>
+            <a:r>
+              <a:rPr lang="en-US" sz="2800" dirty="0" smtClean="0">
+                <a:solidFill>
+                  <a:schemeClr val="bg1"/>
+                </a:solidFill>
+              </a:rPr>
+              <a:t>It provides a way to create web applications...</a:t>
+            </a:r>
+            <a:endParaRPr lang="en-US" sz="2800" dirty="0">
+              <a:solidFill>
+                <a:schemeClr val="bg1"/>
+              </a:solidFill>
+            </a:endParaRPr>
+          </a:p>
+        </p:txBody>
+      </p:sp>
+      <p:sp>
+        <p:nvSpPr>
+          <p:cNvPr id="6" name="TextBox 5"/>
+          <p:cNvSpPr txBox="1"/>
+          <p:nvPr/>
+        </p:nvSpPr>
+        <p:spPr>
+          <a:xfrm>
+            <a:off x="6487902" y="4943691"/>
+            <a:ext cx="5416226" cy="523220"/>
+          </a:xfrm>
+          <a:prstGeom prst="rect">
+            <a:avLst/>
+          </a:prstGeom>
+          <a:noFill/>
+        </p:spPr>
+        <p:txBody>
+          <a:bodyPr wrap="none" rtlCol="0">
+            <a:spAutoFit/>
+          </a:bodyPr>
+          <a:lstStyle/>
+          <a:p>
+            <a:r>
+              <a:rPr lang="en-US" sz="2800" dirty="0" smtClean="0">
+                <a:solidFill>
+                  <a:schemeClr val="bg1"/>
+                </a:solidFill>
+              </a:rPr>
+              <a:t>Without forcing you into a structure</a:t>
+            </a:r>
+            <a:endParaRPr lang="en-US" sz="2800" dirty="0">
+              <a:solidFill>
+                <a:schemeClr val="bg1"/>
+              </a:solidFill>
+            </a:endParaRPr>
+          </a:p>
+        </p:txBody>
+      </p:sp>
+    </p:spTree>
+    <p:extLst>
+      <p:ext uri="{BB962C8B-B14F-4D97-AF65-F5344CB8AC3E}">
+        <p14:creationId xmlns:p14="http://schemas.microsoft.com/office/powerpoint/2010/main" val="585861299"/>
+      </p:ext>
+    </p:extLst>
+  </p:cSld>
+  <p:clrMapOvr>
+    <a:masterClrMapping/>
+  </p:clrMapOvr>
+  <p:timing>
+    <p:tnLst>
+      <p:par>
+        <p:cTn id="1" dur="indefinite" restart="never" nodeType="tmRoot">
+          <p:childTnLst>
+            <p:seq concurrent="1" nextAc="seek">
+              <p:cTn id="2" dur="indefinite" nodeType="mainSeq">
+                <p:childTnLst>
+                  <p:par>
+                    <p:cTn id="3" fill="hold">
+                      <p:stCondLst>
+                        <p:cond delay="indefinite"/>
+                      </p:stCondLst>
+                      <p:childTnLst>
+                        <p:par>
+                          <p:cTn id="4" fill="hold">
+                            <p:stCondLst>
+                              <p:cond delay="0"/>
+                            </p:stCondLst>
+                            <p:childTnLst>
+                              <p:par>
+                                <p:cTn id="5" presetID="10" presetClass="entr" presetSubtype="0" fill="hold" grpId="0" nodeType="clickEffect">
+                                  <p:stCondLst>
+                                    <p:cond delay="0"/>
+                                  </p:stCondLst>
+                                  <p:childTnLst>
+                                    <p:set>
+                                      <p:cBhvr>
+                                        <p:cTn id="6" dur="1" fill="hold">
+                                          <p:stCondLst>
+                                            <p:cond delay="0"/>
+                                          </p:stCondLst>
+                                        </p:cTn>
+                                        <p:tgtEl>
+                                          <p:spTgt spid="4"/>
+                                        </p:tgtEl>
+                                        <p:attrNameLst>
+                                          <p:attrName>style.visibility</p:attrName>
+                                        </p:attrNameLst>
+                                      </p:cBhvr>
+                                      <p:to>
+                                        <p:strVal val="visible"/>
+                                      </p:to>
+                                    </p:set>
+                                    <p:animEffect transition="in" filter="fade">
+                                      <p:cBhvr>
+                                        <p:cTn id="7" dur="500"/>
+                                        <p:tgtEl>
+                                          <p:spTgt spid="4"/>
+                                        </p:tgtEl>
+                                      </p:cBhvr>
+                                    </p:animEffect>
+                                  </p:childTnLst>
+                                </p:cTn>
+                              </p:par>
+                            </p:childTnLst>
+                          </p:cTn>
+                        </p:par>
+                      </p:childTnLst>
+                    </p:cTn>
+                  </p:par>
+                  <p:par>
+                    <p:cTn id="8" fill="hold">
+                      <p:stCondLst>
+                        <p:cond delay="indefinite"/>
+                      </p:stCondLst>
+                      <p:childTnLst>
+                        <p:par>
+                          <p:cTn id="9" fill="hold">
+                            <p:stCondLst>
+                              <p:cond delay="0"/>
+                            </p:stCondLst>
+                            <p:childTnLst>
+                              <p:par>
+                                <p:cTn id="10" presetID="10" presetClass="entr" presetSubtype="0" fill="hold" grpId="0" nodeType="clickEffect">
+                                  <p:stCondLst>
+                                    <p:cond delay="0"/>
+                                  </p:stCondLst>
+                                  <p:childTnLst>
+                                    <p:set>
+                                      <p:cBhvr>
+                                        <p:cTn id="11" dur="1" fill="hold">
+                                          <p:stCondLst>
+                                            <p:cond delay="0"/>
+                                          </p:stCondLst>
+                                        </p:cTn>
+                                        <p:tgtEl>
+                                          <p:spTgt spid="5"/>
+                                        </p:tgtEl>
+                                        <p:attrNameLst>
+                                          <p:attrName>style.visibility</p:attrName>
+                                        </p:attrNameLst>
+                                      </p:cBhvr>
+                                      <p:to>
+                                        <p:strVal val="visible"/>
+                                      </p:to>
+                                    </p:set>
+                                    <p:animEffect transition="in" filter="fade">
+                                      <p:cBhvr>
+                                        <p:cTn id="12" dur="500"/>
+                                        <p:tgtEl>
+                                          <p:spTgt spid="5"/>
+                                        </p:tgtEl>
+                                      </p:cBhvr>
+                                    </p:animEffect>
+                                  </p:childTnLst>
+                                </p:cTn>
+                              </p:par>
+                            </p:childTnLst>
+                          </p:cTn>
+                        </p:par>
+                      </p:childTnLst>
+                    </p:cTn>
+                  </p:par>
+                  <p:par>
+                    <p:cTn id="13" fill="hold">
+                      <p:stCondLst>
+                        <p:cond delay="indefinite"/>
+                      </p:stCondLst>
+                      <p:childTnLst>
+                        <p:par>
+                          <p:cTn id="14" fill="hold">
+                            <p:stCondLst>
+                              <p:cond delay="0"/>
+                            </p:stCondLst>
+                            <p:childTnLst>
+                              <p:par>
+                                <p:cTn id="15" presetID="10" presetClass="entr" presetSubtype="0" fill="hold" grpId="0" nodeType="clickEffect">
+                                  <p:stCondLst>
+                                    <p:cond delay="0"/>
+                                  </p:stCondLst>
+                                  <p:childTnLst>
+                                    <p:set>
+                                      <p:cBhvr>
+                                        <p:cTn id="16" dur="1" fill="hold">
+                                          <p:stCondLst>
+                                            <p:cond delay="0"/>
+                                          </p:stCondLst>
+                                        </p:cTn>
+                                        <p:tgtEl>
+                                          <p:spTgt spid="6"/>
+                                        </p:tgtEl>
+                                        <p:attrNameLst>
+                                          <p:attrName>style.visibility</p:attrName>
+                                        </p:attrNameLst>
+                                      </p:cBhvr>
+                                      <p:to>
+                                        <p:strVal val="visible"/>
+                                      </p:to>
+                                    </p:set>
+                                    <p:animEffect transition="in" filter="fade">
+                                      <p:cBhvr>
+                                        <p:cTn id="17" dur="500"/>
+                                        <p:tgtEl>
+                                          <p:spTgt spid="6"/>
+                                        </p:tgtEl>
+                                      </p:cBhvr>
+                                    </p:animEffect>
+                                  </p:childTnLst>
+                                </p:cTn>
+                              </p:par>
+                            </p:childTnLst>
+                          </p:cTn>
+                        </p:par>
+                      </p:childTnLst>
+                    </p:cTn>
+                  </p:par>
+                </p:childTnLst>
+              </p:cTn>
+              <p:prevCondLst>
+                <p:cond evt="onPrev" delay="0">
+                  <p:tgtEl>
+                    <p:sldTgt/>
+                  </p:tgtEl>
+                </p:cond>
+              </p:prevCondLst>
+              <p:nextCondLst>
+                <p:cond evt="onNext" delay="0">
+                  <p:tgtEl>
+                    <p:sldTgt/>
+                  </p:tgtEl>
+                </p:cond>
+              </p:nextCondLst>
+            </p:seq>
+          </p:childTnLst>
+        </p:cTn>
+      </p:par>
+    </p:tnLst>
+    <p:bldLst>
+      <p:bldP spid="4" grpId="0"/>
+      <p:bldP spid="5" grpId="0"/>
+      <p:bldP spid="6" grpId="0"/>
+    </p:bldLst>
+  </p:timing>
+</p:sld>
+</file>
+
+<file path=ppt/slides/slide11.xml><?xml version="1.0" encoding="utf-8"?>
+<p:sld xmlns:a="http://schemas.openxmlformats.org/drawingml/2006/main" xmlns:r="http://schemas.openxmlformats.org/officeDocument/2006/relationships" xmlns:p="http://schemas.openxmlformats.org/presentationml/2006/main">
+  <p:cSld>
+    <p:spTree>
+      <p:nvGrpSpPr>
+        <p:cNvPr id="1" name=""/>
+        <p:cNvGrpSpPr/>
+        <p:nvPr/>
+      </p:nvGrpSpPr>
+      <p:grpSpPr>
+        <a:xfrm>
+          <a:off x="0" y="0"/>
+          <a:ext cx="0" cy="0"/>
+          <a:chOff x="0" y="0"/>
+          <a:chExt cx="0" cy="0"/>
+        </a:xfrm>
+      </p:grpSpPr>
+      <p:sp>
+        <p:nvSpPr>
+          <p:cNvPr id="12" name="Rounded Rectangle 11"/>
+          <p:cNvSpPr/>
+          <p:nvPr/>
+        </p:nvSpPr>
+        <p:spPr>
+          <a:xfrm>
+            <a:off x="6734327" y="2464087"/>
+            <a:ext cx="3417903" cy="1704513"/>
+          </a:xfrm>
+          <a:prstGeom prst="roundRect">
+            <a:avLst/>
+          </a:prstGeom>
+        </p:spPr>
+        <p:style>
+          <a:lnRef idx="1">
+            <a:schemeClr val="accent3"/>
+          </a:lnRef>
+          <a:fillRef idx="2">
+            <a:schemeClr val="accent3"/>
+          </a:fillRef>
+          <a:effectRef idx="1">
+            <a:schemeClr val="accent3"/>
+          </a:effectRef>
+          <a:fontRef idx="minor">
+            <a:schemeClr val="dk1"/>
+          </a:fontRef>
+        </p:style>
+        <p:txBody>
+          <a:bodyPr rtlCol="0" anchor="ctr"/>
+          <a:lstStyle/>
+          <a:p>
+            <a:pPr algn="ctr"/>
+            <a:endParaRPr lang="en-US"/>
+          </a:p>
+        </p:txBody>
+      </p:sp>
+      <p:sp>
+        <p:nvSpPr>
+          <p:cNvPr id="2" name="Title 1"/>
+          <p:cNvSpPr>
+            <a:spLocks noGrp="1"/>
+          </p:cNvSpPr>
+          <p:nvPr>
+            <p:ph type="title"/>
+          </p:nvPr>
+        </p:nvSpPr>
+        <p:spPr/>
+        <p:txBody>
+          <a:bodyPr>
+            <a:normAutofit fontScale="90000"/>
+          </a:bodyPr>
+          <a:lstStyle/>
+          <a:p>
+            <a:r>
+              <a:rPr lang="en-US" dirty="0" smtClean="0"/>
+              <a:t>When your application grows, things can get messy</a:t>
+            </a:r>
+            <a:endParaRPr lang="en-US" dirty="0"/>
+          </a:p>
+        </p:txBody>
+      </p:sp>
+      <p:sp>
+        <p:nvSpPr>
+          <p:cNvPr id="3" name="Content Placeholder 2"/>
+          <p:cNvSpPr>
+            <a:spLocks noGrp="1"/>
+          </p:cNvSpPr>
+          <p:nvPr>
+            <p:ph sz="quarter" idx="10"/>
+          </p:nvPr>
+        </p:nvSpPr>
+        <p:spPr/>
+        <p:txBody>
+          <a:bodyPr/>
+          <a:lstStyle/>
+          <a:p>
+            <a:r>
+              <a:rPr lang="en-US" dirty="0" smtClean="0"/>
+              <a:t>Code duplication</a:t>
+            </a:r>
+          </a:p>
+          <a:p>
+            <a:r>
+              <a:rPr lang="en-US" dirty="0" smtClean="0"/>
+              <a:t>Spaghetti code</a:t>
+            </a:r>
+          </a:p>
+          <a:p>
+            <a:r>
+              <a:rPr lang="en-US" dirty="0" smtClean="0"/>
+              <a:t>Code duplication</a:t>
+            </a:r>
+          </a:p>
+          <a:p>
+            <a:r>
+              <a:rPr lang="en-US" dirty="0" smtClean="0"/>
+              <a:t>Debugging issues</a:t>
+            </a:r>
+          </a:p>
+          <a:p>
+            <a:r>
+              <a:rPr lang="en-US" dirty="0" smtClean="0"/>
+              <a:t>Code duplication</a:t>
+            </a:r>
+          </a:p>
+          <a:p>
+            <a:r>
+              <a:rPr lang="en-US" dirty="0" smtClean="0"/>
+              <a:t>Performance issues</a:t>
+            </a:r>
+          </a:p>
+          <a:p>
+            <a:r>
+              <a:rPr lang="en-US" dirty="0" smtClean="0"/>
+              <a:t>Code duplication</a:t>
+            </a:r>
+            <a:endParaRPr lang="en-US" dirty="0"/>
+          </a:p>
+        </p:txBody>
+      </p:sp>
+      <p:sp>
+        <p:nvSpPr>
+          <p:cNvPr id="4" name="Rounded Rectangle 3"/>
+          <p:cNvSpPr/>
+          <p:nvPr/>
+        </p:nvSpPr>
+        <p:spPr>
+          <a:xfrm>
+            <a:off x="5406501" y="1388226"/>
+            <a:ext cx="3417903" cy="1704513"/>
+          </a:xfrm>
+          <a:prstGeom prst="roundRect">
+            <a:avLst/>
+          </a:prstGeom>
+        </p:spPr>
+        <p:style>
+          <a:lnRef idx="1">
+            <a:schemeClr val="accent3"/>
+          </a:lnRef>
+          <a:fillRef idx="2">
+            <a:schemeClr val="accent3"/>
+          </a:fillRef>
+          <a:effectRef idx="1">
+            <a:schemeClr val="accent3"/>
+          </a:effectRef>
+          <a:fontRef idx="minor">
+            <a:schemeClr val="dk1"/>
+          </a:fontRef>
+        </p:style>
+        <p:txBody>
+          <a:bodyPr rtlCol="0" anchor="ctr"/>
+          <a:lstStyle/>
+          <a:p>
+            <a:pPr algn="ctr"/>
+            <a:endParaRPr lang="en-US"/>
+          </a:p>
+        </p:txBody>
+      </p:sp>
+      <p:sp>
+        <p:nvSpPr>
+          <p:cNvPr id="11" name="Explosion 1 10"/>
+          <p:cNvSpPr/>
+          <p:nvPr/>
+        </p:nvSpPr>
+        <p:spPr>
+          <a:xfrm>
+            <a:off x="7050643" y="1235263"/>
+            <a:ext cx="3375308" cy="2769833"/>
+          </a:xfrm>
+          <a:prstGeom prst="irregularSeal1">
+            <a:avLst/>
+          </a:prstGeom>
+        </p:spPr>
+        <p:style>
+          <a:lnRef idx="0">
+            <a:schemeClr val="accent2"/>
+          </a:lnRef>
+          <a:fillRef idx="3">
+            <a:schemeClr val="accent2"/>
+          </a:fillRef>
+          <a:effectRef idx="3">
+            <a:schemeClr val="accent2"/>
+          </a:effectRef>
+          <a:fontRef idx="minor">
+            <a:schemeClr val="lt1"/>
+          </a:fontRef>
+        </p:style>
+        <p:txBody>
+          <a:bodyPr rtlCol="0" anchor="ctr"/>
+          <a:lstStyle/>
+          <a:p>
+            <a:pPr algn="ctr"/>
+            <a:endParaRPr lang="en-US"/>
+          </a:p>
+        </p:txBody>
+      </p:sp>
+      <p:sp>
+        <p:nvSpPr>
+          <p:cNvPr id="5" name="Rounded Rectangle 4"/>
+          <p:cNvSpPr/>
+          <p:nvPr/>
+        </p:nvSpPr>
+        <p:spPr>
+          <a:xfrm>
+            <a:off x="8737859" y="1954410"/>
+            <a:ext cx="3417903" cy="1704513"/>
+          </a:xfrm>
+          <a:prstGeom prst="roundRect">
+            <a:avLst/>
+          </a:prstGeom>
+        </p:spPr>
+        <p:style>
+          <a:lnRef idx="1">
+            <a:schemeClr val="accent3"/>
+          </a:lnRef>
+          <a:fillRef idx="2">
+            <a:schemeClr val="accent3"/>
+          </a:fillRef>
+          <a:effectRef idx="1">
+            <a:schemeClr val="accent3"/>
+          </a:effectRef>
+          <a:fontRef idx="minor">
+            <a:schemeClr val="dk1"/>
+          </a:fontRef>
+        </p:style>
+        <p:txBody>
+          <a:bodyPr rtlCol="0" anchor="ctr"/>
+          <a:lstStyle/>
+          <a:p>
+            <a:pPr algn="ctr"/>
+            <a:endParaRPr lang="en-US"/>
+          </a:p>
+        </p:txBody>
+      </p:sp>
+      <p:sp>
+        <p:nvSpPr>
+          <p:cNvPr id="8" name="Flowchart: Summing Junction 7"/>
+          <p:cNvSpPr/>
+          <p:nvPr/>
+        </p:nvSpPr>
+        <p:spPr>
+          <a:xfrm>
+            <a:off x="5687518" y="2530340"/>
+            <a:ext cx="2574524" cy="2116799"/>
+          </a:xfrm>
+          <a:prstGeom prst="flowChartSummingJunction">
+            <a:avLst/>
+          </a:prstGeom>
+        </p:spPr>
+        <p:style>
+          <a:lnRef idx="3">
+            <a:schemeClr val="lt1"/>
+          </a:lnRef>
+          <a:fillRef idx="1">
+            <a:schemeClr val="accent2"/>
+          </a:fillRef>
+          <a:effectRef idx="1">
+            <a:schemeClr val="accent2"/>
+          </a:effectRef>
+          <a:fontRef idx="minor">
+            <a:schemeClr val="lt1"/>
+          </a:fontRef>
+        </p:style>
+        <p:txBody>
+          <a:bodyPr rtlCol="0" anchor="ctr"/>
+          <a:lstStyle/>
+          <a:p>
+            <a:pPr algn="ctr"/>
+            <a:endParaRPr lang="en-US"/>
+          </a:p>
+        </p:txBody>
+      </p:sp>
+      <p:sp>
+        <p:nvSpPr>
+          <p:cNvPr id="6" name="Rounded Rectangle 5"/>
+          <p:cNvSpPr/>
+          <p:nvPr/>
+        </p:nvSpPr>
+        <p:spPr>
+          <a:xfrm>
+            <a:off x="5159406" y="4158447"/>
+            <a:ext cx="3417903" cy="1704513"/>
+          </a:xfrm>
+          <a:prstGeom prst="roundRect">
+            <a:avLst/>
+          </a:prstGeom>
+        </p:spPr>
+        <p:style>
+          <a:lnRef idx="1">
+            <a:schemeClr val="accent3"/>
+          </a:lnRef>
+          <a:fillRef idx="2">
+            <a:schemeClr val="accent3"/>
+          </a:fillRef>
+          <a:effectRef idx="1">
+            <a:schemeClr val="accent3"/>
+          </a:effectRef>
+          <a:fontRef idx="minor">
+            <a:schemeClr val="dk1"/>
+          </a:fontRef>
+        </p:style>
+        <p:txBody>
+          <a:bodyPr rtlCol="0" anchor="ctr"/>
+          <a:lstStyle/>
+          <a:p>
+            <a:pPr algn="ctr"/>
+            <a:endParaRPr lang="en-US"/>
+          </a:p>
+        </p:txBody>
+      </p:sp>
+      <p:sp>
+        <p:nvSpPr>
+          <p:cNvPr id="9" name="Lightning Bolt 8"/>
+          <p:cNvSpPr/>
+          <p:nvPr/>
+        </p:nvSpPr>
+        <p:spPr>
+          <a:xfrm>
+            <a:off x="8188653" y="2506222"/>
+            <a:ext cx="3130857" cy="2770221"/>
+          </a:xfrm>
+          <a:prstGeom prst="lightningBolt">
+            <a:avLst/>
+          </a:prstGeom>
+        </p:spPr>
+        <p:style>
+          <a:lnRef idx="1">
+            <a:schemeClr val="accent2"/>
+          </a:lnRef>
+          <a:fillRef idx="2">
+            <a:schemeClr val="accent2"/>
+          </a:fillRef>
+          <a:effectRef idx="1">
+            <a:schemeClr val="accent2"/>
+          </a:effectRef>
+          <a:fontRef idx="minor">
+            <a:schemeClr val="dk1"/>
+          </a:fontRef>
+        </p:style>
+        <p:txBody>
+          <a:bodyPr rtlCol="0" anchor="ctr"/>
+          <a:lstStyle/>
+          <a:p>
+            <a:pPr algn="ctr"/>
+            <a:endParaRPr lang="en-US"/>
+          </a:p>
+        </p:txBody>
+      </p:sp>
+      <p:sp>
+        <p:nvSpPr>
+          <p:cNvPr id="7" name="Rounded Rectangle 6"/>
+          <p:cNvSpPr/>
+          <p:nvPr/>
+        </p:nvSpPr>
+        <p:spPr>
+          <a:xfrm>
+            <a:off x="8343927" y="4420875"/>
+            <a:ext cx="3417903" cy="1704513"/>
+          </a:xfrm>
+          <a:prstGeom prst="roundRect">
+            <a:avLst/>
+          </a:prstGeom>
+        </p:spPr>
+        <p:style>
+          <a:lnRef idx="1">
+            <a:schemeClr val="accent3"/>
+          </a:lnRef>
+          <a:fillRef idx="2">
+            <a:schemeClr val="accent3"/>
+          </a:fillRef>
+          <a:effectRef idx="1">
+            <a:schemeClr val="accent3"/>
+          </a:effectRef>
+          <a:fontRef idx="minor">
+            <a:schemeClr val="dk1"/>
+          </a:fontRef>
+        </p:style>
+        <p:txBody>
+          <a:bodyPr rtlCol="0" anchor="ctr"/>
+          <a:lstStyle/>
+          <a:p>
+            <a:pPr algn="ctr"/>
+            <a:endParaRPr lang="en-US"/>
+          </a:p>
+        </p:txBody>
+      </p:sp>
+    </p:spTree>
+    <p:extLst>
+      <p:ext uri="{BB962C8B-B14F-4D97-AF65-F5344CB8AC3E}">
+        <p14:creationId xmlns:p14="http://schemas.microsoft.com/office/powerpoint/2010/main" val="1995591175"/>
+      </p:ext>
+    </p:extLst>
+  </p:cSld>
+  <p:clrMapOvr>
+    <a:masterClrMapping/>
+  </p:clrMapOvr>
+  <p:timing>
+    <p:tnLst>
+      <p:par>
+        <p:cTn id="1" dur="indefinite" restart="never" nodeType="tmRoot">
+          <p:childTnLst>
+            <p:seq concurrent="1" nextAc="seek">
+              <p:cTn id="2" dur="indefinite" nodeType="mainSeq">
+                <p:childTnLst>
+                  <p:par>
+                    <p:cTn id="3" fill="hold">
+                      <p:stCondLst>
+                        <p:cond delay="indefinite"/>
+                      </p:stCondLst>
+                      <p:childTnLst>
+                        <p:par>
+                          <p:cTn id="4" fill="hold">
+                            <p:stCondLst>
+                              <p:cond delay="0"/>
+                            </p:stCondLst>
+                            <p:childTnLst>
+                              <p:par>
+                                <p:cTn id="5" presetID="10" presetClass="entr" presetSubtype="0" fill="hold" grpId="0" nodeType="clickEffect">
+                                  <p:stCondLst>
+                                    <p:cond delay="0"/>
+                                  </p:stCondLst>
+                                  <p:childTnLst>
+                                    <p:set>
+                                      <p:cBhvr>
+                                        <p:cTn id="6" dur="1" fill="hold">
+                                          <p:stCondLst>
+                                            <p:cond delay="0"/>
+                                          </p:stCondLst>
+                                        </p:cTn>
+                                        <p:tgtEl>
+                                          <p:spTgt spid="3">
+                                            <p:txEl>
+                                              <p:pRg st="0" end="0"/>
+                                            </p:txEl>
+                                          </p:spTgt>
+                                        </p:tgtEl>
+                                        <p:attrNameLst>
+                                          <p:attrName>style.visibility</p:attrName>
+                                        </p:attrNameLst>
+                                      </p:cBhvr>
+                                      <p:to>
+                                        <p:strVal val="visible"/>
+                                      </p:to>
+                                    </p:set>
+                                    <p:animEffect transition="in" filter="fade">
+                                      <p:cBhvr>
+                                        <p:cTn id="7" dur="500"/>
+                                        <p:tgtEl>
+                                          <p:spTgt spid="3">
+                                            <p:txEl>
+                                              <p:pRg st="0" end="0"/>
+                                            </p:txEl>
+                                          </p:spTgt>
+                                        </p:tgtEl>
+                                      </p:cBhvr>
+                                    </p:animEffect>
+                                  </p:childTnLst>
+                                </p:cTn>
+                              </p:par>
+                              <p:par>
+                                <p:cTn id="8" presetID="10" presetClass="entr" presetSubtype="0" fill="hold" grpId="0" nodeType="withEffect">
+                                  <p:stCondLst>
+                                    <p:cond delay="0"/>
+                                  </p:stCondLst>
+                                  <p:childTnLst>
+                                    <p:set>
+                                      <p:cBhvr>
+                                        <p:cTn id="9" dur="1" fill="hold">
+                                          <p:stCondLst>
+                                            <p:cond delay="0"/>
+                                          </p:stCondLst>
+                                        </p:cTn>
+                                        <p:tgtEl>
+                                          <p:spTgt spid="4"/>
+                                        </p:tgtEl>
+                                        <p:attrNameLst>
+                                          <p:attrName>style.visibility</p:attrName>
+                                        </p:attrNameLst>
+                                      </p:cBhvr>
+                                      <p:to>
+                                        <p:strVal val="visible"/>
+                                      </p:to>
+                                    </p:set>
+                                    <p:animEffect transition="in" filter="fade">
+                                      <p:cBhvr>
+                                        <p:cTn id="10" dur="500"/>
+                                        <p:tgtEl>
+                                          <p:spTgt spid="4"/>
+                                        </p:tgtEl>
+                                      </p:cBhvr>
+                                    </p:animEffect>
+                                  </p:childTnLst>
+                                </p:cTn>
+                              </p:par>
+                            </p:childTnLst>
+                          </p:cTn>
+                        </p:par>
+                      </p:childTnLst>
+                    </p:cTn>
+                  </p:par>
+                  <p:par>
+                    <p:cTn id="11" fill="hold">
+                      <p:stCondLst>
+                        <p:cond delay="indefinite"/>
+                      </p:stCondLst>
+                      <p:childTnLst>
+                        <p:par>
+                          <p:cTn id="12" fill="hold">
+                            <p:stCondLst>
+                              <p:cond delay="0"/>
+                            </p:stCondLst>
+                            <p:childTnLst>
+                              <p:par>
+                                <p:cTn id="13" presetID="10" presetClass="entr" presetSubtype="0" fill="hold" grpId="0" nodeType="clickEffect">
+                                  <p:stCondLst>
+                                    <p:cond delay="0"/>
+                                  </p:stCondLst>
+                                  <p:childTnLst>
+                                    <p:set>
+                                      <p:cBhvr>
+                                        <p:cTn id="14" dur="1" fill="hold">
+                                          <p:stCondLst>
+                                            <p:cond delay="0"/>
+                                          </p:stCondLst>
+                                        </p:cTn>
+                                        <p:tgtEl>
+                                          <p:spTgt spid="3">
+                                            <p:txEl>
+                                              <p:pRg st="1" end="1"/>
+                                            </p:txEl>
+                                          </p:spTgt>
+                                        </p:tgtEl>
+                                        <p:attrNameLst>
+                                          <p:attrName>style.visibility</p:attrName>
+                                        </p:attrNameLst>
+                                      </p:cBhvr>
+                                      <p:to>
+                                        <p:strVal val="visible"/>
+                                      </p:to>
+                                    </p:set>
+                                    <p:animEffect transition="in" filter="fade">
+                                      <p:cBhvr>
+                                        <p:cTn id="15" dur="500"/>
+                                        <p:tgtEl>
+                                          <p:spTgt spid="3">
+                                            <p:txEl>
+                                              <p:pRg st="1" end="1"/>
+                                            </p:txEl>
+                                          </p:spTgt>
+                                        </p:tgtEl>
+                                      </p:cBhvr>
+                                    </p:animEffect>
+                                  </p:childTnLst>
+                                </p:cTn>
+                              </p:par>
+                              <p:par>
+                                <p:cTn id="16" presetID="10" presetClass="entr" presetSubtype="0" fill="hold" grpId="0" nodeType="withEffect">
+                                  <p:stCondLst>
+                                    <p:cond delay="0"/>
+                                  </p:stCondLst>
+                                  <p:childTnLst>
+                                    <p:set>
+                                      <p:cBhvr>
+                                        <p:cTn id="17" dur="1" fill="hold">
+                                          <p:stCondLst>
+                                            <p:cond delay="0"/>
+                                          </p:stCondLst>
+                                        </p:cTn>
+                                        <p:tgtEl>
+                                          <p:spTgt spid="11"/>
+                                        </p:tgtEl>
+                                        <p:attrNameLst>
+                                          <p:attrName>style.visibility</p:attrName>
+                                        </p:attrNameLst>
+                                      </p:cBhvr>
+                                      <p:to>
+                                        <p:strVal val="visible"/>
+                                      </p:to>
+                                    </p:set>
+                                    <p:animEffect transition="in" filter="fade">
+                                      <p:cBhvr>
+                                        <p:cTn id="18" dur="500"/>
+                                        <p:tgtEl>
+                                          <p:spTgt spid="11"/>
+                                        </p:tgtEl>
+                                      </p:cBhvr>
+                                    </p:animEffect>
+                                  </p:childTnLst>
+                                </p:cTn>
+                              </p:par>
+                            </p:childTnLst>
+                          </p:cTn>
+                        </p:par>
+                      </p:childTnLst>
+                    </p:cTn>
+                  </p:par>
+                  <p:par>
+                    <p:cTn id="19" fill="hold">
+                      <p:stCondLst>
+                        <p:cond delay="indefinite"/>
+                      </p:stCondLst>
+                      <p:childTnLst>
+                        <p:par>
+                          <p:cTn id="20" fill="hold">
+                            <p:stCondLst>
+                              <p:cond delay="0"/>
+                            </p:stCondLst>
+                            <p:childTnLst>
+                              <p:par>
+                                <p:cTn id="21" presetID="10" presetClass="entr" presetSubtype="0" fill="hold" grpId="0" nodeType="clickEffect">
+                                  <p:stCondLst>
+                                    <p:cond delay="0"/>
+                                  </p:stCondLst>
+                                  <p:childTnLst>
+                                    <p:set>
+                                      <p:cBhvr>
+                                        <p:cTn id="22" dur="1" fill="hold">
+                                          <p:stCondLst>
+                                            <p:cond delay="0"/>
+                                          </p:stCondLst>
+                                        </p:cTn>
+                                        <p:tgtEl>
+                                          <p:spTgt spid="3">
+                                            <p:txEl>
+                                              <p:pRg st="2" end="2"/>
+                                            </p:txEl>
+                                          </p:spTgt>
+                                        </p:tgtEl>
+                                        <p:attrNameLst>
+                                          <p:attrName>style.visibility</p:attrName>
+                                        </p:attrNameLst>
+                                      </p:cBhvr>
+                                      <p:to>
+                                        <p:strVal val="visible"/>
+                                      </p:to>
+                                    </p:set>
+                                    <p:animEffect transition="in" filter="fade">
+                                      <p:cBhvr>
+                                        <p:cTn id="23" dur="500"/>
+                                        <p:tgtEl>
+                                          <p:spTgt spid="3">
+                                            <p:txEl>
+                                              <p:pRg st="2" end="2"/>
+                                            </p:txEl>
+                                          </p:spTgt>
+                                        </p:tgtEl>
+                                      </p:cBhvr>
+                                    </p:animEffect>
+                                  </p:childTnLst>
+                                </p:cTn>
+                              </p:par>
+                              <p:par>
+                                <p:cTn id="24" presetID="10" presetClass="entr" presetSubtype="0" fill="hold" grpId="0" nodeType="withEffect">
+                                  <p:stCondLst>
+                                    <p:cond delay="0"/>
+                                  </p:stCondLst>
+                                  <p:childTnLst>
+                                    <p:set>
+                                      <p:cBhvr>
+                                        <p:cTn id="25" dur="1" fill="hold">
+                                          <p:stCondLst>
+                                            <p:cond delay="0"/>
+                                          </p:stCondLst>
+                                        </p:cTn>
+                                        <p:tgtEl>
+                                          <p:spTgt spid="5"/>
+                                        </p:tgtEl>
+                                        <p:attrNameLst>
+                                          <p:attrName>style.visibility</p:attrName>
+                                        </p:attrNameLst>
+                                      </p:cBhvr>
+                                      <p:to>
+                                        <p:strVal val="visible"/>
+                                      </p:to>
+                                    </p:set>
+                                    <p:animEffect transition="in" filter="fade">
+                                      <p:cBhvr>
+                                        <p:cTn id="26" dur="500"/>
+                                        <p:tgtEl>
+                                          <p:spTgt spid="5"/>
+                                        </p:tgtEl>
+                                      </p:cBhvr>
+                                    </p:animEffect>
+                                  </p:childTnLst>
+                                </p:cTn>
+                              </p:par>
+                            </p:childTnLst>
+                          </p:cTn>
+                        </p:par>
+                      </p:childTnLst>
+                    </p:cTn>
+                  </p:par>
+                  <p:par>
+                    <p:cTn id="27" fill="hold">
+                      <p:stCondLst>
+                        <p:cond delay="indefinite"/>
+                      </p:stCondLst>
+                      <p:childTnLst>
+                        <p:par>
+                          <p:cTn id="28" fill="hold">
+                            <p:stCondLst>
+                              <p:cond delay="0"/>
+                            </p:stCondLst>
+                            <p:childTnLst>
+                              <p:par>
+                                <p:cTn id="29" presetID="10" presetClass="entr" presetSubtype="0" fill="hold" grpId="0" nodeType="clickEffect">
+                                  <p:stCondLst>
+                                    <p:cond delay="0"/>
+                                  </p:stCondLst>
+                                  <p:childTnLst>
+                                    <p:set>
+                                      <p:cBhvr>
+                                        <p:cTn id="30" dur="1" fill="hold">
+                                          <p:stCondLst>
+                                            <p:cond delay="0"/>
+                                          </p:stCondLst>
+                                        </p:cTn>
+                                        <p:tgtEl>
+                                          <p:spTgt spid="3">
+                                            <p:txEl>
+                                              <p:pRg st="3" end="3"/>
+                                            </p:txEl>
+                                          </p:spTgt>
+                                        </p:tgtEl>
+                                        <p:attrNameLst>
+                                          <p:attrName>style.visibility</p:attrName>
+                                        </p:attrNameLst>
+                                      </p:cBhvr>
+                                      <p:to>
+                                        <p:strVal val="visible"/>
+                                      </p:to>
+                                    </p:set>
+                                    <p:animEffect transition="in" filter="fade">
+                                      <p:cBhvr>
+                                        <p:cTn id="31" dur="500"/>
+                                        <p:tgtEl>
+                                          <p:spTgt spid="3">
+                                            <p:txEl>
+                                              <p:pRg st="3" end="3"/>
+                                            </p:txEl>
+                                          </p:spTgt>
+                                        </p:tgtEl>
+                                      </p:cBhvr>
+                                    </p:animEffect>
+                                  </p:childTnLst>
+                                </p:cTn>
+                              </p:par>
+                              <p:par>
+                                <p:cTn id="32" presetID="10" presetClass="entr" presetSubtype="0" fill="hold" grpId="0" nodeType="withEffect">
+                                  <p:stCondLst>
+                                    <p:cond delay="0"/>
+                                  </p:stCondLst>
+                                  <p:childTnLst>
+                                    <p:set>
+                                      <p:cBhvr>
+                                        <p:cTn id="33" dur="1" fill="hold">
+                                          <p:stCondLst>
+                                            <p:cond delay="0"/>
+                                          </p:stCondLst>
+                                        </p:cTn>
+                                        <p:tgtEl>
+                                          <p:spTgt spid="8"/>
+                                        </p:tgtEl>
+                                        <p:attrNameLst>
+                                          <p:attrName>style.visibility</p:attrName>
+                                        </p:attrNameLst>
+                                      </p:cBhvr>
+                                      <p:to>
+                                        <p:strVal val="visible"/>
+                                      </p:to>
+                                    </p:set>
+                                    <p:animEffect transition="in" filter="fade">
+                                      <p:cBhvr>
+                                        <p:cTn id="34" dur="500"/>
+                                        <p:tgtEl>
+                                          <p:spTgt spid="8"/>
+                                        </p:tgtEl>
+                                      </p:cBhvr>
+                                    </p:animEffect>
+                                  </p:childTnLst>
+                                </p:cTn>
+                              </p:par>
+                            </p:childTnLst>
+                          </p:cTn>
+                        </p:par>
+                      </p:childTnLst>
+                    </p:cTn>
+                  </p:par>
+                  <p:par>
+                    <p:cTn id="35" fill="hold">
+                      <p:stCondLst>
+                        <p:cond delay="indefinite"/>
+                      </p:stCondLst>
+                      <p:childTnLst>
+                        <p:par>
+                          <p:cTn id="36" fill="hold">
+                            <p:stCondLst>
+                              <p:cond delay="0"/>
+                            </p:stCondLst>
+                            <p:childTnLst>
+                              <p:par>
+                                <p:cTn id="37" presetID="10" presetClass="entr" presetSubtype="0" fill="hold" grpId="0" nodeType="clickEffect">
+                                  <p:stCondLst>
+                                    <p:cond delay="0"/>
+                                  </p:stCondLst>
+                                  <p:childTnLst>
+                                    <p:set>
+                                      <p:cBhvr>
+                                        <p:cTn id="38" dur="1" fill="hold">
+                                          <p:stCondLst>
+                                            <p:cond delay="0"/>
+                                          </p:stCondLst>
+                                        </p:cTn>
+                                        <p:tgtEl>
+                                          <p:spTgt spid="3">
+                                            <p:txEl>
+                                              <p:pRg st="4" end="4"/>
+                                            </p:txEl>
+                                          </p:spTgt>
+                                        </p:tgtEl>
+                                        <p:attrNameLst>
+                                          <p:attrName>style.visibility</p:attrName>
+                                        </p:attrNameLst>
+                                      </p:cBhvr>
+                                      <p:to>
+                                        <p:strVal val="visible"/>
+                                      </p:to>
+                                    </p:set>
+                                    <p:animEffect transition="in" filter="fade">
+                                      <p:cBhvr>
+                                        <p:cTn id="39" dur="500"/>
+                                        <p:tgtEl>
+                                          <p:spTgt spid="3">
+                                            <p:txEl>
+                                              <p:pRg st="4" end="4"/>
+                                            </p:txEl>
+                                          </p:spTgt>
+                                        </p:tgtEl>
+                                      </p:cBhvr>
+                                    </p:animEffect>
+                                  </p:childTnLst>
+                                </p:cTn>
+                              </p:par>
+                              <p:par>
+                                <p:cTn id="40" presetID="10" presetClass="entr" presetSubtype="0" fill="hold" grpId="0" nodeType="withEffect">
+                                  <p:stCondLst>
+                                    <p:cond delay="0"/>
+                                  </p:stCondLst>
+                                  <p:childTnLst>
+                                    <p:set>
+                                      <p:cBhvr>
+                                        <p:cTn id="41" dur="1" fill="hold">
+                                          <p:stCondLst>
+                                            <p:cond delay="0"/>
+                                          </p:stCondLst>
+                                        </p:cTn>
+                                        <p:tgtEl>
+                                          <p:spTgt spid="6"/>
+                                        </p:tgtEl>
+                                        <p:attrNameLst>
+                                          <p:attrName>style.visibility</p:attrName>
+                                        </p:attrNameLst>
+                                      </p:cBhvr>
+                                      <p:to>
+                                        <p:strVal val="visible"/>
+                                      </p:to>
+                                    </p:set>
+                                    <p:animEffect transition="in" filter="fade">
+                                      <p:cBhvr>
+                                        <p:cTn id="42" dur="500"/>
+                                        <p:tgtEl>
+                                          <p:spTgt spid="6"/>
+                                        </p:tgtEl>
+                                      </p:cBhvr>
+                                    </p:animEffect>
+                                  </p:childTnLst>
+                                </p:cTn>
+                              </p:par>
+                            </p:childTnLst>
+                          </p:cTn>
+                        </p:par>
+                      </p:childTnLst>
+                    </p:cTn>
+                  </p:par>
+                  <p:par>
+                    <p:cTn id="43" fill="hold">
+                      <p:stCondLst>
+                        <p:cond delay="indefinite"/>
+                      </p:stCondLst>
+                      <p:childTnLst>
+                        <p:par>
+                          <p:cTn id="44" fill="hold">
+                            <p:stCondLst>
+                              <p:cond delay="0"/>
+                            </p:stCondLst>
+                            <p:childTnLst>
+                              <p:par>
+                                <p:cTn id="45" presetID="10" presetClass="entr" presetSubtype="0" fill="hold" grpId="0" nodeType="clickEffect">
+                                  <p:stCondLst>
+                                    <p:cond delay="0"/>
+                                  </p:stCondLst>
+                                  <p:childTnLst>
+                                    <p:set>
+                                      <p:cBhvr>
+                                        <p:cTn id="46" dur="1" fill="hold">
+                                          <p:stCondLst>
+                                            <p:cond delay="0"/>
+                                          </p:stCondLst>
+                                        </p:cTn>
+                                        <p:tgtEl>
+                                          <p:spTgt spid="3">
+                                            <p:txEl>
+                                              <p:pRg st="5" end="5"/>
+                                            </p:txEl>
+                                          </p:spTgt>
+                                        </p:tgtEl>
+                                        <p:attrNameLst>
+                                          <p:attrName>style.visibility</p:attrName>
+                                        </p:attrNameLst>
+                                      </p:cBhvr>
+                                      <p:to>
+                                        <p:strVal val="visible"/>
+                                      </p:to>
+                                    </p:set>
+                                    <p:animEffect transition="in" filter="fade">
+                                      <p:cBhvr>
+                                        <p:cTn id="47" dur="500"/>
+                                        <p:tgtEl>
+                                          <p:spTgt spid="3">
+                                            <p:txEl>
+                                              <p:pRg st="5" end="5"/>
+                                            </p:txEl>
+                                          </p:spTgt>
+                                        </p:tgtEl>
+                                      </p:cBhvr>
+                                    </p:animEffect>
+                                  </p:childTnLst>
+                                </p:cTn>
+                              </p:par>
+                              <p:par>
+                                <p:cTn id="48" presetID="10" presetClass="entr" presetSubtype="0" fill="hold" grpId="0" nodeType="withEffect">
+                                  <p:stCondLst>
+                                    <p:cond delay="0"/>
+                                  </p:stCondLst>
+                                  <p:childTnLst>
+                                    <p:set>
+                                      <p:cBhvr>
+                                        <p:cTn id="49" dur="1" fill="hold">
+                                          <p:stCondLst>
+                                            <p:cond delay="0"/>
+                                          </p:stCondLst>
+                                        </p:cTn>
+                                        <p:tgtEl>
+                                          <p:spTgt spid="9"/>
+                                        </p:tgtEl>
+                                        <p:attrNameLst>
+                                          <p:attrName>style.visibility</p:attrName>
+                                        </p:attrNameLst>
+                                      </p:cBhvr>
+                                      <p:to>
+                                        <p:strVal val="visible"/>
+                                      </p:to>
+                                    </p:set>
+                                    <p:animEffect transition="in" filter="fade">
+                                      <p:cBhvr>
+                                        <p:cTn id="50" dur="500"/>
+                                        <p:tgtEl>
+                                          <p:spTgt spid="9"/>
+                                        </p:tgtEl>
+                                      </p:cBhvr>
+                                    </p:animEffect>
+                                  </p:childTnLst>
+                                </p:cTn>
+                              </p:par>
+                            </p:childTnLst>
+                          </p:cTn>
+                        </p:par>
+                      </p:childTnLst>
+                    </p:cTn>
+                  </p:par>
+                  <p:par>
+                    <p:cTn id="51" fill="hold">
+                      <p:stCondLst>
+                        <p:cond delay="indefinite"/>
+                      </p:stCondLst>
+                      <p:childTnLst>
+                        <p:par>
+                          <p:cTn id="52" fill="hold">
+                            <p:stCondLst>
+                              <p:cond delay="0"/>
+                            </p:stCondLst>
+                            <p:childTnLst>
+                              <p:par>
+                                <p:cTn id="53" presetID="10" presetClass="entr" presetSubtype="0" fill="hold" grpId="0" nodeType="clickEffect">
+                                  <p:stCondLst>
+                                    <p:cond delay="0"/>
+                                  </p:stCondLst>
+                                  <p:childTnLst>
+                                    <p:set>
+                                      <p:cBhvr>
+                                        <p:cTn id="54" dur="1" fill="hold">
+                                          <p:stCondLst>
+                                            <p:cond delay="0"/>
+                                          </p:stCondLst>
+                                        </p:cTn>
+                                        <p:tgtEl>
+                                          <p:spTgt spid="3">
+                                            <p:txEl>
+                                              <p:pRg st="6" end="6"/>
+                                            </p:txEl>
+                                          </p:spTgt>
+                                        </p:tgtEl>
+                                        <p:attrNameLst>
+                                          <p:attrName>style.visibility</p:attrName>
+                                        </p:attrNameLst>
+                                      </p:cBhvr>
+                                      <p:to>
+                                        <p:strVal val="visible"/>
+                                      </p:to>
+                                    </p:set>
+                                    <p:animEffect transition="in" filter="fade">
+                                      <p:cBhvr>
+                                        <p:cTn id="55" dur="500"/>
+                                        <p:tgtEl>
+                                          <p:spTgt spid="3">
+                                            <p:txEl>
+                                              <p:pRg st="6" end="6"/>
+                                            </p:txEl>
+                                          </p:spTgt>
+                                        </p:tgtEl>
+                                      </p:cBhvr>
+                                    </p:animEffect>
+                                  </p:childTnLst>
+                                </p:cTn>
+                              </p:par>
+                              <p:par>
+                                <p:cTn id="56" presetID="10" presetClass="entr" presetSubtype="0" fill="hold" grpId="0" nodeType="withEffect">
+                                  <p:stCondLst>
+                                    <p:cond delay="0"/>
+                                  </p:stCondLst>
+                                  <p:childTnLst>
+                                    <p:set>
+                                      <p:cBhvr>
+                                        <p:cTn id="57" dur="1" fill="hold">
+                                          <p:stCondLst>
+                                            <p:cond delay="0"/>
+                                          </p:stCondLst>
+                                        </p:cTn>
+                                        <p:tgtEl>
+                                          <p:spTgt spid="7"/>
+                                        </p:tgtEl>
+                                        <p:attrNameLst>
+                                          <p:attrName>style.visibility</p:attrName>
+                                        </p:attrNameLst>
+                                      </p:cBhvr>
+                                      <p:to>
+                                        <p:strVal val="visible"/>
+                                      </p:to>
+                                    </p:set>
+                                    <p:animEffect transition="in" filter="fade">
+                                      <p:cBhvr>
+                                        <p:cTn id="58" dur="500"/>
+                                        <p:tgtEl>
+                                          <p:spTgt spid="7"/>
+                                        </p:tgtEl>
+                                      </p:cBhvr>
+                                    </p:animEffect>
+                                  </p:childTnLst>
+                                </p:cTn>
+                              </p:par>
+                            </p:childTnLst>
+                          </p:cTn>
+                        </p:par>
+                      </p:childTnLst>
+                    </p:cTn>
+                  </p:par>
+                </p:childTnLst>
+              </p:cTn>
+              <p:prevCondLst>
+                <p:cond evt="onPrev" delay="0">
+                  <p:tgtEl>
+                    <p:sldTgt/>
+                  </p:tgtEl>
+                </p:cond>
+              </p:prevCondLst>
+              <p:nextCondLst>
+                <p:cond evt="onNext" delay="0">
+                  <p:tgtEl>
+                    <p:sldTgt/>
+                  </p:tgtEl>
+                </p:cond>
+              </p:nextCondLst>
+            </p:seq>
+          </p:childTnLst>
+        </p:cTn>
+      </p:par>
+    </p:tnLst>
+    <p:bldLst>
+      <p:bldP spid="3" grpId="0" uiExpand="1" build="p"/>
+      <p:bldP spid="4" grpId="0" uiExpand="1" animBg="1"/>
+      <p:bldP spid="11" grpId="0" uiExpand="1" animBg="1"/>
+      <p:bldP spid="5" grpId="0" uiExpand="1" animBg="1"/>
+      <p:bldP spid="8" grpId="0" uiExpand="1" animBg="1"/>
+      <p:bldP spid="6" grpId="0" uiExpand="1" animBg="1"/>
+      <p:bldP spid="9" grpId="0" uiExpand="1" animBg="1"/>
+      <p:bldP spid="7" grpId="0" animBg="1"/>
+    </p:bldLst>
+  </p:timing>
+</p:sld>
+</file>
+
+<file path=ppt/slides/slide12.xml><?xml version="1.0" encoding="utf-8"?>
+<p:sld xmlns:a="http://schemas.openxmlformats.org/drawingml/2006/main" xmlns:r="http://schemas.openxmlformats.org/officeDocument/2006/relationships" xmlns:p="http://schemas.openxmlformats.org/presentationml/2006/main">
+  <p:cSld>
     <p:spTree>
       <p:nvGrpSpPr>
         <p:cNvPr id="1" name=""/>
@@ -5070,7 +6550,7 @@
 </p:sld>
 </file>
 
-<file path=ppt/slides/slide11.xml><?xml version="1.0" encoding="utf-8"?>
+<file path=ppt/slides/slide13.xml><?xml version="1.0" encoding="utf-8"?>
 <p:sld xmlns:a="http://schemas.openxmlformats.org/drawingml/2006/main" xmlns:r="http://schemas.openxmlformats.org/officeDocument/2006/relationships" xmlns:p="http://schemas.openxmlformats.org/presentationml/2006/main">
   <p:cSld>
     <p:spTree>
@@ -5149,7 +6629,7 @@
 </p:sld>
 </file>
 
-<file path=ppt/slides/slide12.xml><?xml version="1.0" encoding="utf-8"?>
+<file path=ppt/slides/slide14.xml><?xml version="1.0" encoding="utf-8"?>
 <p:sld xmlns:a="http://schemas.openxmlformats.org/drawingml/2006/main" xmlns:r="http://schemas.openxmlformats.org/officeDocument/2006/relationships" xmlns:p="http://schemas.openxmlformats.org/presentationml/2006/main">
   <p:cSld>
     <p:spTree>
@@ -5273,7 +6753,7 @@
 </p:sld>
 </file>
 
-<file path=ppt/slides/slide13.xml><?xml version="1.0" encoding="utf-8"?>
+<file path=ppt/slides/slide15.xml><?xml version="1.0" encoding="utf-8"?>
 <p:sld xmlns:a="http://schemas.openxmlformats.org/drawingml/2006/main" xmlns:r="http://schemas.openxmlformats.org/officeDocument/2006/relationships" xmlns:p="http://schemas.openxmlformats.org/presentationml/2006/main">
   <p:cSld>
     <p:spTree>
@@ -5391,7 +6871,7 @@
 </p:sld>
 </file>
 
-<file path=ppt/slides/slide14.xml><?xml version="1.0" encoding="utf-8"?>
+<file path=ppt/slides/slide16.xml><?xml version="1.0" encoding="utf-8"?>
 <p:sld xmlns:a="http://schemas.openxmlformats.org/drawingml/2006/main" xmlns:r="http://schemas.openxmlformats.org/officeDocument/2006/relationships" xmlns:p="http://schemas.openxmlformats.org/presentationml/2006/main">
   <p:cSld>
     <p:spTree>
@@ -5528,7 +7008,7 @@
 </p:sld>
 </file>
 
-<file path=ppt/slides/slide15.xml><?xml version="1.0" encoding="utf-8"?>
+<file path=ppt/slides/slide17.xml><?xml version="1.0" encoding="utf-8"?>
 <p:sld xmlns:a="http://schemas.openxmlformats.org/drawingml/2006/main" xmlns:r="http://schemas.openxmlformats.org/officeDocument/2006/relationships" xmlns:p="http://schemas.openxmlformats.org/presentationml/2006/main">
   <p:cSld>
     <p:spTree>
@@ -5899,7 +7379,7 @@
 </p:sld>
 </file>
 
-<file path=ppt/slides/slide16.xml><?xml version="1.0" encoding="utf-8"?>
+<file path=ppt/slides/slide18.xml><?xml version="1.0" encoding="utf-8"?>
 <p:sld xmlns:a="http://schemas.openxmlformats.org/drawingml/2006/main" xmlns:r="http://schemas.openxmlformats.org/officeDocument/2006/relationships" xmlns:p="http://schemas.openxmlformats.org/presentationml/2006/main">
   <p:cSld>
     <p:spTree>
@@ -6008,7 +7488,7 @@
 </p:sld>
 </file>
 
-<file path=ppt/slides/slide17.xml><?xml version="1.0" encoding="utf-8"?>
+<file path=ppt/slides/slide19.xml><?xml version="1.0" encoding="utf-8"?>
 <p:sld xmlns:a="http://schemas.openxmlformats.org/drawingml/2006/main" xmlns:r="http://schemas.openxmlformats.org/officeDocument/2006/relationships" xmlns:p="http://schemas.openxmlformats.org/presentationml/2006/main">
   <p:cSld>
     <p:spTree>
@@ -8837,7 +10317,205 @@
 </p:sld>
 </file>
 
-<file path=ppt/slides/slide18.xml><?xml version="1.0" encoding="utf-8"?>
+<file path=ppt/slides/slide2.xml><?xml version="1.0" encoding="utf-8"?>
+<p:sld xmlns:a="http://schemas.openxmlformats.org/drawingml/2006/main" xmlns:r="http://schemas.openxmlformats.org/officeDocument/2006/relationships" xmlns:p="http://schemas.openxmlformats.org/presentationml/2006/main">
+  <p:cSld>
+    <p:spTree>
+      <p:nvGrpSpPr>
+        <p:cNvPr id="1" name=""/>
+        <p:cNvGrpSpPr/>
+        <p:nvPr/>
+      </p:nvGrpSpPr>
+      <p:grpSpPr>
+        <a:xfrm>
+          <a:off x="0" y="0"/>
+          <a:ext cx="0" cy="0"/>
+          <a:chOff x="0" y="0"/>
+          <a:chExt cx="0" cy="0"/>
+        </a:xfrm>
+      </p:grpSpPr>
+      <p:pic>
+        <p:nvPicPr>
+          <p:cNvPr id="3" name="Picture 2" descr="microsoft030Medium.jpg"/>
+          <p:cNvPicPr>
+            <a:picLocks noChangeAspect="1"/>
+          </p:cNvPicPr>
+          <p:nvPr/>
+        </p:nvPicPr>
+        <p:blipFill>
+          <a:blip r:embed="rId3"/>
+          <a:stretch>
+            <a:fillRect/>
+          </a:stretch>
+        </p:blipFill>
+        <p:spPr>
+          <a:xfrm>
+            <a:off x="9605963" y="177800"/>
+            <a:ext cx="2477163" cy="3467307"/>
+          </a:xfrm>
+          <a:prstGeom prst="rect">
+            <a:avLst/>
+          </a:prstGeom>
+        </p:spPr>
+      </p:pic>
+      <p:sp>
+        <p:nvSpPr>
+          <p:cNvPr id="2" name="Title 1"/>
+          <p:cNvSpPr>
+            <a:spLocks noGrp="1"/>
+          </p:cNvSpPr>
+          <p:nvPr>
+            <p:ph type="title"/>
+          </p:nvPr>
+        </p:nvSpPr>
+        <p:spPr/>
+        <p:txBody>
+          <a:bodyPr/>
+          <a:lstStyle/>
+          <a:p>
+            <a:r>
+              <a:rPr lang="en-US"/>
+              <a:t>Meet Susan Ibach| ‏@hockeygeekgirl</a:t>
+            </a:r>
+            <a:endParaRPr lang="en-US" dirty="0"/>
+          </a:p>
+        </p:txBody>
+      </p:sp>
+      <p:sp>
+        <p:nvSpPr>
+          <p:cNvPr id="7" name="Content Placeholder 6"/>
+          <p:cNvSpPr>
+            <a:spLocks noGrp="1"/>
+          </p:cNvSpPr>
+          <p:nvPr>
+            <p:ph idx="10"/>
+          </p:nvPr>
+        </p:nvSpPr>
+        <p:spPr>
+          <a:xfrm>
+            <a:off x="379413" y="1387475"/>
+            <a:ext cx="9183494" cy="5291138"/>
+          </a:xfrm>
+        </p:spPr>
+        <p:txBody>
+          <a:bodyPr/>
+          <a:lstStyle/>
+          <a:p>
+            <a:pPr marL="0" indent="0">
+              <a:buNone/>
+            </a:pPr>
+            <a:r>
+              <a:rPr lang="en-US"/>
+              <a:t>Technical Evangelist</a:t>
+            </a:r>
+          </a:p>
+          <a:p>
+            <a:pPr marL="457046" lvl="1" indent="0">
+              <a:buNone/>
+            </a:pPr>
+            <a:r>
+              <a:rPr lang="en-US">
+                <a:solidFill>
+                  <a:srgbClr val="404040"/>
+                </a:solidFill>
+              </a:rPr>
+              <a:t>Helping developers understand Visual Studio, app building</a:t>
+            </a:r>
+          </a:p>
+          <a:p>
+            <a:pPr marL="457046" lvl="1" indent="0">
+              <a:buNone/>
+            </a:pPr>
+            <a:r>
+              <a:rPr lang="en-US">
+                <a:solidFill>
+                  <a:srgbClr val="404040"/>
+                </a:solidFill>
+              </a:rPr>
+              <a:t>Microsoft Certified Trainer</a:t>
+            </a:r>
+          </a:p>
+          <a:p>
+            <a:pPr marL="457046" lvl="1" indent="0">
+              <a:buNone/>
+            </a:pPr>
+            <a:r>
+              <a:rPr lang="en-US">
+                <a:solidFill>
+                  <a:srgbClr val="404040"/>
+                </a:solidFill>
+              </a:rPr>
+              <a:t>My first program was written in basic on a computer with 64K of memory</a:t>
+            </a:r>
+          </a:p>
+          <a:p>
+            <a:pPr marL="0" indent="0">
+              <a:buNone/>
+            </a:pPr>
+            <a:r>
+              <a:rPr lang="en-US"/>
+              <a:t>Will not admit how many years coding experience</a:t>
+            </a:r>
+          </a:p>
+          <a:p>
+            <a:pPr marL="457046" lvl="1" indent="0">
+              <a:buNone/>
+            </a:pPr>
+            <a:r>
+              <a:rPr lang="en-US"/>
+              <a:t>Basic, Fortran, COBOL, VB, C#, HTML, Python</a:t>
+            </a:r>
+          </a:p>
+          <a:p>
+            <a:pPr marL="457046" lvl="1" indent="0">
+              <a:buNone/>
+            </a:pPr>
+            <a:r>
+              <a:rPr lang="en-US"/>
+              <a:t>Frequent blogger and presenter</a:t>
+            </a:r>
+          </a:p>
+          <a:p>
+            <a:pPr marL="457046" lvl="1" indent="0">
+              <a:buNone/>
+            </a:pPr>
+            <a:r>
+              <a:rPr lang="en-US"/>
+              <a:t>marathoner, wife, and mother of two awesome boys!</a:t>
+            </a:r>
+            <a:endParaRPr lang="en-US" dirty="0"/>
+          </a:p>
+        </p:txBody>
+      </p:sp>
+    </p:spTree>
+    <p:extLst>
+      <p:ext uri="{BB962C8B-B14F-4D97-AF65-F5344CB8AC3E}">
+        <p14:creationId xmlns:p14="http://schemas.microsoft.com/office/powerpoint/2010/main" val="499183662"/>
+      </p:ext>
+    </p:extLst>
+  </p:cSld>
+  <p:clrMapOvr>
+    <a:masterClrMapping/>
+  </p:clrMapOvr>
+  <mc:AlternateContent xmlns:mc="http://schemas.openxmlformats.org/markup-compatibility/2006" xmlns:p14="http://schemas.microsoft.com/office/powerpoint/2010/main">
+    <mc:Choice Requires="p14">
+      <p:transition spd="slow" p14:dur="2000"/>
+    </mc:Choice>
+    <mc:Fallback xmlns="">
+      <p:transition spd="slow"/>
+    </mc:Fallback>
+  </mc:AlternateContent>
+  <p:timing>
+    <p:tnLst>
+      <p:par>
+        <p:cTn id="1" dur="indefinite" restart="never" nodeType="tmRoot"/>
+      </p:par>
+    </p:tnLst>
+  </p:timing>
+</p:sld>
+</file>
+
+<file path=ppt/slides/slide20.xml><?xml version="1.0" encoding="utf-8"?>
 <p:sld xmlns:a="http://schemas.openxmlformats.org/drawingml/2006/main" xmlns:r="http://schemas.openxmlformats.org/officeDocument/2006/relationships" xmlns:p="http://schemas.openxmlformats.org/presentationml/2006/main">
   <p:cSld>
     <p:spTree>
@@ -8961,7 +10639,7 @@
 </p:sld>
 </file>
 
-<file path=ppt/slides/slide19.xml><?xml version="1.0" encoding="utf-8"?>
+<file path=ppt/slides/slide21.xml><?xml version="1.0" encoding="utf-8"?>
 <p:sld xmlns:a="http://schemas.openxmlformats.org/drawingml/2006/main" xmlns:r="http://schemas.openxmlformats.org/officeDocument/2006/relationships" xmlns:p="http://schemas.openxmlformats.org/presentationml/2006/main" show="0">
   <p:cSld>
     <p:spTree>
@@ -9206,205 +10884,7 @@
 </p:sld>
 </file>
 
-<file path=ppt/slides/slide2.xml><?xml version="1.0" encoding="utf-8"?>
-<p:sld xmlns:a="http://schemas.openxmlformats.org/drawingml/2006/main" xmlns:r="http://schemas.openxmlformats.org/officeDocument/2006/relationships" xmlns:p="http://schemas.openxmlformats.org/presentationml/2006/main">
-  <p:cSld>
-    <p:spTree>
-      <p:nvGrpSpPr>
-        <p:cNvPr id="1" name=""/>
-        <p:cNvGrpSpPr/>
-        <p:nvPr/>
-      </p:nvGrpSpPr>
-      <p:grpSpPr>
-        <a:xfrm>
-          <a:off x="0" y="0"/>
-          <a:ext cx="0" cy="0"/>
-          <a:chOff x="0" y="0"/>
-          <a:chExt cx="0" cy="0"/>
-        </a:xfrm>
-      </p:grpSpPr>
-      <p:pic>
-        <p:nvPicPr>
-          <p:cNvPr id="3" name="Picture 2" descr="microsoft030Medium.jpg"/>
-          <p:cNvPicPr>
-            <a:picLocks noChangeAspect="1"/>
-          </p:cNvPicPr>
-          <p:nvPr/>
-        </p:nvPicPr>
-        <p:blipFill>
-          <a:blip r:embed="rId3"/>
-          <a:stretch>
-            <a:fillRect/>
-          </a:stretch>
-        </p:blipFill>
-        <p:spPr>
-          <a:xfrm>
-            <a:off x="9605963" y="177800"/>
-            <a:ext cx="2477163" cy="3467307"/>
-          </a:xfrm>
-          <a:prstGeom prst="rect">
-            <a:avLst/>
-          </a:prstGeom>
-        </p:spPr>
-      </p:pic>
-      <p:sp>
-        <p:nvSpPr>
-          <p:cNvPr id="2" name="Title 1"/>
-          <p:cNvSpPr>
-            <a:spLocks noGrp="1"/>
-          </p:cNvSpPr>
-          <p:nvPr>
-            <p:ph type="title"/>
-          </p:nvPr>
-        </p:nvSpPr>
-        <p:spPr/>
-        <p:txBody>
-          <a:bodyPr/>
-          <a:lstStyle/>
-          <a:p>
-            <a:r>
-              <a:rPr lang="en-US"/>
-              <a:t>Meet Susan Ibach| ‏@hockeygeekgirl</a:t>
-            </a:r>
-            <a:endParaRPr lang="en-US" dirty="0"/>
-          </a:p>
-        </p:txBody>
-      </p:sp>
-      <p:sp>
-        <p:nvSpPr>
-          <p:cNvPr id="7" name="Content Placeholder 6"/>
-          <p:cNvSpPr>
-            <a:spLocks noGrp="1"/>
-          </p:cNvSpPr>
-          <p:nvPr>
-            <p:ph idx="10"/>
-          </p:nvPr>
-        </p:nvSpPr>
-        <p:spPr>
-          <a:xfrm>
-            <a:off x="379413" y="1387475"/>
-            <a:ext cx="9183494" cy="5291138"/>
-          </a:xfrm>
-        </p:spPr>
-        <p:txBody>
-          <a:bodyPr/>
-          <a:lstStyle/>
-          <a:p>
-            <a:pPr marL="0" indent="0">
-              <a:buNone/>
-            </a:pPr>
-            <a:r>
-              <a:rPr lang="en-US"/>
-              <a:t>Technical Evangelist</a:t>
-            </a:r>
-          </a:p>
-          <a:p>
-            <a:pPr marL="457046" lvl="1" indent="0">
-              <a:buNone/>
-            </a:pPr>
-            <a:r>
-              <a:rPr lang="en-US">
-                <a:solidFill>
-                  <a:srgbClr val="404040"/>
-                </a:solidFill>
-              </a:rPr>
-              <a:t>Helping developers understand Visual Studio, app building</a:t>
-            </a:r>
-          </a:p>
-          <a:p>
-            <a:pPr marL="457046" lvl="1" indent="0">
-              <a:buNone/>
-            </a:pPr>
-            <a:r>
-              <a:rPr lang="en-US">
-                <a:solidFill>
-                  <a:srgbClr val="404040"/>
-                </a:solidFill>
-              </a:rPr>
-              <a:t>Microsoft Certified Trainer</a:t>
-            </a:r>
-          </a:p>
-          <a:p>
-            <a:pPr marL="457046" lvl="1" indent="0">
-              <a:buNone/>
-            </a:pPr>
-            <a:r>
-              <a:rPr lang="en-US">
-                <a:solidFill>
-                  <a:srgbClr val="404040"/>
-                </a:solidFill>
-              </a:rPr>
-              <a:t>My first program was written in basic on a computer with 64K of memory</a:t>
-            </a:r>
-          </a:p>
-          <a:p>
-            <a:pPr marL="0" indent="0">
-              <a:buNone/>
-            </a:pPr>
-            <a:r>
-              <a:rPr lang="en-US"/>
-              <a:t>Will not admit how many years coding experience</a:t>
-            </a:r>
-          </a:p>
-          <a:p>
-            <a:pPr marL="457046" lvl="1" indent="0">
-              <a:buNone/>
-            </a:pPr>
-            <a:r>
-              <a:rPr lang="en-US"/>
-              <a:t>Basic, Fortran, COBOL, VB, C#, HTML, Python</a:t>
-            </a:r>
-          </a:p>
-          <a:p>
-            <a:pPr marL="457046" lvl="1" indent="0">
-              <a:buNone/>
-            </a:pPr>
-            <a:r>
-              <a:rPr lang="en-US"/>
-              <a:t>Frequent blogger and presenter</a:t>
-            </a:r>
-          </a:p>
-          <a:p>
-            <a:pPr marL="457046" lvl="1" indent="0">
-              <a:buNone/>
-            </a:pPr>
-            <a:r>
-              <a:rPr lang="en-US"/>
-              <a:t>marathoner, wife, and mother of two awesome boys!</a:t>
-            </a:r>
-            <a:endParaRPr lang="en-US" dirty="0"/>
-          </a:p>
-        </p:txBody>
-      </p:sp>
-    </p:spTree>
-    <p:extLst>
-      <p:ext uri="{BB962C8B-B14F-4D97-AF65-F5344CB8AC3E}">
-        <p14:creationId xmlns:p14="http://schemas.microsoft.com/office/powerpoint/2010/main" val="499183662"/>
-      </p:ext>
-    </p:extLst>
-  </p:cSld>
-  <p:clrMapOvr>
-    <a:masterClrMapping/>
-  </p:clrMapOvr>
-  <mc:AlternateContent xmlns:mc="http://schemas.openxmlformats.org/markup-compatibility/2006" xmlns:p14="http://schemas.microsoft.com/office/powerpoint/2010/main">
-    <mc:Choice Requires="p14">
-      <p:transition spd="slow" p14:dur="2000"/>
-    </mc:Choice>
-    <mc:Fallback xmlns="">
-      <p:transition spd="slow"/>
-    </mc:Fallback>
-  </mc:AlternateContent>
-  <p:timing>
-    <p:tnLst>
-      <p:par>
-        <p:cTn id="1" dur="indefinite" restart="never" nodeType="tmRoot"/>
-      </p:par>
-    </p:tnLst>
-  </p:timing>
-</p:sld>
-</file>
-
-<file path=ppt/slides/slide20.xml><?xml version="1.0" encoding="utf-8"?>
+<file path=ppt/slides/slide22.xml><?xml version="1.0" encoding="utf-8"?>
 <p:sld xmlns:a="http://schemas.openxmlformats.org/drawingml/2006/main" xmlns:r="http://schemas.openxmlformats.org/officeDocument/2006/relationships" xmlns:p="http://schemas.openxmlformats.org/presentationml/2006/main">
   <p:cSld>
     <p:spTree>
@@ -9464,7 +10944,7 @@
 </p:sld>
 </file>
 
-<file path=ppt/slides/slide21.xml><?xml version="1.0" encoding="utf-8"?>
+<file path=ppt/slides/slide23.xml><?xml version="1.0" encoding="utf-8"?>
 <p:sld xmlns:a="http://schemas.openxmlformats.org/drawingml/2006/main" xmlns:r="http://schemas.openxmlformats.org/officeDocument/2006/relationships" xmlns:p="http://schemas.openxmlformats.org/presentationml/2006/main">
   <p:cSld>
     <p:spTree>
@@ -9533,1299 +11013,6 @@
   <p:clrMapOvr>
     <a:masterClrMapping/>
   </p:clrMapOvr>
-  <p:timing>
-    <p:tnLst>
-      <p:par>
-        <p:cTn id="1" dur="indefinite" restart="never" nodeType="tmRoot"/>
-      </p:par>
-    </p:tnLst>
-  </p:timing>
-</p:sld>
-</file>
-
-<file path=ppt/slides/slide22.xml><?xml version="1.0" encoding="utf-8"?>
-<p:sld xmlns:a="http://schemas.openxmlformats.org/drawingml/2006/main" xmlns:r="http://schemas.openxmlformats.org/officeDocument/2006/relationships" xmlns:p="http://schemas.openxmlformats.org/presentationml/2006/main">
-  <p:cSld>
-    <p:spTree>
-      <p:nvGrpSpPr>
-        <p:cNvPr id="1" name=""/>
-        <p:cNvGrpSpPr/>
-        <p:nvPr/>
-      </p:nvGrpSpPr>
-      <p:grpSpPr>
-        <a:xfrm>
-          <a:off x="0" y="0"/>
-          <a:ext cx="0" cy="0"/>
-          <a:chOff x="0" y="0"/>
-          <a:chExt cx="0" cy="0"/>
-        </a:xfrm>
-      </p:grpSpPr>
-      <p:sp>
-        <p:nvSpPr>
-          <p:cNvPr id="2" name="Title 1"/>
-          <p:cNvSpPr>
-            <a:spLocks noGrp="1"/>
-          </p:cNvSpPr>
-          <p:nvPr>
-            <p:ph type="title"/>
-          </p:nvPr>
-        </p:nvSpPr>
-        <p:spPr/>
-        <p:txBody>
-          <a:bodyPr/>
-          <a:lstStyle/>
-          <a:p>
-            <a:r>
-              <a:rPr lang="en-US" dirty="0" smtClean="0"/>
-              <a:t>What is a package?</a:t>
-            </a:r>
-            <a:endParaRPr lang="en-US" dirty="0"/>
-          </a:p>
-        </p:txBody>
-      </p:sp>
-      <p:sp>
-        <p:nvSpPr>
-          <p:cNvPr id="3" name="Content Placeholder 2"/>
-          <p:cNvSpPr>
-            <a:spLocks noGrp="1"/>
-          </p:cNvSpPr>
-          <p:nvPr>
-            <p:ph sz="quarter" idx="10"/>
-          </p:nvPr>
-        </p:nvSpPr>
-        <p:spPr/>
-        <p:txBody>
-          <a:bodyPr/>
-          <a:lstStyle/>
-          <a:p>
-            <a:r>
-              <a:rPr lang="en-US" dirty="0" smtClean="0"/>
-              <a:t>A packaged block of code</a:t>
-            </a:r>
-          </a:p>
-          <a:p>
-            <a:r>
-              <a:rPr lang="en-US" dirty="0" smtClean="0"/>
-              <a:t>Folders and modules</a:t>
-            </a:r>
-          </a:p>
-          <a:p>
-            <a:pPr lvl="1"/>
-            <a:r>
-              <a:rPr lang="en-US" dirty="0" smtClean="0"/>
-              <a:t>Folders become containers</a:t>
-            </a:r>
-          </a:p>
-          <a:p>
-            <a:pPr lvl="1"/>
-            <a:r>
-              <a:rPr lang="en-US" dirty="0" smtClean="0"/>
-              <a:t>The modules are inside of folders</a:t>
-            </a:r>
-            <a:endParaRPr lang="en-US" dirty="0"/>
-          </a:p>
-        </p:txBody>
-      </p:sp>
-    </p:spTree>
-    <p:extLst>
-      <p:ext uri="{BB962C8B-B14F-4D97-AF65-F5344CB8AC3E}">
-        <p14:creationId xmlns:p14="http://schemas.microsoft.com/office/powerpoint/2010/main" val="2573937312"/>
-      </p:ext>
-    </p:extLst>
-  </p:cSld>
-  <p:clrMapOvr>
-    <a:masterClrMapping/>
-  </p:clrMapOvr>
-  <p:timing>
-    <p:tnLst>
-      <p:par>
-        <p:cTn id="1" dur="indefinite" restart="never" nodeType="tmRoot"/>
-      </p:par>
-    </p:tnLst>
-  </p:timing>
-</p:sld>
-</file>
-
-<file path=ppt/slides/slide23.xml><?xml version="1.0" encoding="utf-8"?>
-<p:sld xmlns:a="http://schemas.openxmlformats.org/drawingml/2006/main" xmlns:r="http://schemas.openxmlformats.org/officeDocument/2006/relationships" xmlns:p="http://schemas.openxmlformats.org/presentationml/2006/main" show="0">
-  <p:cSld>
-    <p:spTree>
-      <p:nvGrpSpPr>
-        <p:cNvPr id="1" name=""/>
-        <p:cNvGrpSpPr/>
-        <p:nvPr/>
-      </p:nvGrpSpPr>
-      <p:grpSpPr>
-        <a:xfrm>
-          <a:off x="0" y="0"/>
-          <a:ext cx="0" cy="0"/>
-          <a:chOff x="0" y="0"/>
-          <a:chExt cx="0" cy="0"/>
-        </a:xfrm>
-      </p:grpSpPr>
-      <p:sp>
-        <p:nvSpPr>
-          <p:cNvPr id="2" name="Title 1"/>
-          <p:cNvSpPr>
-            <a:spLocks noGrp="1"/>
-          </p:cNvSpPr>
-          <p:nvPr>
-            <p:ph type="title"/>
-          </p:nvPr>
-        </p:nvSpPr>
-        <p:spPr/>
-        <p:txBody>
-          <a:bodyPr/>
-          <a:lstStyle/>
-          <a:p>
-            <a:r>
-              <a:rPr lang="en-US" dirty="0" smtClean="0"/>
-              <a:t>Why use packages?</a:t>
-            </a:r>
-            <a:endParaRPr lang="en-US" dirty="0"/>
-          </a:p>
-        </p:txBody>
-      </p:sp>
-      <p:sp>
-        <p:nvSpPr>
-          <p:cNvPr id="3" name="Content Placeholder 2"/>
-          <p:cNvSpPr>
-            <a:spLocks noGrp="1"/>
-          </p:cNvSpPr>
-          <p:nvPr>
-            <p:ph sz="quarter" idx="10"/>
-          </p:nvPr>
-        </p:nvSpPr>
-        <p:spPr>
-          <a:xfrm>
-            <a:off x="379413" y="1388226"/>
-            <a:ext cx="7761410" cy="5290388"/>
-          </a:xfrm>
-        </p:spPr>
-        <p:txBody>
-          <a:bodyPr/>
-          <a:lstStyle/>
-          <a:p>
-            <a:r>
-              <a:rPr lang="en-US" dirty="0"/>
-              <a:t>We can't keep adding code to a single </a:t>
-            </a:r>
-            <a:r>
-              <a:rPr lang="en-US" dirty="0" smtClean="0"/>
-              <a:t>file</a:t>
-            </a:r>
-          </a:p>
-          <a:p>
-            <a:r>
-              <a:rPr lang="en-US" dirty="0"/>
-              <a:t>Putting all of your files in one folder doesn't </a:t>
-            </a:r>
-            <a:r>
-              <a:rPr lang="en-US" dirty="0" smtClean="0"/>
-              <a:t>scale</a:t>
-            </a:r>
-            <a:endParaRPr lang="en-US" dirty="0"/>
-          </a:p>
-        </p:txBody>
-      </p:sp>
-      <p:sp>
-        <p:nvSpPr>
-          <p:cNvPr id="4" name="Vertical Scroll 3"/>
-          <p:cNvSpPr/>
-          <p:nvPr/>
-        </p:nvSpPr>
-        <p:spPr>
-          <a:xfrm>
-            <a:off x="8256234" y="1388226"/>
-            <a:ext cx="2299316" cy="4767310"/>
-          </a:xfrm>
-          <a:prstGeom prst="verticalScroll">
-            <a:avLst/>
-          </a:prstGeom>
-        </p:spPr>
-        <p:style>
-          <a:lnRef idx="1">
-            <a:schemeClr val="accent1"/>
-          </a:lnRef>
-          <a:fillRef idx="2">
-            <a:schemeClr val="accent1"/>
-          </a:fillRef>
-          <a:effectRef idx="1">
-            <a:schemeClr val="accent1"/>
-          </a:effectRef>
-          <a:fontRef idx="minor">
-            <a:schemeClr val="dk1"/>
-          </a:fontRef>
-        </p:style>
-        <p:txBody>
-          <a:bodyPr rtlCol="0" anchor="ctr"/>
-          <a:lstStyle/>
-          <a:p>
-            <a:r>
-              <a:rPr lang="en-US" sz="800" dirty="0"/>
-              <a:t>Lorem ipsum dolor sit </a:t>
-            </a:r>
-            <a:r>
-              <a:rPr lang="en-US" sz="800" dirty="0" err="1"/>
-              <a:t>amet</a:t>
-            </a:r>
-            <a:r>
-              <a:rPr lang="en-US" sz="800" dirty="0"/>
-              <a:t>, </a:t>
-            </a:r>
-            <a:r>
-              <a:rPr lang="en-US" sz="800" dirty="0" err="1"/>
-              <a:t>consectetur</a:t>
-            </a:r>
-            <a:r>
-              <a:rPr lang="en-US" sz="800" dirty="0"/>
-              <a:t> </a:t>
-            </a:r>
-            <a:r>
-              <a:rPr lang="en-US" sz="800" dirty="0" err="1"/>
-              <a:t>adipiscing</a:t>
-            </a:r>
-            <a:r>
-              <a:rPr lang="en-US" sz="800" dirty="0"/>
-              <a:t> </a:t>
-            </a:r>
-            <a:r>
-              <a:rPr lang="en-US" sz="800" dirty="0" err="1"/>
-              <a:t>elit</a:t>
-            </a:r>
-            <a:r>
-              <a:rPr lang="en-US" sz="800" dirty="0"/>
-              <a:t>. </a:t>
-            </a:r>
-            <a:r>
-              <a:rPr lang="en-US" sz="800" dirty="0" err="1"/>
-              <a:t>Nullam</a:t>
-            </a:r>
-            <a:r>
-              <a:rPr lang="en-US" sz="800" dirty="0"/>
-              <a:t> </a:t>
-            </a:r>
-            <a:r>
-              <a:rPr lang="en-US" sz="800" dirty="0" err="1"/>
-              <a:t>fermentum</a:t>
-            </a:r>
-            <a:r>
-              <a:rPr lang="en-US" sz="800" dirty="0"/>
-              <a:t> cursus quam et </a:t>
-            </a:r>
-            <a:r>
-              <a:rPr lang="en-US" sz="800" dirty="0" err="1"/>
-              <a:t>mollis</a:t>
-            </a:r>
-            <a:r>
-              <a:rPr lang="en-US" sz="800" dirty="0"/>
-              <a:t>. </a:t>
-            </a:r>
-            <a:r>
-              <a:rPr lang="en-US" sz="800" dirty="0" err="1"/>
-              <a:t>Proin</a:t>
-            </a:r>
-            <a:r>
-              <a:rPr lang="en-US" sz="800" dirty="0"/>
-              <a:t> a </a:t>
-            </a:r>
-            <a:r>
-              <a:rPr lang="en-US" sz="800" dirty="0" err="1"/>
-              <a:t>tellus</a:t>
-            </a:r>
-            <a:r>
-              <a:rPr lang="en-US" sz="800" dirty="0"/>
-              <a:t> </a:t>
-            </a:r>
-            <a:r>
-              <a:rPr lang="en-US" sz="800" dirty="0" err="1"/>
-              <a:t>condimentum</a:t>
-            </a:r>
-            <a:r>
-              <a:rPr lang="en-US" sz="800" dirty="0"/>
-              <a:t>, </a:t>
-            </a:r>
-            <a:r>
-              <a:rPr lang="en-US" sz="800" dirty="0" err="1"/>
-              <a:t>tincidunt</a:t>
-            </a:r>
-            <a:r>
-              <a:rPr lang="en-US" sz="800" dirty="0"/>
-              <a:t> </a:t>
-            </a:r>
-            <a:r>
-              <a:rPr lang="en-US" sz="800" dirty="0" err="1"/>
-              <a:t>massa</a:t>
-            </a:r>
-            <a:r>
-              <a:rPr lang="en-US" sz="800" dirty="0"/>
-              <a:t> id, dictum ante. </a:t>
-            </a:r>
-            <a:r>
-              <a:rPr lang="en-US" sz="800" dirty="0" err="1"/>
-              <a:t>Pellentesque</a:t>
-            </a:r>
-            <a:r>
-              <a:rPr lang="en-US" sz="800" dirty="0"/>
-              <a:t> </a:t>
-            </a:r>
-            <a:r>
-              <a:rPr lang="en-US" sz="800" dirty="0" err="1"/>
-              <a:t>imperdiet</a:t>
-            </a:r>
-            <a:r>
-              <a:rPr lang="en-US" sz="800" dirty="0"/>
-              <a:t> </a:t>
-            </a:r>
-            <a:r>
-              <a:rPr lang="en-US" sz="800" dirty="0" err="1"/>
-              <a:t>finibus</a:t>
-            </a:r>
-            <a:r>
-              <a:rPr lang="en-US" sz="800" dirty="0"/>
-              <a:t> </a:t>
-            </a:r>
-            <a:r>
-              <a:rPr lang="en-US" sz="800" dirty="0" err="1"/>
-              <a:t>tortor</a:t>
-            </a:r>
-            <a:r>
-              <a:rPr lang="en-US" sz="800" dirty="0"/>
-              <a:t>, et </a:t>
-            </a:r>
-            <a:r>
-              <a:rPr lang="en-US" sz="800" dirty="0" err="1"/>
-              <a:t>dignissim</a:t>
-            </a:r>
-            <a:r>
-              <a:rPr lang="en-US" sz="800" dirty="0"/>
-              <a:t> </a:t>
-            </a:r>
-            <a:r>
-              <a:rPr lang="en-US" sz="800" dirty="0" err="1"/>
-              <a:t>neque</a:t>
-            </a:r>
-            <a:r>
-              <a:rPr lang="en-US" sz="800" dirty="0"/>
-              <a:t> </a:t>
-            </a:r>
-            <a:r>
-              <a:rPr lang="en-US" sz="800" dirty="0" err="1"/>
-              <a:t>viverra</a:t>
-            </a:r>
-            <a:r>
-              <a:rPr lang="en-US" sz="800" dirty="0"/>
-              <a:t> </a:t>
-            </a:r>
-            <a:r>
-              <a:rPr lang="en-US" sz="800" dirty="0" err="1"/>
-              <a:t>quis</a:t>
-            </a:r>
-            <a:r>
-              <a:rPr lang="en-US" sz="800" dirty="0"/>
-              <a:t>. </a:t>
-            </a:r>
-            <a:r>
-              <a:rPr lang="en-US" sz="800" dirty="0" err="1"/>
-              <a:t>Suspendisse</a:t>
-            </a:r>
-            <a:r>
-              <a:rPr lang="en-US" sz="800" dirty="0"/>
-              <a:t> </a:t>
-            </a:r>
-            <a:r>
-              <a:rPr lang="en-US" sz="800" dirty="0" err="1"/>
-              <a:t>vel</a:t>
-            </a:r>
-            <a:r>
-              <a:rPr lang="en-US" sz="800" dirty="0"/>
-              <a:t> </a:t>
-            </a:r>
-            <a:r>
-              <a:rPr lang="en-US" sz="800" dirty="0" err="1"/>
-              <a:t>nibh</a:t>
-            </a:r>
-            <a:r>
-              <a:rPr lang="en-US" sz="800" dirty="0"/>
-              <a:t> </a:t>
-            </a:r>
-            <a:r>
-              <a:rPr lang="en-US" sz="800" dirty="0" err="1"/>
-              <a:t>felis</a:t>
-            </a:r>
-            <a:r>
-              <a:rPr lang="en-US" sz="800" dirty="0"/>
-              <a:t>. </a:t>
-            </a:r>
-            <a:r>
-              <a:rPr lang="en-US" sz="800" dirty="0" err="1"/>
-              <a:t>Morbi</a:t>
-            </a:r>
-            <a:r>
-              <a:rPr lang="en-US" sz="800" dirty="0"/>
-              <a:t> </a:t>
-            </a:r>
-            <a:r>
-              <a:rPr lang="en-US" sz="800" dirty="0" err="1"/>
-              <a:t>ullamcorper</a:t>
-            </a:r>
-            <a:r>
-              <a:rPr lang="en-US" sz="800" dirty="0"/>
-              <a:t> </a:t>
-            </a:r>
-            <a:r>
-              <a:rPr lang="en-US" sz="800" dirty="0" err="1"/>
-              <a:t>nec</a:t>
-            </a:r>
-            <a:r>
-              <a:rPr lang="en-US" sz="800" dirty="0"/>
-              <a:t> </a:t>
-            </a:r>
-            <a:r>
-              <a:rPr lang="en-US" sz="800" dirty="0" err="1"/>
-              <a:t>orci</a:t>
-            </a:r>
-            <a:r>
-              <a:rPr lang="en-US" sz="800" dirty="0"/>
-              <a:t> </a:t>
-            </a:r>
-            <a:r>
-              <a:rPr lang="en-US" sz="800" dirty="0" err="1"/>
-              <a:t>sed</a:t>
-            </a:r>
-            <a:r>
-              <a:rPr lang="en-US" sz="800" dirty="0"/>
-              <a:t> </a:t>
-            </a:r>
-            <a:r>
-              <a:rPr lang="en-US" sz="800" dirty="0" err="1"/>
-              <a:t>feugiat</a:t>
-            </a:r>
-            <a:r>
-              <a:rPr lang="en-US" sz="800" dirty="0"/>
-              <a:t>. </a:t>
-            </a:r>
-            <a:r>
-              <a:rPr lang="en-US" sz="800" dirty="0" err="1"/>
-              <a:t>Morbi</a:t>
-            </a:r>
-            <a:r>
-              <a:rPr lang="en-US" sz="800" dirty="0"/>
-              <a:t> </a:t>
-            </a:r>
-            <a:r>
-              <a:rPr lang="en-US" sz="800" dirty="0" err="1"/>
-              <a:t>convallis</a:t>
-            </a:r>
-            <a:r>
-              <a:rPr lang="en-US" sz="800" dirty="0"/>
-              <a:t> ipsum </a:t>
-            </a:r>
-            <a:r>
-              <a:rPr lang="en-US" sz="800" dirty="0" err="1"/>
-              <a:t>sed</a:t>
-            </a:r>
-            <a:r>
-              <a:rPr lang="en-US" sz="800" dirty="0"/>
-              <a:t> </a:t>
-            </a:r>
-            <a:r>
-              <a:rPr lang="en-US" sz="800" dirty="0" err="1"/>
-              <a:t>massa</a:t>
-            </a:r>
-            <a:r>
-              <a:rPr lang="en-US" sz="800" dirty="0"/>
-              <a:t> </a:t>
-            </a:r>
-            <a:r>
-              <a:rPr lang="en-US" sz="800" dirty="0" err="1"/>
-              <a:t>ornare</a:t>
-            </a:r>
-            <a:r>
-              <a:rPr lang="en-US" sz="800" dirty="0"/>
-              <a:t>, </a:t>
-            </a:r>
-            <a:r>
-              <a:rPr lang="en-US" sz="800" dirty="0" err="1"/>
-              <a:t>finibus</a:t>
-            </a:r>
-            <a:r>
-              <a:rPr lang="en-US" sz="800" dirty="0"/>
-              <a:t> </a:t>
-            </a:r>
-            <a:r>
-              <a:rPr lang="en-US" sz="800" dirty="0" err="1"/>
-              <a:t>blandit</a:t>
-            </a:r>
-            <a:r>
-              <a:rPr lang="en-US" sz="800" dirty="0"/>
-              <a:t> </a:t>
-            </a:r>
-            <a:r>
-              <a:rPr lang="en-US" sz="800" dirty="0" err="1"/>
-              <a:t>erat</a:t>
-            </a:r>
-            <a:r>
-              <a:rPr lang="en-US" sz="800" dirty="0"/>
-              <a:t> </a:t>
-            </a:r>
-            <a:r>
-              <a:rPr lang="en-US" sz="800" dirty="0" err="1"/>
-              <a:t>feugiat</a:t>
-            </a:r>
-            <a:r>
-              <a:rPr lang="en-US" sz="800" dirty="0"/>
-              <a:t>. Maecenas </a:t>
-            </a:r>
-            <a:r>
-              <a:rPr lang="en-US" sz="800" dirty="0" err="1"/>
-              <a:t>aliquet</a:t>
-            </a:r>
-            <a:r>
-              <a:rPr lang="en-US" sz="800" dirty="0"/>
-              <a:t> </a:t>
-            </a:r>
-            <a:r>
-              <a:rPr lang="en-US" sz="800" dirty="0" err="1"/>
-              <a:t>elementum</a:t>
-            </a:r>
-            <a:r>
-              <a:rPr lang="en-US" sz="800" dirty="0"/>
-              <a:t> </a:t>
-            </a:r>
-            <a:r>
-              <a:rPr lang="en-US" sz="800" dirty="0" err="1"/>
-              <a:t>mollis</a:t>
-            </a:r>
-            <a:r>
-              <a:rPr lang="en-US" sz="800" dirty="0"/>
-              <a:t>. </a:t>
-            </a:r>
-            <a:r>
-              <a:rPr lang="en-US" sz="800" dirty="0" err="1"/>
-              <a:t>Vivamus</a:t>
-            </a:r>
-            <a:r>
-              <a:rPr lang="en-US" sz="800" dirty="0"/>
-              <a:t> </a:t>
-            </a:r>
-            <a:r>
-              <a:rPr lang="en-US" sz="800" dirty="0" err="1"/>
-              <a:t>nec</a:t>
-            </a:r>
-            <a:r>
-              <a:rPr lang="en-US" sz="800" dirty="0"/>
-              <a:t> </a:t>
-            </a:r>
-            <a:r>
-              <a:rPr lang="en-US" sz="800" dirty="0" err="1"/>
-              <a:t>faucibus</a:t>
-            </a:r>
-            <a:r>
-              <a:rPr lang="en-US" sz="800" dirty="0"/>
-              <a:t> </a:t>
-            </a:r>
-            <a:r>
-              <a:rPr lang="en-US" sz="800" dirty="0" err="1"/>
-              <a:t>purus</a:t>
-            </a:r>
-            <a:r>
-              <a:rPr lang="en-US" sz="800" dirty="0"/>
-              <a:t>. </a:t>
-            </a:r>
-            <a:r>
-              <a:rPr lang="en-US" sz="800" dirty="0" err="1"/>
-              <a:t>Nullam</a:t>
-            </a:r>
-            <a:r>
-              <a:rPr lang="en-US" sz="800" dirty="0"/>
-              <a:t> </a:t>
-            </a:r>
-            <a:r>
-              <a:rPr lang="en-US" sz="800" dirty="0" err="1"/>
-              <a:t>sollicitudin</a:t>
-            </a:r>
-            <a:r>
-              <a:rPr lang="en-US" sz="800" dirty="0"/>
-              <a:t> mi </a:t>
-            </a:r>
-            <a:r>
-              <a:rPr lang="en-US" sz="800" dirty="0" err="1"/>
-              <a:t>metus</a:t>
-            </a:r>
-            <a:r>
-              <a:rPr lang="en-US" sz="800" dirty="0"/>
-              <a:t>, </a:t>
-            </a:r>
-            <a:r>
-              <a:rPr lang="en-US" sz="800" dirty="0" err="1"/>
-              <a:t>eget</a:t>
-            </a:r>
-            <a:r>
-              <a:rPr lang="en-US" sz="800" dirty="0"/>
-              <a:t> </a:t>
-            </a:r>
-            <a:r>
-              <a:rPr lang="en-US" sz="800" dirty="0" err="1"/>
-              <a:t>rutrum</a:t>
-            </a:r>
-            <a:r>
-              <a:rPr lang="en-US" sz="800" dirty="0"/>
-              <a:t> </a:t>
-            </a:r>
-            <a:r>
-              <a:rPr lang="en-US" sz="800" dirty="0" err="1"/>
-              <a:t>massa</a:t>
-            </a:r>
-            <a:r>
-              <a:rPr lang="en-US" sz="800" dirty="0"/>
-              <a:t> </a:t>
-            </a:r>
-            <a:r>
-              <a:rPr lang="en-US" sz="800" dirty="0" err="1"/>
-              <a:t>efficitur</a:t>
-            </a:r>
-            <a:r>
-              <a:rPr lang="en-US" sz="800" dirty="0"/>
-              <a:t> ac. </a:t>
-            </a:r>
-            <a:r>
-              <a:rPr lang="en-US" sz="800" dirty="0" err="1"/>
-              <a:t>Donec</a:t>
-            </a:r>
-            <a:r>
-              <a:rPr lang="en-US" sz="800" dirty="0"/>
-              <a:t> </a:t>
-            </a:r>
-            <a:r>
-              <a:rPr lang="en-US" sz="800" dirty="0" err="1"/>
-              <a:t>fringilla</a:t>
-            </a:r>
-            <a:r>
-              <a:rPr lang="en-US" sz="800" dirty="0"/>
-              <a:t>, </a:t>
-            </a:r>
-            <a:r>
-              <a:rPr lang="en-US" sz="800" dirty="0" err="1"/>
-              <a:t>neque</a:t>
-            </a:r>
-            <a:r>
-              <a:rPr lang="en-US" sz="800" dirty="0"/>
-              <a:t> </a:t>
-            </a:r>
-            <a:r>
-              <a:rPr lang="en-US" sz="800" dirty="0" err="1"/>
-              <a:t>eget</a:t>
-            </a:r>
-            <a:r>
-              <a:rPr lang="en-US" sz="800" dirty="0"/>
-              <a:t> </a:t>
-            </a:r>
-            <a:r>
-              <a:rPr lang="en-US" sz="800" dirty="0" err="1"/>
-              <a:t>finibus</a:t>
-            </a:r>
-            <a:r>
-              <a:rPr lang="en-US" sz="800" dirty="0"/>
-              <a:t> </a:t>
-            </a:r>
-            <a:r>
-              <a:rPr lang="en-US" sz="800" dirty="0" err="1"/>
-              <a:t>laoreet</a:t>
-            </a:r>
-            <a:r>
-              <a:rPr lang="en-US" sz="800" dirty="0"/>
-              <a:t>, </a:t>
-            </a:r>
-            <a:r>
-              <a:rPr lang="en-US" sz="800" dirty="0" err="1"/>
-              <a:t>massa</a:t>
-            </a:r>
-            <a:r>
-              <a:rPr lang="en-US" sz="800" dirty="0"/>
-              <a:t> dolor </a:t>
-            </a:r>
-            <a:r>
-              <a:rPr lang="en-US" sz="800" dirty="0" err="1"/>
-              <a:t>ultricies</a:t>
-            </a:r>
-            <a:r>
-              <a:rPr lang="en-US" sz="800" dirty="0"/>
-              <a:t> dui, </a:t>
-            </a:r>
-            <a:r>
-              <a:rPr lang="en-US" sz="800" dirty="0" err="1"/>
-              <a:t>vel</a:t>
-            </a:r>
-            <a:r>
-              <a:rPr lang="en-US" sz="800" dirty="0"/>
-              <a:t> </a:t>
-            </a:r>
-            <a:r>
-              <a:rPr lang="en-US" sz="800" dirty="0" err="1"/>
-              <a:t>malesuada</a:t>
-            </a:r>
-            <a:r>
-              <a:rPr lang="en-US" sz="800" dirty="0"/>
-              <a:t> </a:t>
-            </a:r>
-            <a:r>
-              <a:rPr lang="en-US" sz="800" dirty="0" err="1"/>
-              <a:t>nisl</a:t>
-            </a:r>
-            <a:r>
-              <a:rPr lang="en-US" sz="800" dirty="0"/>
-              <a:t> ipsum sit </a:t>
-            </a:r>
-            <a:r>
-              <a:rPr lang="en-US" sz="800" dirty="0" err="1"/>
-              <a:t>amet</a:t>
-            </a:r>
-            <a:r>
-              <a:rPr lang="en-US" sz="800" dirty="0"/>
-              <a:t> </a:t>
-            </a:r>
-            <a:r>
-              <a:rPr lang="en-US" sz="800" dirty="0" err="1"/>
-              <a:t>elit</a:t>
-            </a:r>
-            <a:r>
-              <a:rPr lang="en-US" sz="800" dirty="0"/>
-              <a:t>. </a:t>
-            </a:r>
-            <a:r>
-              <a:rPr lang="en-US" sz="800" dirty="0" err="1"/>
-              <a:t>Praesent</a:t>
-            </a:r>
-            <a:r>
-              <a:rPr lang="en-US" sz="800" dirty="0"/>
-              <a:t> </a:t>
-            </a:r>
-            <a:r>
-              <a:rPr lang="en-US" sz="800" dirty="0" err="1"/>
-              <a:t>fringilla</a:t>
-            </a:r>
-            <a:r>
-              <a:rPr lang="en-US" sz="800" dirty="0"/>
-              <a:t> sit </a:t>
-            </a:r>
-            <a:r>
-              <a:rPr lang="en-US" sz="800" dirty="0" err="1"/>
-              <a:t>amet</a:t>
-            </a:r>
-            <a:r>
-              <a:rPr lang="en-US" sz="800" dirty="0"/>
-              <a:t> </a:t>
-            </a:r>
-            <a:r>
-              <a:rPr lang="en-US" sz="800" dirty="0" err="1"/>
-              <a:t>felis</a:t>
-            </a:r>
-            <a:r>
-              <a:rPr lang="en-US" sz="800" dirty="0"/>
-              <a:t> </a:t>
-            </a:r>
-            <a:r>
-              <a:rPr lang="en-US" sz="800" dirty="0" err="1"/>
-              <a:t>eu</a:t>
-            </a:r>
-            <a:r>
-              <a:rPr lang="en-US" sz="800" dirty="0"/>
-              <a:t> </a:t>
-            </a:r>
-            <a:r>
-              <a:rPr lang="en-US" sz="800" dirty="0" err="1"/>
-              <a:t>tincidunt</a:t>
-            </a:r>
-            <a:r>
-              <a:rPr lang="en-US" sz="800" dirty="0"/>
-              <a:t>. </a:t>
-            </a:r>
-            <a:r>
-              <a:rPr lang="en-US" sz="800" dirty="0" err="1"/>
-              <a:t>Proin</a:t>
-            </a:r>
-            <a:r>
-              <a:rPr lang="en-US" sz="800" dirty="0"/>
-              <a:t> </a:t>
-            </a:r>
-            <a:r>
-              <a:rPr lang="en-US" sz="800" dirty="0" err="1"/>
-              <a:t>sem</a:t>
-            </a:r>
-            <a:r>
-              <a:rPr lang="en-US" sz="800" dirty="0"/>
-              <a:t> </a:t>
-            </a:r>
-            <a:r>
-              <a:rPr lang="en-US" sz="800" dirty="0" err="1"/>
-              <a:t>diam</a:t>
-            </a:r>
-            <a:r>
-              <a:rPr lang="en-US" sz="800" dirty="0"/>
-              <a:t>, </a:t>
-            </a:r>
-            <a:r>
-              <a:rPr lang="en-US" sz="800" dirty="0" err="1"/>
-              <a:t>aliquet</a:t>
-            </a:r>
-            <a:r>
-              <a:rPr lang="en-US" sz="800" dirty="0"/>
-              <a:t> ac magna in, </a:t>
-            </a:r>
-            <a:r>
-              <a:rPr lang="en-US" sz="800" dirty="0" err="1"/>
-              <a:t>iaculis</a:t>
-            </a:r>
-            <a:r>
-              <a:rPr lang="en-US" sz="800" dirty="0"/>
-              <a:t> </a:t>
-            </a:r>
-            <a:r>
-              <a:rPr lang="en-US" sz="800" dirty="0" err="1"/>
-              <a:t>eleifend</a:t>
-            </a:r>
-            <a:r>
-              <a:rPr lang="en-US" sz="800" dirty="0"/>
-              <a:t> </a:t>
-            </a:r>
-            <a:r>
-              <a:rPr lang="en-US" sz="800" dirty="0" err="1"/>
-              <a:t>augue</a:t>
-            </a:r>
-            <a:r>
-              <a:rPr lang="en-US" sz="800" dirty="0"/>
-              <a:t>. </a:t>
-            </a:r>
-            <a:r>
-              <a:rPr lang="en-US" sz="800" dirty="0" err="1" smtClean="0"/>
-              <a:t>Donec</a:t>
-            </a:r>
-            <a:r>
-              <a:rPr lang="en-US" sz="800" dirty="0" smtClean="0"/>
-              <a:t> </a:t>
-            </a:r>
-            <a:r>
-              <a:rPr lang="en-US" sz="800" dirty="0" err="1"/>
-              <a:t>congue</a:t>
-            </a:r>
-            <a:r>
-              <a:rPr lang="en-US" sz="800" dirty="0"/>
-              <a:t> </a:t>
-            </a:r>
-            <a:r>
-              <a:rPr lang="en-US" sz="800" dirty="0" err="1"/>
-              <a:t>congue</a:t>
-            </a:r>
-            <a:r>
-              <a:rPr lang="en-US" sz="800" dirty="0"/>
-              <a:t> </a:t>
-            </a:r>
-            <a:r>
-              <a:rPr lang="en-US" sz="800" dirty="0" err="1"/>
-              <a:t>vulputate</a:t>
-            </a:r>
-            <a:r>
-              <a:rPr lang="en-US" sz="800" dirty="0"/>
-              <a:t>. In </a:t>
-            </a:r>
-            <a:r>
-              <a:rPr lang="en-US" sz="800" dirty="0" err="1"/>
-              <a:t>euismod</a:t>
-            </a:r>
-            <a:r>
-              <a:rPr lang="en-US" sz="800" dirty="0"/>
-              <a:t> </a:t>
-            </a:r>
-            <a:r>
-              <a:rPr lang="en-US" sz="800" dirty="0" err="1"/>
-              <a:t>pellentesque</a:t>
-            </a:r>
-            <a:r>
-              <a:rPr lang="en-US" sz="800" dirty="0"/>
-              <a:t> </a:t>
-            </a:r>
-            <a:r>
-              <a:rPr lang="en-US" sz="800" dirty="0" err="1"/>
-              <a:t>facilisis</a:t>
-            </a:r>
-            <a:r>
-              <a:rPr lang="en-US" sz="800" dirty="0"/>
-              <a:t>. </a:t>
-            </a:r>
-            <a:r>
-              <a:rPr lang="en-US" sz="800" dirty="0" err="1"/>
-              <a:t>Nulla</a:t>
-            </a:r>
-            <a:r>
-              <a:rPr lang="en-US" sz="800" dirty="0"/>
-              <a:t> </a:t>
-            </a:r>
-            <a:r>
-              <a:rPr lang="en-US" sz="800" dirty="0" err="1"/>
-              <a:t>venenatis</a:t>
-            </a:r>
-            <a:r>
-              <a:rPr lang="en-US" sz="800" dirty="0"/>
-              <a:t> </a:t>
-            </a:r>
-            <a:r>
-              <a:rPr lang="en-US" sz="800" dirty="0" err="1"/>
-              <a:t>rutrum</a:t>
-            </a:r>
-            <a:r>
-              <a:rPr lang="en-US" sz="800" dirty="0"/>
-              <a:t> lacus, </a:t>
-            </a:r>
-            <a:r>
-              <a:rPr lang="en-US" sz="800" dirty="0" err="1"/>
-              <a:t>vel</a:t>
-            </a:r>
-            <a:r>
-              <a:rPr lang="en-US" sz="800" dirty="0"/>
-              <a:t> </a:t>
-            </a:r>
-            <a:r>
-              <a:rPr lang="en-US" sz="800" dirty="0" err="1"/>
-              <a:t>finibus</a:t>
-            </a:r>
-            <a:r>
-              <a:rPr lang="en-US" sz="800" dirty="0"/>
-              <a:t> </a:t>
-            </a:r>
-            <a:r>
-              <a:rPr lang="en-US" sz="800" dirty="0" err="1"/>
-              <a:t>velit</a:t>
-            </a:r>
-            <a:r>
-              <a:rPr lang="en-US" sz="800" dirty="0"/>
-              <a:t> </a:t>
-            </a:r>
-            <a:r>
-              <a:rPr lang="en-US" sz="800" dirty="0" err="1"/>
-              <a:t>lacinia</a:t>
-            </a:r>
-            <a:r>
-              <a:rPr lang="en-US" sz="800" dirty="0"/>
-              <a:t> sit </a:t>
-            </a:r>
-            <a:r>
-              <a:rPr lang="en-US" sz="800" dirty="0" err="1"/>
-              <a:t>amet</a:t>
-            </a:r>
-            <a:r>
-              <a:rPr lang="en-US" sz="800" dirty="0"/>
-              <a:t>. </a:t>
-            </a:r>
-            <a:r>
-              <a:rPr lang="en-US" sz="800" dirty="0" err="1"/>
-              <a:t>Quisque</a:t>
-            </a:r>
-            <a:r>
-              <a:rPr lang="en-US" sz="800" dirty="0"/>
-              <a:t> </a:t>
-            </a:r>
-            <a:r>
-              <a:rPr lang="en-US" sz="800" dirty="0" err="1"/>
-              <a:t>vel</a:t>
-            </a:r>
-            <a:r>
-              <a:rPr lang="en-US" sz="800" dirty="0"/>
-              <a:t> </a:t>
-            </a:r>
-            <a:r>
-              <a:rPr lang="en-US" sz="800" dirty="0" err="1"/>
-              <a:t>interdum</a:t>
-            </a:r>
-            <a:r>
-              <a:rPr lang="en-US" sz="800" dirty="0"/>
-              <a:t> </a:t>
-            </a:r>
-            <a:r>
-              <a:rPr lang="en-US" sz="800" dirty="0" err="1"/>
-              <a:t>enim</a:t>
-            </a:r>
-            <a:r>
-              <a:rPr lang="en-US" sz="800" dirty="0"/>
-              <a:t>. </a:t>
-            </a:r>
-            <a:r>
-              <a:rPr lang="en-US" sz="800" dirty="0" err="1"/>
-              <a:t>Ut</a:t>
-            </a:r>
-            <a:r>
-              <a:rPr lang="en-US" sz="800" dirty="0"/>
-              <a:t> </a:t>
-            </a:r>
-            <a:r>
-              <a:rPr lang="en-US" sz="800" dirty="0" err="1"/>
-              <a:t>mollis</a:t>
-            </a:r>
-            <a:r>
-              <a:rPr lang="en-US" sz="800" dirty="0"/>
-              <a:t> a ipsum </a:t>
-            </a:r>
-            <a:r>
-              <a:rPr lang="en-US" sz="800" dirty="0" err="1"/>
-              <a:t>vel</a:t>
-            </a:r>
-            <a:r>
-              <a:rPr lang="en-US" sz="800" dirty="0"/>
-              <a:t> </a:t>
-            </a:r>
-            <a:r>
-              <a:rPr lang="en-US" sz="800" dirty="0" err="1"/>
-              <a:t>blandit</a:t>
-            </a:r>
-            <a:r>
-              <a:rPr lang="en-US" sz="800" dirty="0"/>
-              <a:t>. </a:t>
-            </a:r>
-            <a:r>
-              <a:rPr lang="en-US" sz="800" dirty="0" err="1"/>
-              <a:t>Sed</a:t>
-            </a:r>
-            <a:r>
-              <a:rPr lang="en-US" sz="800" dirty="0"/>
-              <a:t> </a:t>
-            </a:r>
-            <a:r>
-              <a:rPr lang="en-US" sz="800" dirty="0" err="1"/>
-              <a:t>placerat</a:t>
-            </a:r>
-            <a:r>
-              <a:rPr lang="en-US" sz="800" dirty="0"/>
-              <a:t>, </a:t>
-            </a:r>
-            <a:r>
-              <a:rPr lang="en-US" sz="800" dirty="0" err="1"/>
-              <a:t>turpis</a:t>
-            </a:r>
-            <a:r>
-              <a:rPr lang="en-US" sz="800" dirty="0"/>
-              <a:t> </a:t>
-            </a:r>
-            <a:r>
-              <a:rPr lang="en-US" sz="800" dirty="0" err="1"/>
-              <a:t>ut</a:t>
-            </a:r>
-            <a:r>
-              <a:rPr lang="en-US" sz="800" dirty="0"/>
-              <a:t> </a:t>
-            </a:r>
-            <a:r>
-              <a:rPr lang="en-US" sz="800" dirty="0" err="1"/>
-              <a:t>molestie</a:t>
-            </a:r>
-            <a:r>
-              <a:rPr lang="en-US" sz="800" dirty="0"/>
-              <a:t> gravida, </a:t>
-            </a:r>
-            <a:r>
-              <a:rPr lang="en-US" sz="800" dirty="0" err="1"/>
-              <a:t>mauris</a:t>
-            </a:r>
-            <a:r>
-              <a:rPr lang="en-US" sz="800" dirty="0"/>
-              <a:t> </a:t>
-            </a:r>
-            <a:r>
-              <a:rPr lang="en-US" sz="800" dirty="0" err="1"/>
-              <a:t>nulla</a:t>
-            </a:r>
-            <a:r>
-              <a:rPr lang="en-US" sz="800" dirty="0"/>
-              <a:t> </a:t>
-            </a:r>
-            <a:r>
-              <a:rPr lang="en-US" sz="800" dirty="0" err="1"/>
-              <a:t>eleifend</a:t>
-            </a:r>
-            <a:r>
-              <a:rPr lang="en-US" sz="800" dirty="0"/>
-              <a:t> </a:t>
-            </a:r>
-            <a:r>
-              <a:rPr lang="en-US" sz="800" dirty="0" err="1"/>
-              <a:t>nisl</a:t>
-            </a:r>
-            <a:r>
-              <a:rPr lang="en-US" sz="800" dirty="0"/>
-              <a:t>, gravida </a:t>
-            </a:r>
-            <a:r>
-              <a:rPr lang="en-US" sz="800" dirty="0" err="1"/>
-              <a:t>malesuada</a:t>
-            </a:r>
-            <a:r>
-              <a:rPr lang="en-US" sz="800" dirty="0"/>
-              <a:t> </a:t>
-            </a:r>
-            <a:r>
-              <a:rPr lang="en-US" sz="800" dirty="0" err="1"/>
-              <a:t>purus</a:t>
-            </a:r>
-            <a:r>
-              <a:rPr lang="en-US" sz="800" dirty="0"/>
-              <a:t> </a:t>
-            </a:r>
-            <a:r>
-              <a:rPr lang="en-US" sz="800" dirty="0" err="1"/>
-              <a:t>velit</a:t>
-            </a:r>
-            <a:r>
-              <a:rPr lang="en-US" sz="800" dirty="0"/>
-              <a:t> a </a:t>
-            </a:r>
-            <a:r>
-              <a:rPr lang="en-US" sz="800" dirty="0" err="1"/>
-              <a:t>neque</a:t>
-            </a:r>
-            <a:r>
-              <a:rPr lang="en-US" sz="800" dirty="0"/>
-              <a:t>. </a:t>
-            </a:r>
-            <a:r>
-              <a:rPr lang="en-US" sz="800" dirty="0" err="1"/>
-              <a:t>Aliquam</a:t>
-            </a:r>
-            <a:r>
-              <a:rPr lang="en-US" sz="800" dirty="0"/>
-              <a:t> tempus </a:t>
-            </a:r>
-            <a:r>
-              <a:rPr lang="en-US" sz="800" dirty="0" err="1"/>
-              <a:t>risus</a:t>
-            </a:r>
-            <a:r>
-              <a:rPr lang="en-US" sz="800" dirty="0"/>
-              <a:t> </a:t>
-            </a:r>
-            <a:r>
-              <a:rPr lang="en-US" sz="800" dirty="0" err="1"/>
-              <a:t>nec</a:t>
-            </a:r>
-            <a:r>
-              <a:rPr lang="en-US" sz="800" dirty="0"/>
-              <a:t> dolor </a:t>
-            </a:r>
-            <a:r>
-              <a:rPr lang="en-US" sz="800" dirty="0" err="1"/>
-              <a:t>mattis</a:t>
-            </a:r>
-            <a:r>
-              <a:rPr lang="en-US" sz="800" dirty="0"/>
-              <a:t> </a:t>
-            </a:r>
-            <a:r>
-              <a:rPr lang="en-US" sz="800" dirty="0" err="1"/>
-              <a:t>finibus</a:t>
-            </a:r>
-            <a:r>
-              <a:rPr lang="en-US" sz="800" dirty="0"/>
-              <a:t> </a:t>
-            </a:r>
-            <a:r>
-              <a:rPr lang="en-US" sz="800" dirty="0" err="1"/>
-              <a:t>eget</a:t>
-            </a:r>
-            <a:r>
-              <a:rPr lang="en-US" sz="800" dirty="0"/>
-              <a:t> in </a:t>
-            </a:r>
-            <a:r>
-              <a:rPr lang="en-US" sz="800" dirty="0" err="1"/>
-              <a:t>tortor</a:t>
-            </a:r>
-            <a:r>
-              <a:rPr lang="en-US" sz="800" dirty="0"/>
-              <a:t>. </a:t>
-            </a:r>
-            <a:r>
-              <a:rPr lang="en-US" sz="800" dirty="0" err="1"/>
-              <a:t>Aenean</a:t>
-            </a:r>
-            <a:r>
-              <a:rPr lang="en-US" sz="800" dirty="0"/>
-              <a:t> </a:t>
-            </a:r>
-            <a:r>
-              <a:rPr lang="en-US" sz="800" dirty="0" err="1"/>
-              <a:t>tristique</a:t>
-            </a:r>
-            <a:r>
-              <a:rPr lang="en-US" sz="800" dirty="0"/>
-              <a:t> quam </a:t>
-            </a:r>
-            <a:r>
-              <a:rPr lang="en-US" sz="800" dirty="0" err="1"/>
-              <a:t>elit</a:t>
-            </a:r>
-            <a:r>
-              <a:rPr lang="en-US" sz="800" dirty="0"/>
-              <a:t>, sit </a:t>
-            </a:r>
-            <a:r>
-              <a:rPr lang="en-US" sz="800" dirty="0" err="1"/>
-              <a:t>amet</a:t>
-            </a:r>
-            <a:r>
-              <a:rPr lang="en-US" sz="800" dirty="0"/>
-              <a:t> </a:t>
-            </a:r>
-            <a:r>
-              <a:rPr lang="en-US" sz="800" dirty="0" err="1"/>
-              <a:t>mattis</a:t>
-            </a:r>
-            <a:r>
-              <a:rPr lang="en-US" sz="800" dirty="0"/>
-              <a:t> magna </a:t>
-            </a:r>
-            <a:r>
-              <a:rPr lang="en-US" sz="800" dirty="0" err="1"/>
-              <a:t>eleifend</a:t>
-            </a:r>
-            <a:r>
-              <a:rPr lang="en-US" sz="800" dirty="0"/>
-              <a:t> ac. Integer </a:t>
-            </a:r>
-            <a:r>
-              <a:rPr lang="en-US" sz="800" dirty="0" err="1"/>
-              <a:t>vel</a:t>
-            </a:r>
-            <a:r>
-              <a:rPr lang="en-US" sz="800" dirty="0"/>
-              <a:t> </a:t>
-            </a:r>
-            <a:r>
-              <a:rPr lang="en-US" sz="800" dirty="0" err="1"/>
-              <a:t>leo</a:t>
-            </a:r>
-            <a:r>
-              <a:rPr lang="en-US" sz="800" dirty="0"/>
-              <a:t> ligula. </a:t>
-            </a:r>
-          </a:p>
-        </p:txBody>
-      </p:sp>
-    </p:spTree>
-    <p:extLst>
-      <p:ext uri="{BB962C8B-B14F-4D97-AF65-F5344CB8AC3E}">
-        <p14:creationId xmlns:p14="http://schemas.microsoft.com/office/powerpoint/2010/main" val="3761283503"/>
-      </p:ext>
-    </p:extLst>
-  </p:cSld>
-  <p:clrMapOvr>
-    <a:masterClrMapping/>
-  </p:clrMapOvr>
-  <mc:AlternateContent xmlns:mc="http://schemas.openxmlformats.org/markup-compatibility/2006" xmlns:p14="http://schemas.microsoft.com/office/powerpoint/2010/main">
-    <mc:Choice Requires="p14">
-      <p:transition spd="slow" p14:dur="2000"/>
-    </mc:Choice>
-    <mc:Fallback xmlns="">
-      <p:transition spd="slow"/>
-    </mc:Fallback>
-  </mc:AlternateContent>
   <p:timing>
     <p:tnLst>
       <p:par>
@@ -10870,7 +11057,7 @@
           <a:p>
             <a:r>
               <a:rPr lang="en-US" dirty="0" smtClean="0"/>
-              <a:t>Why use packages?</a:t>
+              <a:t>What is a package?</a:t>
             </a:r>
             <a:endParaRPr lang="en-US" dirty="0"/>
           </a:p>
@@ -10886,33 +11073,34 @@
             <p:ph sz="quarter" idx="10"/>
           </p:nvPr>
         </p:nvSpPr>
-        <p:spPr>
-          <a:xfrm>
-            <a:off x="379412" y="1388226"/>
-            <a:ext cx="11524533" cy="5290388"/>
-          </a:xfrm>
-        </p:spPr>
+        <p:spPr/>
         <p:txBody>
           <a:bodyPr/>
           <a:lstStyle/>
           <a:p>
             <a:r>
               <a:rPr lang="en-US" dirty="0" smtClean="0"/>
-              <a:t>We can't </a:t>
-            </a:r>
-            <a:r>
-              <a:rPr lang="en-US" dirty="0"/>
-              <a:t>keep adding code to a single </a:t>
-            </a:r>
+              <a:t>A packaged block of code</a:t>
+            </a:r>
+          </a:p>
+          <a:p>
             <a:r>
               <a:rPr lang="en-US" dirty="0" smtClean="0"/>
-              <a:t>file</a:t>
-            </a:r>
-          </a:p>
-          <a:p>
+              <a:t>Folders and modules</a:t>
+            </a:r>
+          </a:p>
+          <a:p>
+            <a:pPr lvl="1"/>
             <a:r>
               <a:rPr lang="en-US" dirty="0" smtClean="0"/>
-              <a:t>We can't keep adding files to a single folder</a:t>
+              <a:t>Folders become containers</a:t>
+            </a:r>
+          </a:p>
+          <a:p>
+            <a:pPr lvl="1"/>
+            <a:r>
+              <a:rPr lang="en-US" dirty="0" smtClean="0"/>
+              <a:t>The modules are inside of folders</a:t>
             </a:r>
             <a:endParaRPr lang="en-US" dirty="0"/>
           </a:p>
@@ -10921,7 +11109,7 @@
     </p:spTree>
     <p:extLst>
       <p:ext uri="{BB962C8B-B14F-4D97-AF65-F5344CB8AC3E}">
-        <p14:creationId xmlns:p14="http://schemas.microsoft.com/office/powerpoint/2010/main" val="2605775385"/>
+        <p14:creationId xmlns:p14="http://schemas.microsoft.com/office/powerpoint/2010/main" val="2573937312"/>
       </p:ext>
     </p:extLst>
   </p:cSld>
@@ -10939,7 +11127,7 @@
 </file>
 
 <file path=ppt/slides/slide25.xml><?xml version="1.0" encoding="utf-8"?>
-<p:sld xmlns:a="http://schemas.openxmlformats.org/drawingml/2006/main" xmlns:r="http://schemas.openxmlformats.org/officeDocument/2006/relationships" xmlns:p="http://schemas.openxmlformats.org/presentationml/2006/main">
+<p:sld xmlns:a="http://schemas.openxmlformats.org/drawingml/2006/main" xmlns:r="http://schemas.openxmlformats.org/officeDocument/2006/relationships" xmlns:p="http://schemas.openxmlformats.org/presentationml/2006/main" show="0">
   <p:cSld>
     <p:spTree>
       <p:nvGrpSpPr>
@@ -10967,14 +11155,12 @@
         </p:nvSpPr>
         <p:spPr/>
         <p:txBody>
-          <a:bodyPr>
-            <a:normAutofit fontScale="90000"/>
-          </a:bodyPr>
+          <a:bodyPr/>
           <a:lstStyle/>
           <a:p>
             <a:r>
               <a:rPr lang="en-US" dirty="0" smtClean="0"/>
-              <a:t>Different packages for different portions of your application</a:t>
+              <a:t>Why use packages?</a:t>
             </a:r>
             <a:endParaRPr lang="en-US" dirty="0"/>
           </a:p>
@@ -10982,27 +11168,69 @@
       </p:sp>
       <p:sp>
         <p:nvSpPr>
-          <p:cNvPr id="4" name="Rectangle 3"/>
+          <p:cNvPr id="3" name="Content Placeholder 2"/>
+          <p:cNvSpPr>
+            <a:spLocks noGrp="1"/>
+          </p:cNvSpPr>
+          <p:nvPr>
+            <p:ph sz="quarter" idx="10"/>
+          </p:nvPr>
+        </p:nvSpPr>
+        <p:spPr>
+          <a:xfrm>
+            <a:off x="379413" y="1388226"/>
+            <a:ext cx="7761410" cy="5290388"/>
+          </a:xfrm>
+        </p:spPr>
+        <p:txBody>
+          <a:bodyPr/>
+          <a:lstStyle/>
+          <a:p>
+            <a:r>
+              <a:rPr lang="en-US" dirty="0"/>
+              <a:t>We can't keep adding code to a single </a:t>
+            </a:r>
+            <a:r>
+              <a:rPr lang="en-US" dirty="0" smtClean="0"/>
+              <a:t>file</a:t>
+            </a:r>
+          </a:p>
+          <a:p>
+            <a:r>
+              <a:rPr lang="en-US" dirty="0"/>
+              <a:t>Putting all of your files in one folder doesn't </a:t>
+            </a:r>
+            <a:r>
+              <a:rPr lang="en-US" dirty="0" smtClean="0"/>
+              <a:t>scale</a:t>
+            </a:r>
+            <a:endParaRPr lang="en-US" dirty="0"/>
+          </a:p>
+        </p:txBody>
+      </p:sp>
+      <p:sp>
+        <p:nvSpPr>
+          <p:cNvPr id="4" name="Vertical Scroll 3"/>
           <p:cNvSpPr/>
           <p:nvPr/>
         </p:nvSpPr>
         <p:spPr>
           <a:xfrm>
-            <a:off x="2994064" y="1345290"/>
-            <a:ext cx="5829108" cy="5242952"/>
+            <a:off x="8256234" y="1388226"/>
+            <a:ext cx="2299316" cy="4767310"/>
           </a:xfrm>
-          <a:prstGeom prst="rect">
+          <a:prstGeom prst="verticalScroll">
             <a:avLst/>
           </a:prstGeom>
         </p:spPr>
         <p:style>
-          <a:lnRef idx="2">
+          <a:lnRef idx="1">
             <a:schemeClr val="accent1"/>
           </a:lnRef>
-          <a:fillRef idx="1">
-            <a:schemeClr val="lt1"/>
+          <a:fillRef idx="2">
+            <a:schemeClr val="accent1"/>
           </a:fillRef>
-          <a:effectRef idx="0">
+          <a:effectRef idx="1">
             <a:schemeClr val="accent1"/>
           </a:effectRef>
           <a:fontRef idx="minor">
@@ -11013,208 +11241,1071 @@
           <a:bodyPr rtlCol="0" anchor="ctr"/>
           <a:lstStyle/>
           <a:p>
-            <a:pPr algn="ctr"/>
-            <a:endParaRPr lang="en-US"/>
-          </a:p>
-        </p:txBody>
-      </p:sp>
-      <p:sp>
-        <p:nvSpPr>
-          <p:cNvPr id="5" name="Rectangle 4"/>
-          <p:cNvSpPr/>
-          <p:nvPr/>
-        </p:nvSpPr>
-        <p:spPr>
-          <a:xfrm>
-            <a:off x="3364464" y="1491310"/>
-            <a:ext cx="5165745" cy="2429654"/>
-          </a:xfrm>
-          <a:prstGeom prst="rect">
-            <a:avLst/>
-          </a:prstGeom>
-        </p:spPr>
-        <p:style>
-          <a:lnRef idx="1">
-            <a:schemeClr val="accent4"/>
-          </a:lnRef>
-          <a:fillRef idx="2">
-            <a:schemeClr val="accent4"/>
-          </a:fillRef>
-          <a:effectRef idx="1">
-            <a:schemeClr val="accent4"/>
-          </a:effectRef>
-          <a:fontRef idx="minor">
-            <a:schemeClr val="dk1"/>
-          </a:fontRef>
-        </p:style>
-        <p:txBody>
-          <a:bodyPr rtlCol="0" anchor="ctr"/>
-          <a:lstStyle/>
-          <a:p>
-            <a:r>
-              <a:rPr lang="en-US" sz="2400" dirty="0" smtClean="0"/>
-              <a:t>admin</a:t>
-            </a:r>
-          </a:p>
-          <a:p>
-            <a:pPr marL="342900" indent="-342900">
-              <a:buFont typeface="Arial" panose="020B0604020202020204" pitchFamily="34" charset="0"/>
-              <a:buChar char="•"/>
-            </a:pPr>
-            <a:r>
-              <a:rPr lang="en-US" sz="2400" dirty="0" smtClean="0"/>
-              <a:t>data</a:t>
-            </a:r>
-          </a:p>
-          <a:p>
-            <a:pPr marL="800100" lvl="1" indent="-342900">
-              <a:buFont typeface="Arial" panose="020B0604020202020204" pitchFamily="34" charset="0"/>
-              <a:buChar char="•"/>
-            </a:pPr>
-            <a:r>
-              <a:rPr lang="en-US" sz="2400" dirty="0" smtClean="0"/>
-              <a:t>dataaccess.py</a:t>
-            </a:r>
-          </a:p>
-          <a:p>
-            <a:pPr marL="342900" indent="-342900">
-              <a:buFont typeface="Arial" panose="020B0604020202020204" pitchFamily="34" charset="0"/>
-              <a:buChar char="•"/>
-            </a:pPr>
-            <a:r>
-              <a:rPr lang="en-US" sz="2400" dirty="0" smtClean="0"/>
-              <a:t>models</a:t>
-            </a:r>
-          </a:p>
-          <a:p>
-            <a:pPr marL="800100" lvl="1" indent="-342900">
-              <a:buFont typeface="Arial" panose="020B0604020202020204" pitchFamily="34" charset="0"/>
-              <a:buChar char="•"/>
-            </a:pPr>
-            <a:r>
-              <a:rPr lang="en-US" sz="2400" dirty="0" smtClean="0"/>
-              <a:t>user.py</a:t>
-            </a:r>
-          </a:p>
-          <a:p>
-            <a:pPr marL="800100" lvl="1" indent="-342900">
-              <a:buFont typeface="Arial" panose="020B0604020202020204" pitchFamily="34" charset="0"/>
-              <a:buChar char="•"/>
-            </a:pPr>
-            <a:r>
-              <a:rPr lang="en-US" sz="2400" dirty="0" smtClean="0"/>
-              <a:t>permission.py</a:t>
-            </a:r>
-          </a:p>
-        </p:txBody>
-      </p:sp>
-      <p:sp>
-        <p:nvSpPr>
-          <p:cNvPr id="7" name="Rectangle 6"/>
-          <p:cNvSpPr/>
-          <p:nvPr/>
-        </p:nvSpPr>
-        <p:spPr>
-          <a:xfrm>
-            <a:off x="3341421" y="4066983"/>
-            <a:ext cx="5188788" cy="2281562"/>
-          </a:xfrm>
-          <a:prstGeom prst="rect">
-            <a:avLst/>
-          </a:prstGeom>
-        </p:spPr>
-        <p:style>
-          <a:lnRef idx="1">
-            <a:schemeClr val="accent3"/>
-          </a:lnRef>
-          <a:fillRef idx="2">
-            <a:schemeClr val="accent3"/>
-          </a:fillRef>
-          <a:effectRef idx="1">
-            <a:schemeClr val="accent3"/>
-          </a:effectRef>
-          <a:fontRef idx="minor">
-            <a:schemeClr val="dk1"/>
-          </a:fontRef>
-        </p:style>
-        <p:txBody>
-          <a:bodyPr rtlCol="0" anchor="ctr"/>
-          <a:lstStyle/>
-          <a:p>
-            <a:r>
-              <a:rPr lang="en-US" sz="2400" dirty="0"/>
-              <a:t>q</a:t>
-            </a:r>
-            <a:r>
-              <a:rPr lang="en-US" sz="2400" dirty="0" smtClean="0"/>
-              <a:t>uiz</a:t>
-            </a:r>
-            <a:endParaRPr lang="en-US" sz="2400" dirty="0"/>
-          </a:p>
-          <a:p>
-            <a:pPr marL="342900" indent="-342900">
-              <a:buFont typeface="Arial" panose="020B0604020202020204" pitchFamily="34" charset="0"/>
-              <a:buChar char="•"/>
-            </a:pPr>
-            <a:r>
-              <a:rPr lang="en-US" sz="2400" dirty="0"/>
-              <a:t>data</a:t>
-            </a:r>
-          </a:p>
-          <a:p>
-            <a:pPr marL="800100" lvl="1" indent="-342900">
-              <a:buFont typeface="Arial" panose="020B0604020202020204" pitchFamily="34" charset="0"/>
-              <a:buChar char="•"/>
-            </a:pPr>
-            <a:r>
-              <a:rPr lang="en-US" sz="2400" dirty="0"/>
-              <a:t>dataaccess.py</a:t>
-            </a:r>
-          </a:p>
-          <a:p>
-            <a:pPr marL="342900" indent="-342900">
-              <a:buFont typeface="Arial" panose="020B0604020202020204" pitchFamily="34" charset="0"/>
-              <a:buChar char="•"/>
-            </a:pPr>
-            <a:r>
-              <a:rPr lang="en-US" sz="2400" dirty="0"/>
-              <a:t>models</a:t>
-            </a:r>
-          </a:p>
-          <a:p>
-            <a:pPr marL="800100" lvl="1" indent="-342900">
-              <a:buFont typeface="Arial" panose="020B0604020202020204" pitchFamily="34" charset="0"/>
-              <a:buChar char="•"/>
-            </a:pPr>
-            <a:r>
-              <a:rPr lang="en-US" sz="2400" dirty="0" smtClean="0"/>
-              <a:t>question.py</a:t>
-            </a:r>
-            <a:endParaRPr lang="en-US" sz="2400" dirty="0"/>
-          </a:p>
-          <a:p>
-            <a:pPr marL="800100" lvl="1" indent="-342900">
-              <a:buFont typeface="Arial" panose="020B0604020202020204" pitchFamily="34" charset="0"/>
-              <a:buChar char="•"/>
-            </a:pPr>
-            <a:r>
-              <a:rPr lang="en-US" sz="2400" dirty="0" smtClean="0"/>
-              <a:t>category.py</a:t>
-            </a:r>
-            <a:endParaRPr lang="en-US" sz="2400" dirty="0"/>
+            <a:r>
+              <a:rPr lang="en-US" sz="800" dirty="0"/>
+              <a:t>Lorem ipsum dolor sit </a:t>
+            </a:r>
+            <a:r>
+              <a:rPr lang="en-US" sz="800" dirty="0" err="1"/>
+              <a:t>amet</a:t>
+            </a:r>
+            <a:r>
+              <a:rPr lang="en-US" sz="800" dirty="0"/>
+              <a:t>, </a:t>
+            </a:r>
+            <a:r>
+              <a:rPr lang="en-US" sz="800" dirty="0" err="1"/>
+              <a:t>consectetur</a:t>
+            </a:r>
+            <a:r>
+              <a:rPr lang="en-US" sz="800" dirty="0"/>
+              <a:t> </a:t>
+            </a:r>
+            <a:r>
+              <a:rPr lang="en-US" sz="800" dirty="0" err="1"/>
+              <a:t>adipiscing</a:t>
+            </a:r>
+            <a:r>
+              <a:rPr lang="en-US" sz="800" dirty="0"/>
+              <a:t> </a:t>
+            </a:r>
+            <a:r>
+              <a:rPr lang="en-US" sz="800" dirty="0" err="1"/>
+              <a:t>elit</a:t>
+            </a:r>
+            <a:r>
+              <a:rPr lang="en-US" sz="800" dirty="0"/>
+              <a:t>. </a:t>
+            </a:r>
+            <a:r>
+              <a:rPr lang="en-US" sz="800" dirty="0" err="1"/>
+              <a:t>Nullam</a:t>
+            </a:r>
+            <a:r>
+              <a:rPr lang="en-US" sz="800" dirty="0"/>
+              <a:t> </a:t>
+            </a:r>
+            <a:r>
+              <a:rPr lang="en-US" sz="800" dirty="0" err="1"/>
+              <a:t>fermentum</a:t>
+            </a:r>
+            <a:r>
+              <a:rPr lang="en-US" sz="800" dirty="0"/>
+              <a:t> cursus quam et </a:t>
+            </a:r>
+            <a:r>
+              <a:rPr lang="en-US" sz="800" dirty="0" err="1"/>
+              <a:t>mollis</a:t>
+            </a:r>
+            <a:r>
+              <a:rPr lang="en-US" sz="800" dirty="0"/>
+              <a:t>. </a:t>
+            </a:r>
+            <a:r>
+              <a:rPr lang="en-US" sz="800" dirty="0" err="1"/>
+              <a:t>Proin</a:t>
+            </a:r>
+            <a:r>
+              <a:rPr lang="en-US" sz="800" dirty="0"/>
+              <a:t> a </a:t>
+            </a:r>
+            <a:r>
+              <a:rPr lang="en-US" sz="800" dirty="0" err="1"/>
+              <a:t>tellus</a:t>
+            </a:r>
+            <a:r>
+              <a:rPr lang="en-US" sz="800" dirty="0"/>
+              <a:t> </a:t>
+            </a:r>
+            <a:r>
+              <a:rPr lang="en-US" sz="800" dirty="0" err="1"/>
+              <a:t>condimentum</a:t>
+            </a:r>
+            <a:r>
+              <a:rPr lang="en-US" sz="800" dirty="0"/>
+              <a:t>, </a:t>
+            </a:r>
+            <a:r>
+              <a:rPr lang="en-US" sz="800" dirty="0" err="1"/>
+              <a:t>tincidunt</a:t>
+            </a:r>
+            <a:r>
+              <a:rPr lang="en-US" sz="800" dirty="0"/>
+              <a:t> </a:t>
+            </a:r>
+            <a:r>
+              <a:rPr lang="en-US" sz="800" dirty="0" err="1"/>
+              <a:t>massa</a:t>
+            </a:r>
+            <a:r>
+              <a:rPr lang="en-US" sz="800" dirty="0"/>
+              <a:t> id, dictum ante. </a:t>
+            </a:r>
+            <a:r>
+              <a:rPr lang="en-US" sz="800" dirty="0" err="1"/>
+              <a:t>Pellentesque</a:t>
+            </a:r>
+            <a:r>
+              <a:rPr lang="en-US" sz="800" dirty="0"/>
+              <a:t> </a:t>
+            </a:r>
+            <a:r>
+              <a:rPr lang="en-US" sz="800" dirty="0" err="1"/>
+              <a:t>imperdiet</a:t>
+            </a:r>
+            <a:r>
+              <a:rPr lang="en-US" sz="800" dirty="0"/>
+              <a:t> </a:t>
+            </a:r>
+            <a:r>
+              <a:rPr lang="en-US" sz="800" dirty="0" err="1"/>
+              <a:t>finibus</a:t>
+            </a:r>
+            <a:r>
+              <a:rPr lang="en-US" sz="800" dirty="0"/>
+              <a:t> </a:t>
+            </a:r>
+            <a:r>
+              <a:rPr lang="en-US" sz="800" dirty="0" err="1"/>
+              <a:t>tortor</a:t>
+            </a:r>
+            <a:r>
+              <a:rPr lang="en-US" sz="800" dirty="0"/>
+              <a:t>, et </a:t>
+            </a:r>
+            <a:r>
+              <a:rPr lang="en-US" sz="800" dirty="0" err="1"/>
+              <a:t>dignissim</a:t>
+            </a:r>
+            <a:r>
+              <a:rPr lang="en-US" sz="800" dirty="0"/>
+              <a:t> </a:t>
+            </a:r>
+            <a:r>
+              <a:rPr lang="en-US" sz="800" dirty="0" err="1"/>
+              <a:t>neque</a:t>
+            </a:r>
+            <a:r>
+              <a:rPr lang="en-US" sz="800" dirty="0"/>
+              <a:t> </a:t>
+            </a:r>
+            <a:r>
+              <a:rPr lang="en-US" sz="800" dirty="0" err="1"/>
+              <a:t>viverra</a:t>
+            </a:r>
+            <a:r>
+              <a:rPr lang="en-US" sz="800" dirty="0"/>
+              <a:t> </a:t>
+            </a:r>
+            <a:r>
+              <a:rPr lang="en-US" sz="800" dirty="0" err="1"/>
+              <a:t>quis</a:t>
+            </a:r>
+            <a:r>
+              <a:rPr lang="en-US" sz="800" dirty="0"/>
+              <a:t>. </a:t>
+            </a:r>
+            <a:r>
+              <a:rPr lang="en-US" sz="800" dirty="0" err="1"/>
+              <a:t>Suspendisse</a:t>
+            </a:r>
+            <a:r>
+              <a:rPr lang="en-US" sz="800" dirty="0"/>
+              <a:t> </a:t>
+            </a:r>
+            <a:r>
+              <a:rPr lang="en-US" sz="800" dirty="0" err="1"/>
+              <a:t>vel</a:t>
+            </a:r>
+            <a:r>
+              <a:rPr lang="en-US" sz="800" dirty="0"/>
+              <a:t> </a:t>
+            </a:r>
+            <a:r>
+              <a:rPr lang="en-US" sz="800" dirty="0" err="1"/>
+              <a:t>nibh</a:t>
+            </a:r>
+            <a:r>
+              <a:rPr lang="en-US" sz="800" dirty="0"/>
+              <a:t> </a:t>
+            </a:r>
+            <a:r>
+              <a:rPr lang="en-US" sz="800" dirty="0" err="1"/>
+              <a:t>felis</a:t>
+            </a:r>
+            <a:r>
+              <a:rPr lang="en-US" sz="800" dirty="0"/>
+              <a:t>. </a:t>
+            </a:r>
+            <a:r>
+              <a:rPr lang="en-US" sz="800" dirty="0" err="1"/>
+              <a:t>Morbi</a:t>
+            </a:r>
+            <a:r>
+              <a:rPr lang="en-US" sz="800" dirty="0"/>
+              <a:t> </a:t>
+            </a:r>
+            <a:r>
+              <a:rPr lang="en-US" sz="800" dirty="0" err="1"/>
+              <a:t>ullamcorper</a:t>
+            </a:r>
+            <a:r>
+              <a:rPr lang="en-US" sz="800" dirty="0"/>
+              <a:t> </a:t>
+            </a:r>
+            <a:r>
+              <a:rPr lang="en-US" sz="800" dirty="0" err="1"/>
+              <a:t>nec</a:t>
+            </a:r>
+            <a:r>
+              <a:rPr lang="en-US" sz="800" dirty="0"/>
+              <a:t> </a:t>
+            </a:r>
+            <a:r>
+              <a:rPr lang="en-US" sz="800" dirty="0" err="1"/>
+              <a:t>orci</a:t>
+            </a:r>
+            <a:r>
+              <a:rPr lang="en-US" sz="800" dirty="0"/>
+              <a:t> </a:t>
+            </a:r>
+            <a:r>
+              <a:rPr lang="en-US" sz="800" dirty="0" err="1"/>
+              <a:t>sed</a:t>
+            </a:r>
+            <a:r>
+              <a:rPr lang="en-US" sz="800" dirty="0"/>
+              <a:t> </a:t>
+            </a:r>
+            <a:r>
+              <a:rPr lang="en-US" sz="800" dirty="0" err="1"/>
+              <a:t>feugiat</a:t>
+            </a:r>
+            <a:r>
+              <a:rPr lang="en-US" sz="800" dirty="0"/>
+              <a:t>. </a:t>
+            </a:r>
+            <a:r>
+              <a:rPr lang="en-US" sz="800" dirty="0" err="1"/>
+              <a:t>Morbi</a:t>
+            </a:r>
+            <a:r>
+              <a:rPr lang="en-US" sz="800" dirty="0"/>
+              <a:t> </a:t>
+            </a:r>
+            <a:r>
+              <a:rPr lang="en-US" sz="800" dirty="0" err="1"/>
+              <a:t>convallis</a:t>
+            </a:r>
+            <a:r>
+              <a:rPr lang="en-US" sz="800" dirty="0"/>
+              <a:t> ipsum </a:t>
+            </a:r>
+            <a:r>
+              <a:rPr lang="en-US" sz="800" dirty="0" err="1"/>
+              <a:t>sed</a:t>
+            </a:r>
+            <a:r>
+              <a:rPr lang="en-US" sz="800" dirty="0"/>
+              <a:t> </a:t>
+            </a:r>
+            <a:r>
+              <a:rPr lang="en-US" sz="800" dirty="0" err="1"/>
+              <a:t>massa</a:t>
+            </a:r>
+            <a:r>
+              <a:rPr lang="en-US" sz="800" dirty="0"/>
+              <a:t> </a:t>
+            </a:r>
+            <a:r>
+              <a:rPr lang="en-US" sz="800" dirty="0" err="1"/>
+              <a:t>ornare</a:t>
+            </a:r>
+            <a:r>
+              <a:rPr lang="en-US" sz="800" dirty="0"/>
+              <a:t>, </a:t>
+            </a:r>
+            <a:r>
+              <a:rPr lang="en-US" sz="800" dirty="0" err="1"/>
+              <a:t>finibus</a:t>
+            </a:r>
+            <a:r>
+              <a:rPr lang="en-US" sz="800" dirty="0"/>
+              <a:t> </a:t>
+            </a:r>
+            <a:r>
+              <a:rPr lang="en-US" sz="800" dirty="0" err="1"/>
+              <a:t>blandit</a:t>
+            </a:r>
+            <a:r>
+              <a:rPr lang="en-US" sz="800" dirty="0"/>
+              <a:t> </a:t>
+            </a:r>
+            <a:r>
+              <a:rPr lang="en-US" sz="800" dirty="0" err="1"/>
+              <a:t>erat</a:t>
+            </a:r>
+            <a:r>
+              <a:rPr lang="en-US" sz="800" dirty="0"/>
+              <a:t> </a:t>
+            </a:r>
+            <a:r>
+              <a:rPr lang="en-US" sz="800" dirty="0" err="1"/>
+              <a:t>feugiat</a:t>
+            </a:r>
+            <a:r>
+              <a:rPr lang="en-US" sz="800" dirty="0"/>
+              <a:t>. Maecenas </a:t>
+            </a:r>
+            <a:r>
+              <a:rPr lang="en-US" sz="800" dirty="0" err="1"/>
+              <a:t>aliquet</a:t>
+            </a:r>
+            <a:r>
+              <a:rPr lang="en-US" sz="800" dirty="0"/>
+              <a:t> </a:t>
+            </a:r>
+            <a:r>
+              <a:rPr lang="en-US" sz="800" dirty="0" err="1"/>
+              <a:t>elementum</a:t>
+            </a:r>
+            <a:r>
+              <a:rPr lang="en-US" sz="800" dirty="0"/>
+              <a:t> </a:t>
+            </a:r>
+            <a:r>
+              <a:rPr lang="en-US" sz="800" dirty="0" err="1"/>
+              <a:t>mollis</a:t>
+            </a:r>
+            <a:r>
+              <a:rPr lang="en-US" sz="800" dirty="0"/>
+              <a:t>. </a:t>
+            </a:r>
+            <a:r>
+              <a:rPr lang="en-US" sz="800" dirty="0" err="1"/>
+              <a:t>Vivamus</a:t>
+            </a:r>
+            <a:r>
+              <a:rPr lang="en-US" sz="800" dirty="0"/>
+              <a:t> </a:t>
+            </a:r>
+            <a:r>
+              <a:rPr lang="en-US" sz="800" dirty="0" err="1"/>
+              <a:t>nec</a:t>
+            </a:r>
+            <a:r>
+              <a:rPr lang="en-US" sz="800" dirty="0"/>
+              <a:t> </a:t>
+            </a:r>
+            <a:r>
+              <a:rPr lang="en-US" sz="800" dirty="0" err="1"/>
+              <a:t>faucibus</a:t>
+            </a:r>
+            <a:r>
+              <a:rPr lang="en-US" sz="800" dirty="0"/>
+              <a:t> </a:t>
+            </a:r>
+            <a:r>
+              <a:rPr lang="en-US" sz="800" dirty="0" err="1"/>
+              <a:t>purus</a:t>
+            </a:r>
+            <a:r>
+              <a:rPr lang="en-US" sz="800" dirty="0"/>
+              <a:t>. </a:t>
+            </a:r>
+            <a:r>
+              <a:rPr lang="en-US" sz="800" dirty="0" err="1"/>
+              <a:t>Nullam</a:t>
+            </a:r>
+            <a:r>
+              <a:rPr lang="en-US" sz="800" dirty="0"/>
+              <a:t> </a:t>
+            </a:r>
+            <a:r>
+              <a:rPr lang="en-US" sz="800" dirty="0" err="1"/>
+              <a:t>sollicitudin</a:t>
+            </a:r>
+            <a:r>
+              <a:rPr lang="en-US" sz="800" dirty="0"/>
+              <a:t> mi </a:t>
+            </a:r>
+            <a:r>
+              <a:rPr lang="en-US" sz="800" dirty="0" err="1"/>
+              <a:t>metus</a:t>
+            </a:r>
+            <a:r>
+              <a:rPr lang="en-US" sz="800" dirty="0"/>
+              <a:t>, </a:t>
+            </a:r>
+            <a:r>
+              <a:rPr lang="en-US" sz="800" dirty="0" err="1"/>
+              <a:t>eget</a:t>
+            </a:r>
+            <a:r>
+              <a:rPr lang="en-US" sz="800" dirty="0"/>
+              <a:t> </a:t>
+            </a:r>
+            <a:r>
+              <a:rPr lang="en-US" sz="800" dirty="0" err="1"/>
+              <a:t>rutrum</a:t>
+            </a:r>
+            <a:r>
+              <a:rPr lang="en-US" sz="800" dirty="0"/>
+              <a:t> </a:t>
+            </a:r>
+            <a:r>
+              <a:rPr lang="en-US" sz="800" dirty="0" err="1"/>
+              <a:t>massa</a:t>
+            </a:r>
+            <a:r>
+              <a:rPr lang="en-US" sz="800" dirty="0"/>
+              <a:t> </a:t>
+            </a:r>
+            <a:r>
+              <a:rPr lang="en-US" sz="800" dirty="0" err="1"/>
+              <a:t>efficitur</a:t>
+            </a:r>
+            <a:r>
+              <a:rPr lang="en-US" sz="800" dirty="0"/>
+              <a:t> ac. </a:t>
+            </a:r>
+            <a:r>
+              <a:rPr lang="en-US" sz="800" dirty="0" err="1"/>
+              <a:t>Donec</a:t>
+            </a:r>
+            <a:r>
+              <a:rPr lang="en-US" sz="800" dirty="0"/>
+              <a:t> </a:t>
+            </a:r>
+            <a:r>
+              <a:rPr lang="en-US" sz="800" dirty="0" err="1"/>
+              <a:t>fringilla</a:t>
+            </a:r>
+            <a:r>
+              <a:rPr lang="en-US" sz="800" dirty="0"/>
+              <a:t>, </a:t>
+            </a:r>
+            <a:r>
+              <a:rPr lang="en-US" sz="800" dirty="0" err="1"/>
+              <a:t>neque</a:t>
+            </a:r>
+            <a:r>
+              <a:rPr lang="en-US" sz="800" dirty="0"/>
+              <a:t> </a:t>
+            </a:r>
+            <a:r>
+              <a:rPr lang="en-US" sz="800" dirty="0" err="1"/>
+              <a:t>eget</a:t>
+            </a:r>
+            <a:r>
+              <a:rPr lang="en-US" sz="800" dirty="0"/>
+              <a:t> </a:t>
+            </a:r>
+            <a:r>
+              <a:rPr lang="en-US" sz="800" dirty="0" err="1"/>
+              <a:t>finibus</a:t>
+            </a:r>
+            <a:r>
+              <a:rPr lang="en-US" sz="800" dirty="0"/>
+              <a:t> </a:t>
+            </a:r>
+            <a:r>
+              <a:rPr lang="en-US" sz="800" dirty="0" err="1"/>
+              <a:t>laoreet</a:t>
+            </a:r>
+            <a:r>
+              <a:rPr lang="en-US" sz="800" dirty="0"/>
+              <a:t>, </a:t>
+            </a:r>
+            <a:r>
+              <a:rPr lang="en-US" sz="800" dirty="0" err="1"/>
+              <a:t>massa</a:t>
+            </a:r>
+            <a:r>
+              <a:rPr lang="en-US" sz="800" dirty="0"/>
+              <a:t> dolor </a:t>
+            </a:r>
+            <a:r>
+              <a:rPr lang="en-US" sz="800" dirty="0" err="1"/>
+              <a:t>ultricies</a:t>
+            </a:r>
+            <a:r>
+              <a:rPr lang="en-US" sz="800" dirty="0"/>
+              <a:t> dui, </a:t>
+            </a:r>
+            <a:r>
+              <a:rPr lang="en-US" sz="800" dirty="0" err="1"/>
+              <a:t>vel</a:t>
+            </a:r>
+            <a:r>
+              <a:rPr lang="en-US" sz="800" dirty="0"/>
+              <a:t> </a:t>
+            </a:r>
+            <a:r>
+              <a:rPr lang="en-US" sz="800" dirty="0" err="1"/>
+              <a:t>malesuada</a:t>
+            </a:r>
+            <a:r>
+              <a:rPr lang="en-US" sz="800" dirty="0"/>
+              <a:t> </a:t>
+            </a:r>
+            <a:r>
+              <a:rPr lang="en-US" sz="800" dirty="0" err="1"/>
+              <a:t>nisl</a:t>
+            </a:r>
+            <a:r>
+              <a:rPr lang="en-US" sz="800" dirty="0"/>
+              <a:t> ipsum sit </a:t>
+            </a:r>
+            <a:r>
+              <a:rPr lang="en-US" sz="800" dirty="0" err="1"/>
+              <a:t>amet</a:t>
+            </a:r>
+            <a:r>
+              <a:rPr lang="en-US" sz="800" dirty="0"/>
+              <a:t> </a:t>
+            </a:r>
+            <a:r>
+              <a:rPr lang="en-US" sz="800" dirty="0" err="1"/>
+              <a:t>elit</a:t>
+            </a:r>
+            <a:r>
+              <a:rPr lang="en-US" sz="800" dirty="0"/>
+              <a:t>. </a:t>
+            </a:r>
+            <a:r>
+              <a:rPr lang="en-US" sz="800" dirty="0" err="1"/>
+              <a:t>Praesent</a:t>
+            </a:r>
+            <a:r>
+              <a:rPr lang="en-US" sz="800" dirty="0"/>
+              <a:t> </a:t>
+            </a:r>
+            <a:r>
+              <a:rPr lang="en-US" sz="800" dirty="0" err="1"/>
+              <a:t>fringilla</a:t>
+            </a:r>
+            <a:r>
+              <a:rPr lang="en-US" sz="800" dirty="0"/>
+              <a:t> sit </a:t>
+            </a:r>
+            <a:r>
+              <a:rPr lang="en-US" sz="800" dirty="0" err="1"/>
+              <a:t>amet</a:t>
+            </a:r>
+            <a:r>
+              <a:rPr lang="en-US" sz="800" dirty="0"/>
+              <a:t> </a:t>
+            </a:r>
+            <a:r>
+              <a:rPr lang="en-US" sz="800" dirty="0" err="1"/>
+              <a:t>felis</a:t>
+            </a:r>
+            <a:r>
+              <a:rPr lang="en-US" sz="800" dirty="0"/>
+              <a:t> </a:t>
+            </a:r>
+            <a:r>
+              <a:rPr lang="en-US" sz="800" dirty="0" err="1"/>
+              <a:t>eu</a:t>
+            </a:r>
+            <a:r>
+              <a:rPr lang="en-US" sz="800" dirty="0"/>
+              <a:t> </a:t>
+            </a:r>
+            <a:r>
+              <a:rPr lang="en-US" sz="800" dirty="0" err="1"/>
+              <a:t>tincidunt</a:t>
+            </a:r>
+            <a:r>
+              <a:rPr lang="en-US" sz="800" dirty="0"/>
+              <a:t>. </a:t>
+            </a:r>
+            <a:r>
+              <a:rPr lang="en-US" sz="800" dirty="0" err="1"/>
+              <a:t>Proin</a:t>
+            </a:r>
+            <a:r>
+              <a:rPr lang="en-US" sz="800" dirty="0"/>
+              <a:t> </a:t>
+            </a:r>
+            <a:r>
+              <a:rPr lang="en-US" sz="800" dirty="0" err="1"/>
+              <a:t>sem</a:t>
+            </a:r>
+            <a:r>
+              <a:rPr lang="en-US" sz="800" dirty="0"/>
+              <a:t> </a:t>
+            </a:r>
+            <a:r>
+              <a:rPr lang="en-US" sz="800" dirty="0" err="1"/>
+              <a:t>diam</a:t>
+            </a:r>
+            <a:r>
+              <a:rPr lang="en-US" sz="800" dirty="0"/>
+              <a:t>, </a:t>
+            </a:r>
+            <a:r>
+              <a:rPr lang="en-US" sz="800" dirty="0" err="1"/>
+              <a:t>aliquet</a:t>
+            </a:r>
+            <a:r>
+              <a:rPr lang="en-US" sz="800" dirty="0"/>
+              <a:t> ac magna in, </a:t>
+            </a:r>
+            <a:r>
+              <a:rPr lang="en-US" sz="800" dirty="0" err="1"/>
+              <a:t>iaculis</a:t>
+            </a:r>
+            <a:r>
+              <a:rPr lang="en-US" sz="800" dirty="0"/>
+              <a:t> </a:t>
+            </a:r>
+            <a:r>
+              <a:rPr lang="en-US" sz="800" dirty="0" err="1"/>
+              <a:t>eleifend</a:t>
+            </a:r>
+            <a:r>
+              <a:rPr lang="en-US" sz="800" dirty="0"/>
+              <a:t> </a:t>
+            </a:r>
+            <a:r>
+              <a:rPr lang="en-US" sz="800" dirty="0" err="1"/>
+              <a:t>augue</a:t>
+            </a:r>
+            <a:r>
+              <a:rPr lang="en-US" sz="800" dirty="0"/>
+              <a:t>. </a:t>
+            </a:r>
+            <a:r>
+              <a:rPr lang="en-US" sz="800" dirty="0" err="1" smtClean="0"/>
+              <a:t>Donec</a:t>
+            </a:r>
+            <a:r>
+              <a:rPr lang="en-US" sz="800" dirty="0" smtClean="0"/>
+              <a:t> </a:t>
+            </a:r>
+            <a:r>
+              <a:rPr lang="en-US" sz="800" dirty="0" err="1"/>
+              <a:t>congue</a:t>
+            </a:r>
+            <a:r>
+              <a:rPr lang="en-US" sz="800" dirty="0"/>
+              <a:t> </a:t>
+            </a:r>
+            <a:r>
+              <a:rPr lang="en-US" sz="800" dirty="0" err="1"/>
+              <a:t>congue</a:t>
+            </a:r>
+            <a:r>
+              <a:rPr lang="en-US" sz="800" dirty="0"/>
+              <a:t> </a:t>
+            </a:r>
+            <a:r>
+              <a:rPr lang="en-US" sz="800" dirty="0" err="1"/>
+              <a:t>vulputate</a:t>
+            </a:r>
+            <a:r>
+              <a:rPr lang="en-US" sz="800" dirty="0"/>
+              <a:t>. In </a:t>
+            </a:r>
+            <a:r>
+              <a:rPr lang="en-US" sz="800" dirty="0" err="1"/>
+              <a:t>euismod</a:t>
+            </a:r>
+            <a:r>
+              <a:rPr lang="en-US" sz="800" dirty="0"/>
+              <a:t> </a:t>
+            </a:r>
+            <a:r>
+              <a:rPr lang="en-US" sz="800" dirty="0" err="1"/>
+              <a:t>pellentesque</a:t>
+            </a:r>
+            <a:r>
+              <a:rPr lang="en-US" sz="800" dirty="0"/>
+              <a:t> </a:t>
+            </a:r>
+            <a:r>
+              <a:rPr lang="en-US" sz="800" dirty="0" err="1"/>
+              <a:t>facilisis</a:t>
+            </a:r>
+            <a:r>
+              <a:rPr lang="en-US" sz="800" dirty="0"/>
+              <a:t>. </a:t>
+            </a:r>
+            <a:r>
+              <a:rPr lang="en-US" sz="800" dirty="0" err="1"/>
+              <a:t>Nulla</a:t>
+            </a:r>
+            <a:r>
+              <a:rPr lang="en-US" sz="800" dirty="0"/>
+              <a:t> </a:t>
+            </a:r>
+            <a:r>
+              <a:rPr lang="en-US" sz="800" dirty="0" err="1"/>
+              <a:t>venenatis</a:t>
+            </a:r>
+            <a:r>
+              <a:rPr lang="en-US" sz="800" dirty="0"/>
+              <a:t> </a:t>
+            </a:r>
+            <a:r>
+              <a:rPr lang="en-US" sz="800" dirty="0" err="1"/>
+              <a:t>rutrum</a:t>
+            </a:r>
+            <a:r>
+              <a:rPr lang="en-US" sz="800" dirty="0"/>
+              <a:t> lacus, </a:t>
+            </a:r>
+            <a:r>
+              <a:rPr lang="en-US" sz="800" dirty="0" err="1"/>
+              <a:t>vel</a:t>
+            </a:r>
+            <a:r>
+              <a:rPr lang="en-US" sz="800" dirty="0"/>
+              <a:t> </a:t>
+            </a:r>
+            <a:r>
+              <a:rPr lang="en-US" sz="800" dirty="0" err="1"/>
+              <a:t>finibus</a:t>
+            </a:r>
+            <a:r>
+              <a:rPr lang="en-US" sz="800" dirty="0"/>
+              <a:t> </a:t>
+            </a:r>
+            <a:r>
+              <a:rPr lang="en-US" sz="800" dirty="0" err="1"/>
+              <a:t>velit</a:t>
+            </a:r>
+            <a:r>
+              <a:rPr lang="en-US" sz="800" dirty="0"/>
+              <a:t> </a:t>
+            </a:r>
+            <a:r>
+              <a:rPr lang="en-US" sz="800" dirty="0" err="1"/>
+              <a:t>lacinia</a:t>
+            </a:r>
+            <a:r>
+              <a:rPr lang="en-US" sz="800" dirty="0"/>
+              <a:t> sit </a:t>
+            </a:r>
+            <a:r>
+              <a:rPr lang="en-US" sz="800" dirty="0" err="1"/>
+              <a:t>amet</a:t>
+            </a:r>
+            <a:r>
+              <a:rPr lang="en-US" sz="800" dirty="0"/>
+              <a:t>. </a:t>
+            </a:r>
+            <a:r>
+              <a:rPr lang="en-US" sz="800" dirty="0" err="1"/>
+              <a:t>Quisque</a:t>
+            </a:r>
+            <a:r>
+              <a:rPr lang="en-US" sz="800" dirty="0"/>
+              <a:t> </a:t>
+            </a:r>
+            <a:r>
+              <a:rPr lang="en-US" sz="800" dirty="0" err="1"/>
+              <a:t>vel</a:t>
+            </a:r>
+            <a:r>
+              <a:rPr lang="en-US" sz="800" dirty="0"/>
+              <a:t> </a:t>
+            </a:r>
+            <a:r>
+              <a:rPr lang="en-US" sz="800" dirty="0" err="1"/>
+              <a:t>interdum</a:t>
+            </a:r>
+            <a:r>
+              <a:rPr lang="en-US" sz="800" dirty="0"/>
+              <a:t> </a:t>
+            </a:r>
+            <a:r>
+              <a:rPr lang="en-US" sz="800" dirty="0" err="1"/>
+              <a:t>enim</a:t>
+            </a:r>
+            <a:r>
+              <a:rPr lang="en-US" sz="800" dirty="0"/>
+              <a:t>. </a:t>
+            </a:r>
+            <a:r>
+              <a:rPr lang="en-US" sz="800" dirty="0" err="1"/>
+              <a:t>Ut</a:t>
+            </a:r>
+            <a:r>
+              <a:rPr lang="en-US" sz="800" dirty="0"/>
+              <a:t> </a:t>
+            </a:r>
+            <a:r>
+              <a:rPr lang="en-US" sz="800" dirty="0" err="1"/>
+              <a:t>mollis</a:t>
+            </a:r>
+            <a:r>
+              <a:rPr lang="en-US" sz="800" dirty="0"/>
+              <a:t> a ipsum </a:t>
+            </a:r>
+            <a:r>
+              <a:rPr lang="en-US" sz="800" dirty="0" err="1"/>
+              <a:t>vel</a:t>
+            </a:r>
+            <a:r>
+              <a:rPr lang="en-US" sz="800" dirty="0"/>
+              <a:t> </a:t>
+            </a:r>
+            <a:r>
+              <a:rPr lang="en-US" sz="800" dirty="0" err="1"/>
+              <a:t>blandit</a:t>
+            </a:r>
+            <a:r>
+              <a:rPr lang="en-US" sz="800" dirty="0"/>
+              <a:t>. </a:t>
+            </a:r>
+            <a:r>
+              <a:rPr lang="en-US" sz="800" dirty="0" err="1"/>
+              <a:t>Sed</a:t>
+            </a:r>
+            <a:r>
+              <a:rPr lang="en-US" sz="800" dirty="0"/>
+              <a:t> </a:t>
+            </a:r>
+            <a:r>
+              <a:rPr lang="en-US" sz="800" dirty="0" err="1"/>
+              <a:t>placerat</a:t>
+            </a:r>
+            <a:r>
+              <a:rPr lang="en-US" sz="800" dirty="0"/>
+              <a:t>, </a:t>
+            </a:r>
+            <a:r>
+              <a:rPr lang="en-US" sz="800" dirty="0" err="1"/>
+              <a:t>turpis</a:t>
+            </a:r>
+            <a:r>
+              <a:rPr lang="en-US" sz="800" dirty="0"/>
+              <a:t> </a:t>
+            </a:r>
+            <a:r>
+              <a:rPr lang="en-US" sz="800" dirty="0" err="1"/>
+              <a:t>ut</a:t>
+            </a:r>
+            <a:r>
+              <a:rPr lang="en-US" sz="800" dirty="0"/>
+              <a:t> </a:t>
+            </a:r>
+            <a:r>
+              <a:rPr lang="en-US" sz="800" dirty="0" err="1"/>
+              <a:t>molestie</a:t>
+            </a:r>
+            <a:r>
+              <a:rPr lang="en-US" sz="800" dirty="0"/>
+              <a:t> gravida, </a:t>
+            </a:r>
+            <a:r>
+              <a:rPr lang="en-US" sz="800" dirty="0" err="1"/>
+              <a:t>mauris</a:t>
+            </a:r>
+            <a:r>
+              <a:rPr lang="en-US" sz="800" dirty="0"/>
+              <a:t> </a:t>
+            </a:r>
+            <a:r>
+              <a:rPr lang="en-US" sz="800" dirty="0" err="1"/>
+              <a:t>nulla</a:t>
+            </a:r>
+            <a:r>
+              <a:rPr lang="en-US" sz="800" dirty="0"/>
+              <a:t> </a:t>
+            </a:r>
+            <a:r>
+              <a:rPr lang="en-US" sz="800" dirty="0" err="1"/>
+              <a:t>eleifend</a:t>
+            </a:r>
+            <a:r>
+              <a:rPr lang="en-US" sz="800" dirty="0"/>
+              <a:t> </a:t>
+            </a:r>
+            <a:r>
+              <a:rPr lang="en-US" sz="800" dirty="0" err="1"/>
+              <a:t>nisl</a:t>
+            </a:r>
+            <a:r>
+              <a:rPr lang="en-US" sz="800" dirty="0"/>
+              <a:t>, gravida </a:t>
+            </a:r>
+            <a:r>
+              <a:rPr lang="en-US" sz="800" dirty="0" err="1"/>
+              <a:t>malesuada</a:t>
+            </a:r>
+            <a:r>
+              <a:rPr lang="en-US" sz="800" dirty="0"/>
+              <a:t> </a:t>
+            </a:r>
+            <a:r>
+              <a:rPr lang="en-US" sz="800" dirty="0" err="1"/>
+              <a:t>purus</a:t>
+            </a:r>
+            <a:r>
+              <a:rPr lang="en-US" sz="800" dirty="0"/>
+              <a:t> </a:t>
+            </a:r>
+            <a:r>
+              <a:rPr lang="en-US" sz="800" dirty="0" err="1"/>
+              <a:t>velit</a:t>
+            </a:r>
+            <a:r>
+              <a:rPr lang="en-US" sz="800" dirty="0"/>
+              <a:t> a </a:t>
+            </a:r>
+            <a:r>
+              <a:rPr lang="en-US" sz="800" dirty="0" err="1"/>
+              <a:t>neque</a:t>
+            </a:r>
+            <a:r>
+              <a:rPr lang="en-US" sz="800" dirty="0"/>
+              <a:t>. </a:t>
+            </a:r>
+            <a:r>
+              <a:rPr lang="en-US" sz="800" dirty="0" err="1"/>
+              <a:t>Aliquam</a:t>
+            </a:r>
+            <a:r>
+              <a:rPr lang="en-US" sz="800" dirty="0"/>
+              <a:t> tempus </a:t>
+            </a:r>
+            <a:r>
+              <a:rPr lang="en-US" sz="800" dirty="0" err="1"/>
+              <a:t>risus</a:t>
+            </a:r>
+            <a:r>
+              <a:rPr lang="en-US" sz="800" dirty="0"/>
+              <a:t> </a:t>
+            </a:r>
+            <a:r>
+              <a:rPr lang="en-US" sz="800" dirty="0" err="1"/>
+              <a:t>nec</a:t>
+            </a:r>
+            <a:r>
+              <a:rPr lang="en-US" sz="800" dirty="0"/>
+              <a:t> dolor </a:t>
+            </a:r>
+            <a:r>
+              <a:rPr lang="en-US" sz="800" dirty="0" err="1"/>
+              <a:t>mattis</a:t>
+            </a:r>
+            <a:r>
+              <a:rPr lang="en-US" sz="800" dirty="0"/>
+              <a:t> </a:t>
+            </a:r>
+            <a:r>
+              <a:rPr lang="en-US" sz="800" dirty="0" err="1"/>
+              <a:t>finibus</a:t>
+            </a:r>
+            <a:r>
+              <a:rPr lang="en-US" sz="800" dirty="0"/>
+              <a:t> </a:t>
+            </a:r>
+            <a:r>
+              <a:rPr lang="en-US" sz="800" dirty="0" err="1"/>
+              <a:t>eget</a:t>
+            </a:r>
+            <a:r>
+              <a:rPr lang="en-US" sz="800" dirty="0"/>
+              <a:t> in </a:t>
+            </a:r>
+            <a:r>
+              <a:rPr lang="en-US" sz="800" dirty="0" err="1"/>
+              <a:t>tortor</a:t>
+            </a:r>
+            <a:r>
+              <a:rPr lang="en-US" sz="800" dirty="0"/>
+              <a:t>. </a:t>
+            </a:r>
+            <a:r>
+              <a:rPr lang="en-US" sz="800" dirty="0" err="1"/>
+              <a:t>Aenean</a:t>
+            </a:r>
+            <a:r>
+              <a:rPr lang="en-US" sz="800" dirty="0"/>
+              <a:t> </a:t>
+            </a:r>
+            <a:r>
+              <a:rPr lang="en-US" sz="800" dirty="0" err="1"/>
+              <a:t>tristique</a:t>
+            </a:r>
+            <a:r>
+              <a:rPr lang="en-US" sz="800" dirty="0"/>
+              <a:t> quam </a:t>
+            </a:r>
+            <a:r>
+              <a:rPr lang="en-US" sz="800" dirty="0" err="1"/>
+              <a:t>elit</a:t>
+            </a:r>
+            <a:r>
+              <a:rPr lang="en-US" sz="800" dirty="0"/>
+              <a:t>, sit </a:t>
+            </a:r>
+            <a:r>
+              <a:rPr lang="en-US" sz="800" dirty="0" err="1"/>
+              <a:t>amet</a:t>
+            </a:r>
+            <a:r>
+              <a:rPr lang="en-US" sz="800" dirty="0"/>
+              <a:t> </a:t>
+            </a:r>
+            <a:r>
+              <a:rPr lang="en-US" sz="800" dirty="0" err="1"/>
+              <a:t>mattis</a:t>
+            </a:r>
+            <a:r>
+              <a:rPr lang="en-US" sz="800" dirty="0"/>
+              <a:t> magna </a:t>
+            </a:r>
+            <a:r>
+              <a:rPr lang="en-US" sz="800" dirty="0" err="1"/>
+              <a:t>eleifend</a:t>
+            </a:r>
+            <a:r>
+              <a:rPr lang="en-US" sz="800" dirty="0"/>
+              <a:t> ac. Integer </a:t>
+            </a:r>
+            <a:r>
+              <a:rPr lang="en-US" sz="800" dirty="0" err="1"/>
+              <a:t>vel</a:t>
+            </a:r>
+            <a:r>
+              <a:rPr lang="en-US" sz="800" dirty="0"/>
+              <a:t> </a:t>
+            </a:r>
+            <a:r>
+              <a:rPr lang="en-US" sz="800" dirty="0" err="1"/>
+              <a:t>leo</a:t>
+            </a:r>
+            <a:r>
+              <a:rPr lang="en-US" sz="800" dirty="0"/>
+              <a:t> ligula. </a:t>
+            </a:r>
           </a:p>
         </p:txBody>
       </p:sp>
     </p:spTree>
     <p:extLst>
       <p:ext uri="{BB962C8B-B14F-4D97-AF65-F5344CB8AC3E}">
-        <p14:creationId xmlns:p14="http://schemas.microsoft.com/office/powerpoint/2010/main" val="1148088195"/>
+        <p14:creationId xmlns:p14="http://schemas.microsoft.com/office/powerpoint/2010/main" val="3761283503"/>
       </p:ext>
     </p:extLst>
   </p:cSld>
   <p:clrMapOvr>
     <a:masterClrMapping/>
   </p:clrMapOvr>
+  <mc:AlternateContent xmlns:mc="http://schemas.openxmlformats.org/markup-compatibility/2006" xmlns:p14="http://schemas.microsoft.com/office/powerpoint/2010/main">
+    <mc:Choice Requires="p14">
+      <p:transition spd="slow" p14:dur="2000"/>
+    </mc:Choice>
+    <mc:Fallback xmlns="">
+      <p:transition spd="slow"/>
+    </mc:Fallback>
+  </mc:AlternateContent>
   <p:timing>
     <p:tnLst>
       <p:par>
@@ -11259,7 +12350,7 @@
           <a:p>
             <a:r>
               <a:rPr lang="en-US" dirty="0" smtClean="0"/>
-              <a:t>How do you create a package?</a:t>
+              <a:t>Why use packages?</a:t>
             </a:r>
             <a:endParaRPr lang="en-US" dirty="0"/>
           </a:p>
@@ -11275,62 +12366,33 @@
             <p:ph sz="quarter" idx="10"/>
           </p:nvPr>
         </p:nvSpPr>
-        <p:spPr/>
+        <p:spPr>
+          <a:xfrm>
+            <a:off x="379412" y="1388226"/>
+            <a:ext cx="11524533" cy="5290388"/>
+          </a:xfrm>
+        </p:spPr>
         <p:txBody>
           <a:bodyPr/>
           <a:lstStyle/>
           <a:p>
             <a:r>
               <a:rPr lang="en-US" dirty="0" smtClean="0"/>
-              <a:t>A package at the end of the day is a folder</a:t>
-            </a:r>
-          </a:p>
-          <a:p>
+              <a:t>We can't </a:t>
+            </a:r>
+            <a:r>
+              <a:rPr lang="en-US" dirty="0"/>
+              <a:t>keep adding code to a single </a:t>
+            </a:r>
             <a:r>
               <a:rPr lang="en-US" dirty="0" smtClean="0"/>
-              <a:t>The folder can contain </a:t>
-            </a:r>
-            <a:r>
-              <a:rPr lang="en-US" dirty="0" err="1" smtClean="0"/>
-              <a:t>py</a:t>
-            </a:r>
+              <a:t>file</a:t>
+            </a:r>
+          </a:p>
+          <a:p>
             <a:r>
               <a:rPr lang="en-US" dirty="0" smtClean="0"/>
-              <a:t> files and other folders</a:t>
-            </a:r>
-          </a:p>
-          <a:p>
-            <a:r>
-              <a:rPr lang="en-US" dirty="0" smtClean="0"/>
-              <a:t>Each folder must contain a file called __init__.py</a:t>
-            </a:r>
-          </a:p>
-          <a:p>
-            <a:pPr lvl="1"/>
-            <a:r>
-              <a:rPr lang="en-US" dirty="0" smtClean="0"/>
-              <a:t>That is two underscores on each side</a:t>
-            </a:r>
-          </a:p>
-          <a:p>
-            <a:pPr lvl="1"/>
-            <a:r>
-              <a:rPr lang="en-US" dirty="0" smtClean="0"/>
-              <a:t>It's a keyword, just go with it</a:t>
-            </a:r>
-          </a:p>
-          <a:p>
-            <a:pPr lvl="1"/>
-            <a:r>
-              <a:rPr lang="en-US" dirty="0" smtClean="0"/>
-              <a:t>It's the first file that will be called</a:t>
-            </a:r>
-          </a:p>
-          <a:p>
-            <a:pPr lvl="2"/>
-            <a:r>
-              <a:rPr lang="en-US" dirty="0" smtClean="0"/>
-              <a:t>Use it to initialize the environment, import files, etc.</a:t>
+              <a:t>We can't keep adding files to a single folder</a:t>
             </a:r>
             <a:endParaRPr lang="en-US" dirty="0"/>
           </a:p>
@@ -11339,7 +12401,7 @@
     </p:spTree>
     <p:extLst>
       <p:ext uri="{BB962C8B-B14F-4D97-AF65-F5344CB8AC3E}">
-        <p14:creationId xmlns:p14="http://schemas.microsoft.com/office/powerpoint/2010/main" val="3584472669"/>
+        <p14:creationId xmlns:p14="http://schemas.microsoft.com/office/powerpoint/2010/main" val="2605775385"/>
       </p:ext>
     </p:extLst>
   </p:cSld>
@@ -11385,12 +12447,14 @@
         </p:nvSpPr>
         <p:spPr/>
         <p:txBody>
-          <a:bodyPr/>
+          <a:bodyPr>
+            <a:normAutofit fontScale="90000"/>
+          </a:bodyPr>
           <a:lstStyle/>
           <a:p>
             <a:r>
               <a:rPr lang="en-US" dirty="0" smtClean="0"/>
-              <a:t>How do you reference items in a package?</a:t>
+              <a:t>Different packages for different portions of your application</a:t>
             </a:r>
             <a:endParaRPr lang="en-US" dirty="0"/>
           </a:p>
@@ -11398,81 +12462,13 @@
       </p:sp>
       <p:sp>
         <p:nvSpPr>
-          <p:cNvPr id="3" name="Content Placeholder 2"/>
-          <p:cNvSpPr>
-            <a:spLocks noGrp="1"/>
-          </p:cNvSpPr>
-          <p:nvPr>
-            <p:ph sz="quarter" idx="10"/>
-          </p:nvPr>
-        </p:nvSpPr>
-        <p:spPr>
-          <a:xfrm>
-            <a:off x="379413" y="1388226"/>
-            <a:ext cx="5453216" cy="5290388"/>
-          </a:xfrm>
-        </p:spPr>
-        <p:txBody>
-          <a:bodyPr/>
-          <a:lstStyle/>
-          <a:p>
-            <a:r>
-              <a:rPr lang="en-US" sz="2800" dirty="0" smtClean="0"/>
-              <a:t>Use dotted notation</a:t>
-            </a:r>
-          </a:p>
-          <a:p>
-            <a:endParaRPr lang="en-US" sz="2800" dirty="0"/>
-          </a:p>
-          <a:p>
-            <a:r>
-              <a:rPr lang="en-US" sz="2800" dirty="0" smtClean="0"/>
-              <a:t>Method inside server.py?</a:t>
-            </a:r>
-          </a:p>
-          <a:p>
-            <a:pPr lvl="1"/>
-            <a:r>
-              <a:rPr lang="en-US" sz="2400" dirty="0" err="1" smtClean="0"/>
-              <a:t>admin.data.server.method</a:t>
-            </a:r>
-            <a:r>
-              <a:rPr lang="en-US" sz="2400" dirty="0" smtClean="0"/>
-              <a:t>()</a:t>
-            </a:r>
-          </a:p>
-          <a:p>
-            <a:endParaRPr lang="en-US" sz="2800" dirty="0"/>
-          </a:p>
-          <a:p>
-            <a:r>
-              <a:rPr lang="en-US" sz="2800" dirty="0" smtClean="0"/>
-              <a:t>Method inside question.py?</a:t>
-            </a:r>
-          </a:p>
-          <a:p>
-            <a:pPr lvl="1"/>
-            <a:r>
-              <a:rPr lang="en-US" sz="2400" dirty="0" err="1" smtClean="0"/>
-              <a:t>quiz.models.question.method</a:t>
-            </a:r>
-            <a:r>
-              <a:rPr lang="en-US" sz="2400" dirty="0" smtClean="0"/>
-              <a:t>()</a:t>
-            </a:r>
-            <a:endParaRPr lang="en-US" sz="2400" dirty="0"/>
-          </a:p>
-        </p:txBody>
-      </p:sp>
-      <p:sp>
-        <p:nvSpPr>
-          <p:cNvPr id="5" name="Rectangle 4"/>
+          <p:cNvPr id="4" name="Rectangle 3"/>
           <p:cNvSpPr/>
           <p:nvPr/>
         </p:nvSpPr>
         <p:spPr>
           <a:xfrm>
-            <a:off x="5990762" y="1251079"/>
+            <a:off x="2994064" y="1345290"/>
             <a:ext cx="5829108" cy="5242952"/>
           </a:xfrm>
           <a:prstGeom prst="rect">
@@ -11504,13 +12500,13 @@
       </p:sp>
       <p:sp>
         <p:nvSpPr>
-          <p:cNvPr id="6" name="Rectangle 5"/>
+          <p:cNvPr id="5" name="Rectangle 4"/>
           <p:cNvSpPr/>
           <p:nvPr/>
         </p:nvSpPr>
         <p:spPr>
           <a:xfrm>
-            <a:off x="6361162" y="1397099"/>
+            <a:off x="3364464" y="1491310"/>
             <a:ext cx="5165745" cy="2429654"/>
           </a:xfrm>
           <a:prstGeom prst="rect">
@@ -11557,7 +12553,7 @@
             </a:pPr>
             <a:r>
               <a:rPr lang="en-US" sz="2400" dirty="0" smtClean="0"/>
-              <a:t>server.py</a:t>
+              <a:t>dataaccess.py</a:t>
             </a:r>
           </a:p>
           <a:p>
@@ -11600,7 +12596,7 @@
         </p:nvSpPr>
         <p:spPr>
           <a:xfrm>
-            <a:off x="6338119" y="3972772"/>
+            <a:off x="3341421" y="4066983"/>
             <a:ext cx="5188788" cy="2281562"/>
           </a:xfrm>
           <a:prstGeom prst="rect">
@@ -11692,7 +12688,7 @@
     </p:spTree>
     <p:extLst>
       <p:ext uri="{BB962C8B-B14F-4D97-AF65-F5344CB8AC3E}">
-        <p14:creationId xmlns:p14="http://schemas.microsoft.com/office/powerpoint/2010/main" val="2533715453"/>
+        <p14:creationId xmlns:p14="http://schemas.microsoft.com/office/powerpoint/2010/main" val="1148088195"/>
       </p:ext>
     </p:extLst>
   </p:cSld>
@@ -11728,7 +12724,7 @@
       </p:grpSpPr>
       <p:sp>
         <p:nvSpPr>
-          <p:cNvPr id="4" name="Title 3"/>
+          <p:cNvPr id="2" name="Title 1"/>
           <p:cNvSpPr>
             <a:spLocks noGrp="1"/>
           </p:cNvSpPr>
@@ -11743,7 +12739,78 @@
           <a:p>
             <a:r>
               <a:rPr lang="en-US" dirty="0" smtClean="0"/>
-              <a:t>Adding packages to our application</a:t>
+              <a:t>How do you create a package?</a:t>
+            </a:r>
+            <a:endParaRPr lang="en-US" dirty="0"/>
+          </a:p>
+        </p:txBody>
+      </p:sp>
+      <p:sp>
+        <p:nvSpPr>
+          <p:cNvPr id="3" name="Content Placeholder 2"/>
+          <p:cNvSpPr>
+            <a:spLocks noGrp="1"/>
+          </p:cNvSpPr>
+          <p:nvPr>
+            <p:ph sz="quarter" idx="10"/>
+          </p:nvPr>
+        </p:nvSpPr>
+        <p:spPr/>
+        <p:txBody>
+          <a:bodyPr/>
+          <a:lstStyle/>
+          <a:p>
+            <a:r>
+              <a:rPr lang="en-US" dirty="0" smtClean="0"/>
+              <a:t>A package at the end of the day is a folder</a:t>
+            </a:r>
+          </a:p>
+          <a:p>
+            <a:r>
+              <a:rPr lang="en-US" dirty="0" smtClean="0"/>
+              <a:t>The folder can contain </a:t>
+            </a:r>
+            <a:r>
+              <a:rPr lang="en-US" dirty="0" err="1" smtClean="0"/>
+              <a:t>py</a:t>
+            </a:r>
+            <a:r>
+              <a:rPr lang="en-US" dirty="0" smtClean="0"/>
+              <a:t> files and other folders</a:t>
+            </a:r>
+          </a:p>
+          <a:p>
+            <a:r>
+              <a:rPr lang="en-US" dirty="0" smtClean="0"/>
+              <a:t>Each folder must contain a file called __init__.py</a:t>
+            </a:r>
+          </a:p>
+          <a:p>
+            <a:pPr lvl="1"/>
+            <a:r>
+              <a:rPr lang="en-US" dirty="0" smtClean="0"/>
+              <a:t>That is two underscores on each side</a:t>
+            </a:r>
+          </a:p>
+          <a:p>
+            <a:pPr lvl="1"/>
+            <a:r>
+              <a:rPr lang="en-US" dirty="0" smtClean="0"/>
+              <a:t>It's a keyword, just go with it</a:t>
+            </a:r>
+          </a:p>
+          <a:p>
+            <a:pPr lvl="1"/>
+            <a:r>
+              <a:rPr lang="en-US" dirty="0" smtClean="0"/>
+              <a:t>It's the first file that will be called</a:t>
+            </a:r>
+          </a:p>
+          <a:p>
+            <a:pPr lvl="2"/>
+            <a:r>
+              <a:rPr lang="en-US" dirty="0" smtClean="0"/>
+              <a:t>Use it to initialize the environment, import files, etc.</a:t>
             </a:r>
             <a:endParaRPr lang="en-US" dirty="0"/>
           </a:p>
@@ -11752,7 +12819,7 @@
     </p:spTree>
     <p:extLst>
       <p:ext uri="{BB962C8B-B14F-4D97-AF65-F5344CB8AC3E}">
-        <p14:creationId xmlns:p14="http://schemas.microsoft.com/office/powerpoint/2010/main" val="1651937179"/>
+        <p14:creationId xmlns:p14="http://schemas.microsoft.com/office/powerpoint/2010/main" val="3584472669"/>
       </p:ext>
     </p:extLst>
   </p:cSld>
@@ -11786,24 +12853,332 @@
           <a:chExt cx="0" cy="0"/>
         </a:xfrm>
       </p:grpSpPr>
+      <p:sp>
+        <p:nvSpPr>
+          <p:cNvPr id="2" name="Title 1"/>
+          <p:cNvSpPr>
+            <a:spLocks noGrp="1"/>
+          </p:cNvSpPr>
+          <p:nvPr>
+            <p:ph type="title"/>
+          </p:nvPr>
+        </p:nvSpPr>
+        <p:spPr/>
+        <p:txBody>
+          <a:bodyPr/>
+          <a:lstStyle/>
+          <a:p>
+            <a:r>
+              <a:rPr lang="en-US" dirty="0" smtClean="0"/>
+              <a:t>How do you reference items in a package?</a:t>
+            </a:r>
+            <a:endParaRPr lang="en-US" dirty="0"/>
+          </a:p>
+        </p:txBody>
+      </p:sp>
+      <p:sp>
+        <p:nvSpPr>
+          <p:cNvPr id="3" name="Content Placeholder 2"/>
+          <p:cNvSpPr>
+            <a:spLocks noGrp="1"/>
+          </p:cNvSpPr>
+          <p:nvPr>
+            <p:ph sz="quarter" idx="10"/>
+          </p:nvPr>
+        </p:nvSpPr>
+        <p:spPr>
+          <a:xfrm>
+            <a:off x="379413" y="1388226"/>
+            <a:ext cx="5453216" cy="5290388"/>
+          </a:xfrm>
+        </p:spPr>
+        <p:txBody>
+          <a:bodyPr/>
+          <a:lstStyle/>
+          <a:p>
+            <a:r>
+              <a:rPr lang="en-US" sz="2800" dirty="0" smtClean="0"/>
+              <a:t>Use dotted notation</a:t>
+            </a:r>
+          </a:p>
+          <a:p>
+            <a:endParaRPr lang="en-US" sz="2800" dirty="0"/>
+          </a:p>
+          <a:p>
+            <a:r>
+              <a:rPr lang="en-US" sz="2800" dirty="0" smtClean="0"/>
+              <a:t>Method inside server.py?</a:t>
+            </a:r>
+          </a:p>
+          <a:p>
+            <a:pPr lvl="1"/>
+            <a:r>
+              <a:rPr lang="en-US" sz="2400" dirty="0" err="1" smtClean="0"/>
+              <a:t>admin.data.server.method</a:t>
+            </a:r>
+            <a:r>
+              <a:rPr lang="en-US" sz="2400" dirty="0" smtClean="0"/>
+              <a:t>()</a:t>
+            </a:r>
+          </a:p>
+          <a:p>
+            <a:endParaRPr lang="en-US" sz="2800" dirty="0"/>
+          </a:p>
+          <a:p>
+            <a:r>
+              <a:rPr lang="en-US" sz="2800" dirty="0" smtClean="0"/>
+              <a:t>Method inside question.py?</a:t>
+            </a:r>
+          </a:p>
+          <a:p>
+            <a:pPr lvl="1"/>
+            <a:r>
+              <a:rPr lang="en-US" sz="2400" dirty="0" err="1" smtClean="0"/>
+              <a:t>quiz.models.question.method</a:t>
+            </a:r>
+            <a:r>
+              <a:rPr lang="en-US" sz="2400" dirty="0" smtClean="0"/>
+              <a:t>()</a:t>
+            </a:r>
+            <a:endParaRPr lang="en-US" sz="2400" dirty="0"/>
+          </a:p>
+        </p:txBody>
+      </p:sp>
+      <p:sp>
+        <p:nvSpPr>
+          <p:cNvPr id="5" name="Rectangle 4"/>
+          <p:cNvSpPr/>
+          <p:nvPr/>
+        </p:nvSpPr>
+        <p:spPr>
+          <a:xfrm>
+            <a:off x="5990762" y="1251079"/>
+            <a:ext cx="5829108" cy="5242952"/>
+          </a:xfrm>
+          <a:prstGeom prst="rect">
+            <a:avLst/>
+          </a:prstGeom>
+        </p:spPr>
+        <p:style>
+          <a:lnRef idx="2">
+            <a:schemeClr val="accent1"/>
+          </a:lnRef>
+          <a:fillRef idx="1">
+            <a:schemeClr val="lt1"/>
+          </a:fillRef>
+          <a:effectRef idx="0">
+            <a:schemeClr val="accent1"/>
+          </a:effectRef>
+          <a:fontRef idx="minor">
+            <a:schemeClr val="dk1"/>
+          </a:fontRef>
+        </p:style>
+        <p:txBody>
+          <a:bodyPr rtlCol="0" anchor="ctr"/>
+          <a:lstStyle/>
+          <a:p>
+            <a:pPr algn="ctr"/>
+            <a:endParaRPr lang="en-US"/>
+          </a:p>
+        </p:txBody>
+      </p:sp>
+      <p:sp>
+        <p:nvSpPr>
+          <p:cNvPr id="6" name="Rectangle 5"/>
+          <p:cNvSpPr/>
+          <p:nvPr/>
+        </p:nvSpPr>
+        <p:spPr>
+          <a:xfrm>
+            <a:off x="6361162" y="1397099"/>
+            <a:ext cx="5165745" cy="2429654"/>
+          </a:xfrm>
+          <a:prstGeom prst="rect">
+            <a:avLst/>
+          </a:prstGeom>
+        </p:spPr>
+        <p:style>
+          <a:lnRef idx="1">
+            <a:schemeClr val="accent4"/>
+          </a:lnRef>
+          <a:fillRef idx="2">
+            <a:schemeClr val="accent4"/>
+          </a:fillRef>
+          <a:effectRef idx="1">
+            <a:schemeClr val="accent4"/>
+          </a:effectRef>
+          <a:fontRef idx="minor">
+            <a:schemeClr val="dk1"/>
+          </a:fontRef>
+        </p:style>
+        <p:txBody>
+          <a:bodyPr rtlCol="0" anchor="ctr"/>
+          <a:lstStyle/>
+          <a:p>
+            <a:r>
+              <a:rPr lang="en-US" sz="2400" dirty="0" smtClean="0"/>
+              <a:t>admin</a:t>
+            </a:r>
+          </a:p>
+          <a:p>
+            <a:pPr marL="342900" indent="-342900">
+              <a:buFont typeface="Arial" panose="020B0604020202020204" pitchFamily="34" charset="0"/>
+              <a:buChar char="•"/>
+            </a:pPr>
+            <a:r>
+              <a:rPr lang="en-US" sz="2400" dirty="0" smtClean="0"/>
+              <a:t>data</a:t>
+            </a:r>
+          </a:p>
+          <a:p>
+            <a:pPr marL="800100" lvl="1" indent="-342900">
+              <a:buFont typeface="Arial" panose="020B0604020202020204" pitchFamily="34" charset="0"/>
+              <a:buChar char="•"/>
+            </a:pPr>
+            <a:r>
+              <a:rPr lang="en-US" sz="2400" dirty="0" smtClean="0"/>
+              <a:t>server.py</a:t>
+            </a:r>
+          </a:p>
+          <a:p>
+            <a:pPr marL="342900" indent="-342900">
+              <a:buFont typeface="Arial" panose="020B0604020202020204" pitchFamily="34" charset="0"/>
+              <a:buChar char="•"/>
+            </a:pPr>
+            <a:r>
+              <a:rPr lang="en-US" sz="2400" dirty="0" smtClean="0"/>
+              <a:t>models</a:t>
+            </a:r>
+          </a:p>
+          <a:p>
+            <a:pPr marL="800100" lvl="1" indent="-342900">
+              <a:buFont typeface="Arial" panose="020B0604020202020204" pitchFamily="34" charset="0"/>
+              <a:buChar char="•"/>
+            </a:pPr>
+            <a:r>
+              <a:rPr lang="en-US" sz="2400" dirty="0" smtClean="0"/>
+              <a:t>user.py</a:t>
+            </a:r>
+          </a:p>
+          <a:p>
+            <a:pPr marL="800100" lvl="1" indent="-342900">
+              <a:buFont typeface="Arial" panose="020B0604020202020204" pitchFamily="34" charset="0"/>
+              <a:buChar char="•"/>
+            </a:pPr>
+            <a:r>
+              <a:rPr lang="en-US" sz="2400" dirty="0" smtClean="0"/>
+              <a:t>permission.py</a:t>
+            </a:r>
+          </a:p>
+        </p:txBody>
+      </p:sp>
+      <p:sp>
+        <p:nvSpPr>
+          <p:cNvPr id="7" name="Rectangle 6"/>
+          <p:cNvSpPr/>
+          <p:nvPr/>
+        </p:nvSpPr>
+        <p:spPr>
+          <a:xfrm>
+            <a:off x="6338119" y="3972772"/>
+            <a:ext cx="5188788" cy="2281562"/>
+          </a:xfrm>
+          <a:prstGeom prst="rect">
+            <a:avLst/>
+          </a:prstGeom>
+        </p:spPr>
+        <p:style>
+          <a:lnRef idx="1">
+            <a:schemeClr val="accent3"/>
+          </a:lnRef>
+          <a:fillRef idx="2">
+            <a:schemeClr val="accent3"/>
+          </a:fillRef>
+          <a:effectRef idx="1">
+            <a:schemeClr val="accent3"/>
+          </a:effectRef>
+          <a:fontRef idx="minor">
+            <a:schemeClr val="dk1"/>
+          </a:fontRef>
+        </p:style>
+        <p:txBody>
+          <a:bodyPr rtlCol="0" anchor="ctr"/>
+          <a:lstStyle/>
+          <a:p>
+            <a:r>
+              <a:rPr lang="en-US" sz="2400" dirty="0"/>
+              <a:t>q</a:t>
+            </a:r>
+            <a:r>
+              <a:rPr lang="en-US" sz="2400" dirty="0" smtClean="0"/>
+              <a:t>uiz</a:t>
+            </a:r>
+            <a:endParaRPr lang="en-US" sz="2400" dirty="0"/>
+          </a:p>
+          <a:p>
+            <a:pPr marL="342900" indent="-342900">
+              <a:buFont typeface="Arial" panose="020B0604020202020204" pitchFamily="34" charset="0"/>
+              <a:buChar char="•"/>
+            </a:pPr>
+            <a:r>
+              <a:rPr lang="en-US" sz="2400" dirty="0"/>
+              <a:t>data</a:t>
+            </a:r>
+          </a:p>
+          <a:p>
+            <a:pPr marL="800100" lvl="1" indent="-342900">
+              <a:buFont typeface="Arial" panose="020B0604020202020204" pitchFamily="34" charset="0"/>
+              <a:buChar char="•"/>
+            </a:pPr>
+            <a:r>
+              <a:rPr lang="en-US" sz="2400" dirty="0"/>
+              <a:t>dataaccess.py</a:t>
+            </a:r>
+          </a:p>
+          <a:p>
+            <a:pPr marL="342900" indent="-342900">
+              <a:buFont typeface="Arial" panose="020B0604020202020204" pitchFamily="34" charset="0"/>
+              <a:buChar char="•"/>
+            </a:pPr>
+            <a:r>
+              <a:rPr lang="en-US" sz="2400" dirty="0"/>
+              <a:t>models</a:t>
+            </a:r>
+          </a:p>
+          <a:p>
+            <a:pPr marL="800100" lvl="1" indent="-342900">
+              <a:buFont typeface="Arial" panose="020B0604020202020204" pitchFamily="34" charset="0"/>
+              <a:buChar char="•"/>
+            </a:pPr>
+            <a:r>
+              <a:rPr lang="en-US" sz="2400" dirty="0" smtClean="0"/>
+              <a:t>question.py</a:t>
+            </a:r>
+            <a:endParaRPr lang="en-US" sz="2400" dirty="0"/>
+          </a:p>
+          <a:p>
+            <a:pPr marL="800100" lvl="1" indent="-342900">
+              <a:buFont typeface="Arial" panose="020B0604020202020204" pitchFamily="34" charset="0"/>
+              <a:buChar char="•"/>
+            </a:pPr>
+            <a:r>
+              <a:rPr lang="en-US" sz="2400" dirty="0" smtClean="0"/>
+              <a:t>category.py</a:t>
+            </a:r>
+            <a:endParaRPr lang="en-US" sz="2400" dirty="0"/>
+          </a:p>
+        </p:txBody>
+      </p:sp>
     </p:spTree>
     <p:extLst>
       <p:ext uri="{BB962C8B-B14F-4D97-AF65-F5344CB8AC3E}">
-        <p14:creationId xmlns:p14="http://schemas.microsoft.com/office/powerpoint/2010/main" val="459769255"/>
+        <p14:creationId xmlns:p14="http://schemas.microsoft.com/office/powerpoint/2010/main" val="2533715453"/>
       </p:ext>
     </p:extLst>
   </p:cSld>
   <p:clrMapOvr>
     <a:masterClrMapping/>
   </p:clrMapOvr>
-  <mc:AlternateContent xmlns:mc="http://schemas.openxmlformats.org/markup-compatibility/2006" xmlns:p14="http://schemas.microsoft.com/office/powerpoint/2010/main">
-    <mc:Choice Requires="p14">
-      <p:transition spd="slow" p14:dur="2000"/>
-    </mc:Choice>
-    <mc:Fallback xmlns="">
-      <p:transition spd="slow"/>
-    </mc:Fallback>
-  </mc:AlternateContent>
   <p:timing>
     <p:tnLst>
       <p:par>
@@ -12017,6 +13392,111 @@
 </p:sld>
 </file>
 
+<file path=ppt/slides/slide30.xml><?xml version="1.0" encoding="utf-8"?>
+<p:sld xmlns:a="http://schemas.openxmlformats.org/drawingml/2006/main" xmlns:r="http://schemas.openxmlformats.org/officeDocument/2006/relationships" xmlns:p="http://schemas.openxmlformats.org/presentationml/2006/main">
+  <p:cSld>
+    <p:spTree>
+      <p:nvGrpSpPr>
+        <p:cNvPr id="1" name=""/>
+        <p:cNvGrpSpPr/>
+        <p:nvPr/>
+      </p:nvGrpSpPr>
+      <p:grpSpPr>
+        <a:xfrm>
+          <a:off x="0" y="0"/>
+          <a:ext cx="0" cy="0"/>
+          <a:chOff x="0" y="0"/>
+          <a:chExt cx="0" cy="0"/>
+        </a:xfrm>
+      </p:grpSpPr>
+      <p:sp>
+        <p:nvSpPr>
+          <p:cNvPr id="4" name="Title 3"/>
+          <p:cNvSpPr>
+            <a:spLocks noGrp="1"/>
+          </p:cNvSpPr>
+          <p:nvPr>
+            <p:ph type="title"/>
+          </p:nvPr>
+        </p:nvSpPr>
+        <p:spPr/>
+        <p:txBody>
+          <a:bodyPr/>
+          <a:lstStyle/>
+          <a:p>
+            <a:r>
+              <a:rPr lang="en-US" dirty="0" smtClean="0"/>
+              <a:t>Adding packages to our application</a:t>
+            </a:r>
+            <a:endParaRPr lang="en-US" dirty="0"/>
+          </a:p>
+        </p:txBody>
+      </p:sp>
+    </p:spTree>
+    <p:extLst>
+      <p:ext uri="{BB962C8B-B14F-4D97-AF65-F5344CB8AC3E}">
+        <p14:creationId xmlns:p14="http://schemas.microsoft.com/office/powerpoint/2010/main" val="1651937179"/>
+      </p:ext>
+    </p:extLst>
+  </p:cSld>
+  <p:clrMapOvr>
+    <a:masterClrMapping/>
+  </p:clrMapOvr>
+  <p:timing>
+    <p:tnLst>
+      <p:par>
+        <p:cTn id="1" dur="indefinite" restart="never" nodeType="tmRoot"/>
+      </p:par>
+    </p:tnLst>
+  </p:timing>
+</p:sld>
+</file>
+
+<file path=ppt/slides/slide31.xml><?xml version="1.0" encoding="utf-8"?>
+<p:sld xmlns:a="http://schemas.openxmlformats.org/drawingml/2006/main" xmlns:r="http://schemas.openxmlformats.org/officeDocument/2006/relationships" xmlns:p="http://schemas.openxmlformats.org/presentationml/2006/main">
+  <p:cSld>
+    <p:spTree>
+      <p:nvGrpSpPr>
+        <p:cNvPr id="1" name=""/>
+        <p:cNvGrpSpPr/>
+        <p:nvPr/>
+      </p:nvGrpSpPr>
+      <p:grpSpPr>
+        <a:xfrm>
+          <a:off x="0" y="0"/>
+          <a:ext cx="0" cy="0"/>
+          <a:chOff x="0" y="0"/>
+          <a:chExt cx="0" cy="0"/>
+        </a:xfrm>
+      </p:grpSpPr>
+    </p:spTree>
+    <p:extLst>
+      <p:ext uri="{BB962C8B-B14F-4D97-AF65-F5344CB8AC3E}">
+        <p14:creationId xmlns:p14="http://schemas.microsoft.com/office/powerpoint/2010/main" val="459769255"/>
+      </p:ext>
+    </p:extLst>
+  </p:cSld>
+  <p:clrMapOvr>
+    <a:masterClrMapping/>
+  </p:clrMapOvr>
+  <mc:AlternateContent xmlns:mc="http://schemas.openxmlformats.org/markup-compatibility/2006" xmlns:p14="http://schemas.microsoft.com/office/powerpoint/2010/main">
+    <mc:Choice Requires="p14">
+      <p:transition spd="slow" p14:dur="2000"/>
+    </mc:Choice>
+    <mc:Fallback xmlns="">
+      <p:transition spd="slow"/>
+    </mc:Fallback>
+  </mc:AlternateContent>
+  <p:timing>
+    <p:tnLst>
+      <p:par>
+        <p:cTn id="1" dur="indefinite" restart="never" nodeType="tmRoot"/>
+      </p:par>
+    </p:tnLst>
+  </p:timing>
+</p:sld>
+</file>
+
 <file path=ppt/slides/slide4.xml><?xml version="1.0" encoding="utf-8"?>
 <p:sld xmlns:a="http://schemas.openxmlformats.org/drawingml/2006/main" xmlns:r="http://schemas.openxmlformats.org/officeDocument/2006/relationships" xmlns:p="http://schemas.openxmlformats.org/presentationml/2006/main">
   <p:cSld>
@@ -12089,14 +13569,14 @@
                 <a:gridCol w="5762625">
                   <a:extLst>
                     <a:ext uri="{9D8B030D-6E8A-4147-A177-3AD203B41FA5}">
-                      <a16:colId xmlns:a16="http://schemas.microsoft.com/office/drawing/2014/main" xmlns="" val="1632794655"/>
+                      <a16:colId xmlns="" xmlns:a16="http://schemas.microsoft.com/office/drawing/2014/main" val="1632794655"/>
                     </a:ext>
                   </a:extLst>
                 </a:gridCol>
                 <a:gridCol w="5762625">
                   <a:extLst>
                     <a:ext uri="{9D8B030D-6E8A-4147-A177-3AD203B41FA5}">
-                      <a16:colId xmlns:a16="http://schemas.microsoft.com/office/drawing/2014/main" xmlns="" val="2011313899"/>
+                      <a16:colId xmlns="" xmlns:a16="http://schemas.microsoft.com/office/drawing/2014/main" val="2011313899"/>
                     </a:ext>
                   </a:extLst>
                 </a:gridCol>
@@ -12134,7 +13614,7 @@
                 </a:tc>
                 <a:extLst>
                   <a:ext uri="{0D108BD9-81ED-4DB2-BD59-A6C34878D82A}">
-                    <a16:rowId xmlns:a16="http://schemas.microsoft.com/office/drawing/2014/main" xmlns="" val="1789177411"/>
+                    <a16:rowId xmlns="" xmlns:a16="http://schemas.microsoft.com/office/drawing/2014/main" val="1789177411"/>
                   </a:ext>
                 </a:extLst>
               </a:tr>
@@ -12181,7 +13661,7 @@
                 </a:tc>
                 <a:extLst>
                   <a:ext uri="{0D108BD9-81ED-4DB2-BD59-A6C34878D82A}">
-                    <a16:rowId xmlns:a16="http://schemas.microsoft.com/office/drawing/2014/main" xmlns="" val="3842815335"/>
+                    <a16:rowId xmlns="" xmlns:a16="http://schemas.microsoft.com/office/drawing/2014/main" val="3842815335"/>
                   </a:ext>
                 </a:extLst>
               </a:tr>
@@ -12249,7 +13729,7 @@
                 </a:tc>
                 <a:extLst>
                   <a:ext uri="{0D108BD9-81ED-4DB2-BD59-A6C34878D82A}">
-                    <a16:rowId xmlns:a16="http://schemas.microsoft.com/office/drawing/2014/main" xmlns="" val="321066646"/>
+                    <a16:rowId xmlns="" xmlns:a16="http://schemas.microsoft.com/office/drawing/2014/main" val="321066646"/>
                   </a:ext>
                 </a:extLst>
               </a:tr>
@@ -12320,7 +13800,7 @@
                 </a:tc>
                 <a:extLst>
                   <a:ext uri="{0D108BD9-81ED-4DB2-BD59-A6C34878D82A}">
-                    <a16:rowId xmlns:a16="http://schemas.microsoft.com/office/drawing/2014/main" xmlns="" val="3812060533"/>
+                    <a16:rowId xmlns="" xmlns:a16="http://schemas.microsoft.com/office/drawing/2014/main" val="3812060533"/>
                   </a:ext>
                 </a:extLst>
               </a:tr>
@@ -12529,16 +14009,8 @@
               <a:t>Over </a:t>
             </a:r>
             <a:r>
-              <a:rPr lang="en-US" smtClean="0"/>
-              <a:t>2.6</a:t>
-            </a:r>
-            <a:r>
-              <a:rPr lang="en-US" smtClean="0"/>
-              <a:t> million </a:t>
-            </a:r>
-            <a:r>
               <a:rPr lang="en-US" dirty="0" smtClean="0"/>
-              <a:t>registered users</a:t>
+              <a:t>2.6 million registered users</a:t>
             </a:r>
           </a:p>
           <a:p>
@@ -12679,43 +14151,12 @@
       </p:grpSpPr>
       <p:sp>
         <p:nvSpPr>
-          <p:cNvPr id="5" name="Text Placeholder 4"/>
+          <p:cNvPr id="2" name="Title 1"/>
           <p:cNvSpPr>
             <a:spLocks noGrp="1"/>
           </p:cNvSpPr>
           <p:nvPr>
-            <p:ph type="body" sz="quarter" idx="10"/>
-          </p:nvPr>
-        </p:nvSpPr>
-        <p:spPr>
-          <a:solidFill>
-            <a:srgbClr val="007233"/>
-          </a:solidFill>
-          <a:ln>
-            <a:noFill/>
-          </a:ln>
-        </p:spPr>
-        <p:txBody>
-          <a:bodyPr/>
-          <a:lstStyle/>
-          <a:p>
-            <a:pPr marL="914400" indent="-914400"/>
-            <a:r>
-              <a:rPr lang="en-US" dirty="0" smtClean="0"/>
-              <a:t>01 | Flask Design</a:t>
-            </a:r>
-            <a:endParaRPr lang="en-US" dirty="0"/>
-          </a:p>
-        </p:txBody>
-      </p:sp>
-      <p:sp>
-        <p:nvSpPr>
-          <p:cNvPr id="4" name="Subtitle 3"/>
-          <p:cNvSpPr>
-            <a:spLocks noGrp="1"/>
-          </p:cNvSpPr>
-          <p:nvPr>
-            <p:ph type="subTitle" idx="1"/>
+            <p:ph type="title"/>
           </p:nvPr>
         </p:nvSpPr>
         <p:spPr/>
@@ -12725,13 +14166,100 @@
           <a:p>
             <a:r>
               <a:rPr lang="en-US" dirty="0" smtClean="0"/>
-              <a:t>Susan Ibach | Senior Technical Evangelist</a:t>
-            </a:r>
-          </a:p>
+              <a:t>You can follow along!</a:t>
+            </a:r>
+            <a:endParaRPr lang="en-US" dirty="0"/>
+          </a:p>
+        </p:txBody>
+      </p:sp>
+      <p:sp>
+        <p:nvSpPr>
+          <p:cNvPr id="3" name="Content Placeholder 2"/>
+          <p:cNvSpPr>
+            <a:spLocks noGrp="1"/>
+          </p:cNvSpPr>
+          <p:nvPr>
+            <p:ph sz="quarter" idx="10"/>
+          </p:nvPr>
+        </p:nvSpPr>
+        <p:spPr/>
+        <p:txBody>
+          <a:bodyPr/>
+          <a:lstStyle/>
           <a:p>
             <a:r>
               <a:rPr lang="en-US" dirty="0" smtClean="0"/>
-              <a:t>Christopher Harrison | Content Developer</a:t>
+              <a:t>All of our code </a:t>
+            </a:r>
+            <a:r>
+              <a:rPr lang="en-US" dirty="0"/>
+              <a:t>is available at </a:t>
+            </a:r>
+            <a:r>
+              <a:rPr lang="en-US" dirty="0">
+                <a:hlinkClick r:id="rId2"/>
+              </a:rPr>
+              <a:t>https://</a:t>
+            </a:r>
+            <a:r>
+              <a:rPr lang="en-US" dirty="0" smtClean="0">
+                <a:hlinkClick r:id="rId2"/>
+              </a:rPr>
+              <a:t>github.com/MicrosoftLearning/PythonSqlFlask</a:t>
+            </a:r>
+            <a:endParaRPr lang="en-US" dirty="0" smtClean="0"/>
+          </a:p>
+          <a:p>
+            <a:r>
+              <a:rPr lang="en-US" dirty="0" smtClean="0"/>
+              <a:t>Not sure </a:t>
+            </a:r>
+            <a:r>
+              <a:rPr lang="en-US" dirty="0"/>
+              <a:t>about GitHub?</a:t>
+            </a:r>
+            <a:br>
+              <a:rPr lang="en-US" dirty="0"/>
+            </a:br>
+            <a:r>
+              <a:rPr lang="en-US" dirty="0">
+                <a:hlinkClick r:id="rId3"/>
+              </a:rPr>
+              <a:t>https://</a:t>
+            </a:r>
+            <a:r>
+              <a:rPr lang="en-US" dirty="0" smtClean="0">
+                <a:hlinkClick r:id="rId3"/>
+              </a:rPr>
+              <a:t>borntolearn.mslearn.net/b/weblog/archive/2015/02/17/getting-started-with-github</a:t>
+            </a:r>
+            <a:endParaRPr lang="en-US" dirty="0" smtClean="0"/>
+          </a:p>
+          <a:p>
+            <a:r>
+              <a:rPr lang="en-US" dirty="0" smtClean="0"/>
+              <a:t>Important safety tip</a:t>
+            </a:r>
+          </a:p>
+          <a:p>
+            <a:pPr lvl="1"/>
+            <a:r>
+              <a:rPr lang="en-US" dirty="0" smtClean="0"/>
+              <a:t>The virtual environments aren’t uploaded to GitHub</a:t>
+            </a:r>
+          </a:p>
+          <a:p>
+            <a:pPr lvl="1"/>
+            <a:r>
+              <a:rPr lang="en-US" dirty="0" smtClean="0"/>
+              <a:t>All of the packages are listed in requirements.txt</a:t>
+            </a:r>
+          </a:p>
+          <a:p>
+            <a:pPr lvl="1"/>
+            <a:r>
+              <a:rPr lang="en-US" dirty="0" smtClean="0"/>
+              <a:t>To import them, right click on the virtual environment and choose “Install from requirements.txt”</a:t>
             </a:r>
             <a:endParaRPr lang="en-US" dirty="0"/>
           </a:p>
@@ -12740,36 +14268,19 @@
     </p:spTree>
     <p:extLst>
       <p:ext uri="{BB962C8B-B14F-4D97-AF65-F5344CB8AC3E}">
-        <p14:creationId xmlns:p14="http://schemas.microsoft.com/office/powerpoint/2010/main" val="897692544"/>
+        <p14:creationId xmlns:p14="http://schemas.microsoft.com/office/powerpoint/2010/main" val="913808828"/>
       </p:ext>
     </p:extLst>
   </p:cSld>
   <p:clrMapOvr>
     <a:masterClrMapping/>
   </p:clrMapOvr>
-  <p:timing>
-    <p:tnLst>
-      <p:par>
-        <p:cTn id="1" dur="indefinite" restart="never" nodeType="tmRoot"/>
-      </p:par>
-    </p:tnLst>
-  </p:timing>
 </p:sld>
 </file>
 
 <file path=ppt/slides/slide8.xml><?xml version="1.0" encoding="utf-8"?>
 <p:sld xmlns:a="http://schemas.openxmlformats.org/drawingml/2006/main" xmlns:r="http://schemas.openxmlformats.org/officeDocument/2006/relationships" xmlns:p="http://schemas.openxmlformats.org/presentationml/2006/main">
   <p:cSld>
-    <p:bg>
-      <p:bgPr>
-        <a:solidFill>
-          <a:schemeClr val="accent1">
-            <a:lumMod val="75000"/>
-          </a:schemeClr>
-        </a:solidFill>
-        <a:effectLst/>
-      </p:bgPr>
-    </p:bg>
     <p:spTree>
       <p:nvGrpSpPr>
         <p:cNvPr id="1" name=""/>
@@ -12786,322 +14297,37 @@
       </p:grpSpPr>
       <p:sp>
         <p:nvSpPr>
-          <p:cNvPr id="4" name="TextBox 3"/>
-          <p:cNvSpPr txBox="1"/>
-          <p:nvPr/>
+          <p:cNvPr id="4" name="Title 3"/>
+          <p:cNvSpPr>
+            <a:spLocks noGrp="1"/>
+          </p:cNvSpPr>
+          <p:nvPr>
+            <p:ph type="title"/>
+          </p:nvPr>
         </p:nvSpPr>
-        <p:spPr>
-          <a:xfrm>
-            <a:off x="436610" y="955705"/>
-            <a:ext cx="4181273" cy="523220"/>
-          </a:xfrm>
-          <a:prstGeom prst="rect">
-            <a:avLst/>
-          </a:prstGeom>
-          <a:noFill/>
-        </p:spPr>
+        <p:spPr/>
         <p:txBody>
-          <a:bodyPr wrap="none" rtlCol="0">
-            <a:spAutoFit/>
-          </a:bodyPr>
+          <a:bodyPr/>
           <a:lstStyle/>
           <a:p>
             <a:r>
-              <a:rPr lang="en-US" sz="2800" dirty="0" smtClean="0">
-                <a:solidFill>
-                  <a:schemeClr val="bg1"/>
-                </a:solidFill>
-              </a:rPr>
-              <a:t>Flask is a unique platform...</a:t>
-            </a:r>
-            <a:endParaRPr lang="en-US" sz="2800" dirty="0">
-              <a:solidFill>
-                <a:schemeClr val="bg1"/>
-              </a:solidFill>
-            </a:endParaRPr>
-          </a:p>
-        </p:txBody>
-      </p:sp>
-      <p:sp>
-        <p:nvSpPr>
-          <p:cNvPr id="5" name="TextBox 4"/>
-          <p:cNvSpPr txBox="1"/>
-          <p:nvPr/>
-        </p:nvSpPr>
-        <p:spPr>
-          <a:xfrm>
-            <a:off x="2620349" y="3080503"/>
-            <a:ext cx="6831037" cy="523220"/>
-          </a:xfrm>
-          <a:prstGeom prst="rect">
-            <a:avLst/>
-          </a:prstGeom>
-          <a:noFill/>
-        </p:spPr>
-        <p:txBody>
-          <a:bodyPr wrap="none" rtlCol="0">
-            <a:spAutoFit/>
-          </a:bodyPr>
-          <a:lstStyle/>
-          <a:p>
-            <a:r>
-              <a:rPr lang="en-US" sz="2800" dirty="0" smtClean="0">
-                <a:solidFill>
-                  <a:schemeClr val="bg1"/>
-                </a:solidFill>
-              </a:rPr>
-              <a:t>It provides a way to create web applications...</a:t>
-            </a:r>
-            <a:endParaRPr lang="en-US" sz="2800" dirty="0">
-              <a:solidFill>
-                <a:schemeClr val="bg1"/>
-              </a:solidFill>
-            </a:endParaRPr>
-          </a:p>
-        </p:txBody>
-      </p:sp>
-      <p:sp>
-        <p:nvSpPr>
-          <p:cNvPr id="6" name="TextBox 5"/>
-          <p:cNvSpPr txBox="1"/>
-          <p:nvPr/>
-        </p:nvSpPr>
-        <p:spPr>
-          <a:xfrm>
-            <a:off x="6487902" y="4943691"/>
-            <a:ext cx="5416226" cy="523220"/>
-          </a:xfrm>
-          <a:prstGeom prst="rect">
-            <a:avLst/>
-          </a:prstGeom>
-          <a:noFill/>
-        </p:spPr>
-        <p:txBody>
-          <a:bodyPr wrap="none" rtlCol="0">
-            <a:spAutoFit/>
-          </a:bodyPr>
-          <a:lstStyle/>
-          <a:p>
-            <a:r>
-              <a:rPr lang="en-US" sz="2800" dirty="0" smtClean="0">
-                <a:solidFill>
-                  <a:schemeClr val="bg1"/>
-                </a:solidFill>
-              </a:rPr>
-              <a:t>Without forcing you into a structure</a:t>
-            </a:r>
-            <a:endParaRPr lang="en-US" sz="2800" dirty="0">
-              <a:solidFill>
-                <a:schemeClr val="bg1"/>
-              </a:solidFill>
-            </a:endParaRPr>
+              <a:rPr lang="en-US" dirty="0" smtClean="0"/>
+              <a:t>Quick demo of GitHub</a:t>
+            </a:r>
+            <a:endParaRPr lang="en-US" dirty="0"/>
           </a:p>
         </p:txBody>
       </p:sp>
     </p:spTree>
     <p:extLst>
       <p:ext uri="{BB962C8B-B14F-4D97-AF65-F5344CB8AC3E}">
-        <p14:creationId xmlns:p14="http://schemas.microsoft.com/office/powerpoint/2010/main" val="585861299"/>
+        <p14:creationId xmlns:p14="http://schemas.microsoft.com/office/powerpoint/2010/main" val="266870390"/>
       </p:ext>
     </p:extLst>
   </p:cSld>
   <p:clrMapOvr>
     <a:masterClrMapping/>
   </p:clrMapOvr>
-  <p:timing>
-    <p:tnLst>
-      <p:par>
-        <p:cTn id="1" dur="indefinite" restart="never" nodeType="tmRoot">
-          <p:childTnLst>
-            <p:seq concurrent="1" nextAc="seek">
-              <p:cTn id="2" dur="indefinite" nodeType="mainSeq">
-                <p:childTnLst>
-                  <p:par>
-                    <p:cTn id="3" fill="hold">
-                      <p:stCondLst>
-                        <p:cond delay="indefinite"/>
-                      </p:stCondLst>
-                      <p:childTnLst>
-                        <p:par>
-                          <p:cTn id="4" fill="hold">
-                            <p:stCondLst>
-                              <p:cond delay="0"/>
-                            </p:stCondLst>
-                            <p:childTnLst>
-                              <p:par>
-                                <p:cTn id="5" presetID="10" presetClass="entr" presetSubtype="0" fill="hold" grpId="0" nodeType="clickEffect">
-                                  <p:stCondLst>
-                                    <p:cond delay="0"/>
-                                  </p:stCondLst>
-                                  <p:childTnLst>
-                                    <p:set>
-                                      <p:cBhvr>
-                                        <p:cTn id="6" dur="1" fill="hold">
-                                          <p:stCondLst>
-                                            <p:cond delay="0"/>
-                                          </p:stCondLst>
-                                        </p:cTn>
-                                        <p:tgtEl>
-                                          <p:spTgt spid="4"/>
-                                        </p:tgtEl>
-                                        <p:attrNameLst>
-                                          <p:attrName>style.visibility</p:attrName>
-                                        </p:attrNameLst>
-                                      </p:cBhvr>
-                                      <p:to>
-                                        <p:strVal val="visible"/>
-                                      </p:to>
-                                    </p:set>
-                                    <p:animEffect transition="in" filter="fade">
-                                      <p:cBhvr>
-                                        <p:cTn id="7" dur="500"/>
-                                        <p:tgtEl>
-                                          <p:spTgt spid="4"/>
-                                        </p:tgtEl>
-                                      </p:cBhvr>
-                                    </p:animEffect>
-                                  </p:childTnLst>
-                                </p:cTn>
-                              </p:par>
-                            </p:childTnLst>
-                          </p:cTn>
-                        </p:par>
-                      </p:childTnLst>
-                    </p:cTn>
-                  </p:par>
-                  <p:par>
-                    <p:cTn id="8" fill="hold">
-                      <p:stCondLst>
-                        <p:cond delay="indefinite"/>
-                      </p:stCondLst>
-                      <p:childTnLst>
-                        <p:par>
-                          <p:cTn id="9" fill="hold">
-                            <p:stCondLst>
-                              <p:cond delay="0"/>
-                            </p:stCondLst>
-                            <p:childTnLst>
-                              <p:par>
-                                <p:cTn id="10" presetID="10" presetClass="entr" presetSubtype="0" fill="hold" grpId="0" nodeType="clickEffect">
-                                  <p:stCondLst>
-                                    <p:cond delay="0"/>
-                                  </p:stCondLst>
-                                  <p:childTnLst>
-                                    <p:set>
-                                      <p:cBhvr>
-                                        <p:cTn id="11" dur="1" fill="hold">
-                                          <p:stCondLst>
-                                            <p:cond delay="0"/>
-                                          </p:stCondLst>
-                                        </p:cTn>
-                                        <p:tgtEl>
-                                          <p:spTgt spid="5"/>
-                                        </p:tgtEl>
-                                        <p:attrNameLst>
-                                          <p:attrName>style.visibility</p:attrName>
-                                        </p:attrNameLst>
-                                      </p:cBhvr>
-                                      <p:to>
-                                        <p:strVal val="visible"/>
-                                      </p:to>
-                                    </p:set>
-                                    <p:animEffect transition="in" filter="fade">
-                                      <p:cBhvr>
-                                        <p:cTn id="12" dur="500"/>
-                                        <p:tgtEl>
-                                          <p:spTgt spid="5"/>
-                                        </p:tgtEl>
-                                      </p:cBhvr>
-                                    </p:animEffect>
-                                  </p:childTnLst>
-                                </p:cTn>
-                              </p:par>
-                            </p:childTnLst>
-                          </p:cTn>
-                        </p:par>
-                      </p:childTnLst>
-                    </p:cTn>
-                  </p:par>
-                  <p:par>
-                    <p:cTn id="13" fill="hold">
-                      <p:stCondLst>
-                        <p:cond delay="indefinite"/>
-                      </p:stCondLst>
-                      <p:childTnLst>
-                        <p:par>
-                          <p:cTn id="14" fill="hold">
-                            <p:stCondLst>
-                              <p:cond delay="0"/>
-                            </p:stCondLst>
-                            <p:childTnLst>
-                              <p:par>
-                                <p:cTn id="15" presetID="10" presetClass="entr" presetSubtype="0" fill="hold" grpId="0" nodeType="clickEffect">
-                                  <p:stCondLst>
-                                    <p:cond delay="0"/>
-                                  </p:stCondLst>
-                                  <p:childTnLst>
-                                    <p:set>
-                                      <p:cBhvr>
-                                        <p:cTn id="16" dur="1" fill="hold">
-                                          <p:stCondLst>
-                                            <p:cond delay="0"/>
-                                          </p:stCondLst>
-                                        </p:cTn>
-                                        <p:tgtEl>
-                                          <p:spTgt spid="6"/>
-                                        </p:tgtEl>
-                                        <p:attrNameLst>
-                                          <p:attrName>style.visibility</p:attrName>
-                                        </p:attrNameLst>
-                                      </p:cBhvr>
-                                      <p:to>
-                                        <p:strVal val="visible"/>
-                                      </p:to>
-                                    </p:set>
-                                    <p:animEffect transition="in" filter="fade">
-                                      <p:cBhvr>
-                                        <p:cTn id="17" dur="500"/>
-                                        <p:tgtEl>
-                                          <p:spTgt spid="6"/>
-                                        </p:tgtEl>
-                                      </p:cBhvr>
-                                    </p:animEffect>
-                                  </p:childTnLst>
-                                </p:cTn>
-                              </p:par>
-                            </p:childTnLst>
-                          </p:cTn>
-                        </p:par>
-                      </p:childTnLst>
-                    </p:cTn>
-                  </p:par>
-                </p:childTnLst>
-              </p:cTn>
-              <p:prevCondLst>
-                <p:cond evt="onPrev" delay="0">
-                  <p:tgtEl>
-                    <p:sldTgt/>
-                  </p:tgtEl>
-                </p:cond>
-              </p:prevCondLst>
-              <p:nextCondLst>
-                <p:cond evt="onNext" delay="0">
-                  <p:tgtEl>
-                    <p:sldTgt/>
-                  </p:tgtEl>
-                </p:cond>
-              </p:nextCondLst>
-            </p:seq>
-          </p:childTnLst>
-        </p:cTn>
-      </p:par>
-    </p:tnLst>
-    <p:bldLst>
-      <p:bldP spid="4" grpId="0"/>
-      <p:bldP spid="5" grpId="0"/>
-      <p:bldP spid="6" grpId="0"/>
-    </p:bldLst>
-  </p:timing>
 </p:sld>
 </file>
 
@@ -13124,75 +14350,43 @@
       </p:grpSpPr>
       <p:sp>
         <p:nvSpPr>
-          <p:cNvPr id="12" name="Rounded Rectangle 11"/>
-          <p:cNvSpPr/>
-          <p:nvPr/>
+          <p:cNvPr id="5" name="Text Placeholder 4"/>
+          <p:cNvSpPr>
+            <a:spLocks noGrp="1"/>
+          </p:cNvSpPr>
+          <p:nvPr>
+            <p:ph type="body" sz="quarter" idx="10"/>
+          </p:nvPr>
         </p:nvSpPr>
         <p:spPr>
-          <a:xfrm>
-            <a:off x="6734327" y="2464087"/>
-            <a:ext cx="3417903" cy="1704513"/>
-          </a:xfrm>
-          <a:prstGeom prst="roundRect">
-            <a:avLst/>
-          </a:prstGeom>
+          <a:solidFill>
+            <a:srgbClr val="007233"/>
+          </a:solidFill>
+          <a:ln>
+            <a:noFill/>
+          </a:ln>
         </p:spPr>
-        <p:style>
-          <a:lnRef idx="1">
-            <a:schemeClr val="accent3"/>
-          </a:lnRef>
-          <a:fillRef idx="2">
-            <a:schemeClr val="accent3"/>
-          </a:fillRef>
-          <a:effectRef idx="1">
-            <a:schemeClr val="accent3"/>
-          </a:effectRef>
-          <a:fontRef idx="minor">
-            <a:schemeClr val="dk1"/>
-          </a:fontRef>
-        </p:style>
         <p:txBody>
-          <a:bodyPr rtlCol="0" anchor="ctr"/>
+          <a:bodyPr/>
           <a:lstStyle/>
           <a:p>
-            <a:pPr algn="ctr"/>
-            <a:endParaRPr lang="en-US"/>
+            <a:pPr marL="914400" indent="-914400"/>
+            <a:r>
+              <a:rPr lang="en-US" dirty="0" smtClean="0"/>
+              <a:t>01 | Flask Design</a:t>
+            </a:r>
+            <a:endParaRPr lang="en-US" dirty="0"/>
           </a:p>
         </p:txBody>
       </p:sp>
       <p:sp>
         <p:nvSpPr>
-          <p:cNvPr id="2" name="Title 1"/>
+          <p:cNvPr id="4" name="Subtitle 3"/>
           <p:cNvSpPr>
             <a:spLocks noGrp="1"/>
           </p:cNvSpPr>
           <p:nvPr>
-            <p:ph type="title"/>
-          </p:nvPr>
-        </p:nvSpPr>
-        <p:spPr/>
-        <p:txBody>
-          <a:bodyPr>
-            <a:normAutofit fontScale="90000"/>
-          </a:bodyPr>
-          <a:lstStyle/>
-          <a:p>
-            <a:r>
-              <a:rPr lang="en-US" dirty="0" smtClean="0"/>
-              <a:t>When your application grows, things can get messy</a:t>
-            </a:r>
-            <a:endParaRPr lang="en-US" dirty="0"/>
-          </a:p>
-        </p:txBody>
-      </p:sp>
-      <p:sp>
-        <p:nvSpPr>
-          <p:cNvPr id="3" name="Content Placeholder 2"/>
-          <p:cNvSpPr>
-            <a:spLocks noGrp="1"/>
-          </p:cNvSpPr>
-          <p:nvPr>
-            <p:ph sz="quarter" idx="10"/>
+            <p:ph type="subTitle" idx="1"/>
           </p:nvPr>
         </p:nvSpPr>
         <p:spPr/>
@@ -13202,318 +14396,22 @@
           <a:p>
             <a:r>
               <a:rPr lang="en-US" dirty="0" smtClean="0"/>
-              <a:t>Code duplication</a:t>
+              <a:t>Susan Ibach | Senior Technical Evangelist</a:t>
             </a:r>
           </a:p>
           <a:p>
             <a:r>
               <a:rPr lang="en-US" dirty="0" smtClean="0"/>
-              <a:t>Spaghetti code</a:t>
-            </a:r>
-          </a:p>
-          <a:p>
-            <a:r>
-              <a:rPr lang="en-US" dirty="0" smtClean="0"/>
-              <a:t>Code duplication</a:t>
-            </a:r>
-          </a:p>
-          <a:p>
-            <a:r>
-              <a:rPr lang="en-US" dirty="0" smtClean="0"/>
-              <a:t>Debugging issues</a:t>
-            </a:r>
-          </a:p>
-          <a:p>
-            <a:r>
-              <a:rPr lang="en-US" dirty="0" smtClean="0"/>
-              <a:t>Code duplication</a:t>
-            </a:r>
-          </a:p>
-          <a:p>
-            <a:r>
-              <a:rPr lang="en-US" dirty="0" smtClean="0"/>
-              <a:t>Performance issues</a:t>
-            </a:r>
-          </a:p>
-          <a:p>
-            <a:r>
-              <a:rPr lang="en-US" dirty="0" smtClean="0"/>
-              <a:t>Code duplication</a:t>
+              <a:t>Christopher Harrison | Content Developer</a:t>
             </a:r>
             <a:endParaRPr lang="en-US" dirty="0"/>
-          </a:p>
-        </p:txBody>
-      </p:sp>
-      <p:sp>
-        <p:nvSpPr>
-          <p:cNvPr id="4" name="Rounded Rectangle 3"/>
-          <p:cNvSpPr/>
-          <p:nvPr/>
-        </p:nvSpPr>
-        <p:spPr>
-          <a:xfrm>
-            <a:off x="5406501" y="1388226"/>
-            <a:ext cx="3417903" cy="1704513"/>
-          </a:xfrm>
-          <a:prstGeom prst="roundRect">
-            <a:avLst/>
-          </a:prstGeom>
-        </p:spPr>
-        <p:style>
-          <a:lnRef idx="1">
-            <a:schemeClr val="accent3"/>
-          </a:lnRef>
-          <a:fillRef idx="2">
-            <a:schemeClr val="accent3"/>
-          </a:fillRef>
-          <a:effectRef idx="1">
-            <a:schemeClr val="accent3"/>
-          </a:effectRef>
-          <a:fontRef idx="minor">
-            <a:schemeClr val="dk1"/>
-          </a:fontRef>
-        </p:style>
-        <p:txBody>
-          <a:bodyPr rtlCol="0" anchor="ctr"/>
-          <a:lstStyle/>
-          <a:p>
-            <a:pPr algn="ctr"/>
-            <a:endParaRPr lang="en-US"/>
-          </a:p>
-        </p:txBody>
-      </p:sp>
-      <p:sp>
-        <p:nvSpPr>
-          <p:cNvPr id="11" name="Explosion 1 10"/>
-          <p:cNvSpPr/>
-          <p:nvPr/>
-        </p:nvSpPr>
-        <p:spPr>
-          <a:xfrm>
-            <a:off x="7050643" y="1235263"/>
-            <a:ext cx="3375308" cy="2769833"/>
-          </a:xfrm>
-          <a:prstGeom prst="irregularSeal1">
-            <a:avLst/>
-          </a:prstGeom>
-        </p:spPr>
-        <p:style>
-          <a:lnRef idx="0">
-            <a:schemeClr val="accent2"/>
-          </a:lnRef>
-          <a:fillRef idx="3">
-            <a:schemeClr val="accent2"/>
-          </a:fillRef>
-          <a:effectRef idx="3">
-            <a:schemeClr val="accent2"/>
-          </a:effectRef>
-          <a:fontRef idx="minor">
-            <a:schemeClr val="lt1"/>
-          </a:fontRef>
-        </p:style>
-        <p:txBody>
-          <a:bodyPr rtlCol="0" anchor="ctr"/>
-          <a:lstStyle/>
-          <a:p>
-            <a:pPr algn="ctr"/>
-            <a:endParaRPr lang="en-US"/>
-          </a:p>
-        </p:txBody>
-      </p:sp>
-      <p:sp>
-        <p:nvSpPr>
-          <p:cNvPr id="5" name="Rounded Rectangle 4"/>
-          <p:cNvSpPr/>
-          <p:nvPr/>
-        </p:nvSpPr>
-        <p:spPr>
-          <a:xfrm>
-            <a:off x="8737859" y="1954410"/>
-            <a:ext cx="3417903" cy="1704513"/>
-          </a:xfrm>
-          <a:prstGeom prst="roundRect">
-            <a:avLst/>
-          </a:prstGeom>
-        </p:spPr>
-        <p:style>
-          <a:lnRef idx="1">
-            <a:schemeClr val="accent3"/>
-          </a:lnRef>
-          <a:fillRef idx="2">
-            <a:schemeClr val="accent3"/>
-          </a:fillRef>
-          <a:effectRef idx="1">
-            <a:schemeClr val="accent3"/>
-          </a:effectRef>
-          <a:fontRef idx="minor">
-            <a:schemeClr val="dk1"/>
-          </a:fontRef>
-        </p:style>
-        <p:txBody>
-          <a:bodyPr rtlCol="0" anchor="ctr"/>
-          <a:lstStyle/>
-          <a:p>
-            <a:pPr algn="ctr"/>
-            <a:endParaRPr lang="en-US"/>
-          </a:p>
-        </p:txBody>
-      </p:sp>
-      <p:sp>
-        <p:nvSpPr>
-          <p:cNvPr id="8" name="Flowchart: Summing Junction 7"/>
-          <p:cNvSpPr/>
-          <p:nvPr/>
-        </p:nvSpPr>
-        <p:spPr>
-          <a:xfrm>
-            <a:off x="5687518" y="2530340"/>
-            <a:ext cx="2574524" cy="2116799"/>
-          </a:xfrm>
-          <a:prstGeom prst="flowChartSummingJunction">
-            <a:avLst/>
-          </a:prstGeom>
-        </p:spPr>
-        <p:style>
-          <a:lnRef idx="3">
-            <a:schemeClr val="lt1"/>
-          </a:lnRef>
-          <a:fillRef idx="1">
-            <a:schemeClr val="accent2"/>
-          </a:fillRef>
-          <a:effectRef idx="1">
-            <a:schemeClr val="accent2"/>
-          </a:effectRef>
-          <a:fontRef idx="minor">
-            <a:schemeClr val="lt1"/>
-          </a:fontRef>
-        </p:style>
-        <p:txBody>
-          <a:bodyPr rtlCol="0" anchor="ctr"/>
-          <a:lstStyle/>
-          <a:p>
-            <a:pPr algn="ctr"/>
-            <a:endParaRPr lang="en-US"/>
-          </a:p>
-        </p:txBody>
-      </p:sp>
-      <p:sp>
-        <p:nvSpPr>
-          <p:cNvPr id="6" name="Rounded Rectangle 5"/>
-          <p:cNvSpPr/>
-          <p:nvPr/>
-        </p:nvSpPr>
-        <p:spPr>
-          <a:xfrm>
-            <a:off x="5159406" y="4158447"/>
-            <a:ext cx="3417903" cy="1704513"/>
-          </a:xfrm>
-          <a:prstGeom prst="roundRect">
-            <a:avLst/>
-          </a:prstGeom>
-        </p:spPr>
-        <p:style>
-          <a:lnRef idx="1">
-            <a:schemeClr val="accent3"/>
-          </a:lnRef>
-          <a:fillRef idx="2">
-            <a:schemeClr val="accent3"/>
-          </a:fillRef>
-          <a:effectRef idx="1">
-            <a:schemeClr val="accent3"/>
-          </a:effectRef>
-          <a:fontRef idx="minor">
-            <a:schemeClr val="dk1"/>
-          </a:fontRef>
-        </p:style>
-        <p:txBody>
-          <a:bodyPr rtlCol="0" anchor="ctr"/>
-          <a:lstStyle/>
-          <a:p>
-            <a:pPr algn="ctr"/>
-            <a:endParaRPr lang="en-US"/>
-          </a:p>
-        </p:txBody>
-      </p:sp>
-      <p:sp>
-        <p:nvSpPr>
-          <p:cNvPr id="9" name="Lightning Bolt 8"/>
-          <p:cNvSpPr/>
-          <p:nvPr/>
-        </p:nvSpPr>
-        <p:spPr>
-          <a:xfrm>
-            <a:off x="8188653" y="2506222"/>
-            <a:ext cx="3130857" cy="2770221"/>
-          </a:xfrm>
-          <a:prstGeom prst="lightningBolt">
-            <a:avLst/>
-          </a:prstGeom>
-        </p:spPr>
-        <p:style>
-          <a:lnRef idx="1">
-            <a:schemeClr val="accent2"/>
-          </a:lnRef>
-          <a:fillRef idx="2">
-            <a:schemeClr val="accent2"/>
-          </a:fillRef>
-          <a:effectRef idx="1">
-            <a:schemeClr val="accent2"/>
-          </a:effectRef>
-          <a:fontRef idx="minor">
-            <a:schemeClr val="dk1"/>
-          </a:fontRef>
-        </p:style>
-        <p:txBody>
-          <a:bodyPr rtlCol="0" anchor="ctr"/>
-          <a:lstStyle/>
-          <a:p>
-            <a:pPr algn="ctr"/>
-            <a:endParaRPr lang="en-US"/>
-          </a:p>
-        </p:txBody>
-      </p:sp>
-      <p:sp>
-        <p:nvSpPr>
-          <p:cNvPr id="7" name="Rounded Rectangle 6"/>
-          <p:cNvSpPr/>
-          <p:nvPr/>
-        </p:nvSpPr>
-        <p:spPr>
-          <a:xfrm>
-            <a:off x="8343927" y="4420875"/>
-            <a:ext cx="3417903" cy="1704513"/>
-          </a:xfrm>
-          <a:prstGeom prst="roundRect">
-            <a:avLst/>
-          </a:prstGeom>
-        </p:spPr>
-        <p:style>
-          <a:lnRef idx="1">
-            <a:schemeClr val="accent3"/>
-          </a:lnRef>
-          <a:fillRef idx="2">
-            <a:schemeClr val="accent3"/>
-          </a:fillRef>
-          <a:effectRef idx="1">
-            <a:schemeClr val="accent3"/>
-          </a:effectRef>
-          <a:fontRef idx="minor">
-            <a:schemeClr val="dk1"/>
-          </a:fontRef>
-        </p:style>
-        <p:txBody>
-          <a:bodyPr rtlCol="0" anchor="ctr"/>
-          <a:lstStyle/>
-          <a:p>
-            <a:pPr algn="ctr"/>
-            <a:endParaRPr lang="en-US"/>
           </a:p>
         </p:txBody>
       </p:sp>
     </p:spTree>
     <p:extLst>
       <p:ext uri="{BB962C8B-B14F-4D97-AF65-F5344CB8AC3E}">
-        <p14:creationId xmlns:p14="http://schemas.microsoft.com/office/powerpoint/2010/main" val="1995591175"/>
+        <p14:creationId xmlns:p14="http://schemas.microsoft.com/office/powerpoint/2010/main" val="897692544"/>
       </p:ext>
     </p:extLst>
   </p:cSld>
@@ -13523,714 +14421,9 @@
   <p:timing>
     <p:tnLst>
       <p:par>
-        <p:cTn id="1" dur="indefinite" restart="never" nodeType="tmRoot">
-          <p:childTnLst>
-            <p:seq concurrent="1" nextAc="seek">
-              <p:cTn id="2" dur="indefinite" nodeType="mainSeq">
-                <p:childTnLst>
-                  <p:par>
-                    <p:cTn id="3" fill="hold">
-                      <p:stCondLst>
-                        <p:cond delay="indefinite"/>
-                      </p:stCondLst>
-                      <p:childTnLst>
-                        <p:par>
-                          <p:cTn id="4" fill="hold">
-                            <p:stCondLst>
-                              <p:cond delay="0"/>
-                            </p:stCondLst>
-                            <p:childTnLst>
-                              <p:par>
-                                <p:cTn id="5" presetID="10" presetClass="entr" presetSubtype="0" fill="hold" grpId="0" nodeType="clickEffect">
-                                  <p:stCondLst>
-                                    <p:cond delay="0"/>
-                                  </p:stCondLst>
-                                  <p:childTnLst>
-                                    <p:set>
-                                      <p:cBhvr>
-                                        <p:cTn id="6" dur="1" fill="hold">
-                                          <p:stCondLst>
-                                            <p:cond delay="0"/>
-                                          </p:stCondLst>
-                                        </p:cTn>
-                                        <p:tgtEl>
-                                          <p:spTgt spid="3">
-                                            <p:txEl>
-                                              <p:pRg st="0" end="0"/>
-                                            </p:txEl>
-                                          </p:spTgt>
-                                        </p:tgtEl>
-                                        <p:attrNameLst>
-                                          <p:attrName>style.visibility</p:attrName>
-                                        </p:attrNameLst>
-                                      </p:cBhvr>
-                                      <p:to>
-                                        <p:strVal val="visible"/>
-                                      </p:to>
-                                    </p:set>
-                                    <p:animEffect transition="in" filter="fade">
-                                      <p:cBhvr>
-                                        <p:cTn id="7" dur="500"/>
-                                        <p:tgtEl>
-                                          <p:spTgt spid="3">
-                                            <p:txEl>
-                                              <p:pRg st="0" end="0"/>
-                                            </p:txEl>
-                                          </p:spTgt>
-                                        </p:tgtEl>
-                                      </p:cBhvr>
-                                    </p:animEffect>
-                                  </p:childTnLst>
-                                </p:cTn>
-                              </p:par>
-                              <p:par>
-                                <p:cTn id="8" presetID="10" presetClass="entr" presetSubtype="0" fill="hold" grpId="0" nodeType="withEffect">
-                                  <p:stCondLst>
-                                    <p:cond delay="0"/>
-                                  </p:stCondLst>
-                                  <p:childTnLst>
-                                    <p:set>
-                                      <p:cBhvr>
-                                        <p:cTn id="9" dur="1" fill="hold">
-                                          <p:stCondLst>
-                                            <p:cond delay="0"/>
-                                          </p:stCondLst>
-                                        </p:cTn>
-                                        <p:tgtEl>
-                                          <p:spTgt spid="4"/>
-                                        </p:tgtEl>
-                                        <p:attrNameLst>
-                                          <p:attrName>style.visibility</p:attrName>
-                                        </p:attrNameLst>
-                                      </p:cBhvr>
-                                      <p:to>
-                                        <p:strVal val="visible"/>
-                                      </p:to>
-                                    </p:set>
-                                    <p:animEffect transition="in" filter="fade">
-                                      <p:cBhvr>
-                                        <p:cTn id="10" dur="500"/>
-                                        <p:tgtEl>
-                                          <p:spTgt spid="4"/>
-                                        </p:tgtEl>
-                                      </p:cBhvr>
-                                    </p:animEffect>
-                                  </p:childTnLst>
-                                </p:cTn>
-                              </p:par>
-                            </p:childTnLst>
-                          </p:cTn>
-                        </p:par>
-                      </p:childTnLst>
-                    </p:cTn>
-                  </p:par>
-                  <p:par>
-                    <p:cTn id="11" fill="hold">
-                      <p:stCondLst>
-                        <p:cond delay="indefinite"/>
-                      </p:stCondLst>
-                      <p:childTnLst>
-                        <p:par>
-                          <p:cTn id="12" fill="hold">
-                            <p:stCondLst>
-                              <p:cond delay="0"/>
-                            </p:stCondLst>
-                            <p:childTnLst>
-                              <p:par>
-                                <p:cTn id="13" presetID="10" presetClass="entr" presetSubtype="0" fill="hold" grpId="0" nodeType="clickEffect">
-                                  <p:stCondLst>
-                                    <p:cond delay="0"/>
-                                  </p:stCondLst>
-                                  <p:childTnLst>
-                                    <p:set>
-                                      <p:cBhvr>
-                                        <p:cTn id="14" dur="1" fill="hold">
-                                          <p:stCondLst>
-                                            <p:cond delay="0"/>
-                                          </p:stCondLst>
-                                        </p:cTn>
-                                        <p:tgtEl>
-                                          <p:spTgt spid="3">
-                                            <p:txEl>
-                                              <p:pRg st="1" end="1"/>
-                                            </p:txEl>
-                                          </p:spTgt>
-                                        </p:tgtEl>
-                                        <p:attrNameLst>
-                                          <p:attrName>style.visibility</p:attrName>
-                                        </p:attrNameLst>
-                                      </p:cBhvr>
-                                      <p:to>
-                                        <p:strVal val="visible"/>
-                                      </p:to>
-                                    </p:set>
-                                    <p:animEffect transition="in" filter="fade">
-                                      <p:cBhvr>
-                                        <p:cTn id="15" dur="500"/>
-                                        <p:tgtEl>
-                                          <p:spTgt spid="3">
-                                            <p:txEl>
-                                              <p:pRg st="1" end="1"/>
-                                            </p:txEl>
-                                          </p:spTgt>
-                                        </p:tgtEl>
-                                      </p:cBhvr>
-                                    </p:animEffect>
-                                  </p:childTnLst>
-                                </p:cTn>
-                              </p:par>
-                              <p:par>
-                                <p:cTn id="16" presetID="10" presetClass="entr" presetSubtype="0" fill="hold" grpId="0" nodeType="withEffect">
-                                  <p:stCondLst>
-                                    <p:cond delay="0"/>
-                                  </p:stCondLst>
-                                  <p:childTnLst>
-                                    <p:set>
-                                      <p:cBhvr>
-                                        <p:cTn id="17" dur="1" fill="hold">
-                                          <p:stCondLst>
-                                            <p:cond delay="0"/>
-                                          </p:stCondLst>
-                                        </p:cTn>
-                                        <p:tgtEl>
-                                          <p:spTgt spid="11"/>
-                                        </p:tgtEl>
-                                        <p:attrNameLst>
-                                          <p:attrName>style.visibility</p:attrName>
-                                        </p:attrNameLst>
-                                      </p:cBhvr>
-                                      <p:to>
-                                        <p:strVal val="visible"/>
-                                      </p:to>
-                                    </p:set>
-                                    <p:animEffect transition="in" filter="fade">
-                                      <p:cBhvr>
-                                        <p:cTn id="18" dur="500"/>
-                                        <p:tgtEl>
-                                          <p:spTgt spid="11"/>
-                                        </p:tgtEl>
-                                      </p:cBhvr>
-                                    </p:animEffect>
-                                  </p:childTnLst>
-                                </p:cTn>
-                              </p:par>
-                            </p:childTnLst>
-                          </p:cTn>
-                        </p:par>
-                      </p:childTnLst>
-                    </p:cTn>
-                  </p:par>
-                  <p:par>
-                    <p:cTn id="19" fill="hold">
-                      <p:stCondLst>
-                        <p:cond delay="indefinite"/>
-                      </p:stCondLst>
-                      <p:childTnLst>
-                        <p:par>
-                          <p:cTn id="20" fill="hold">
-                            <p:stCondLst>
-                              <p:cond delay="0"/>
-                            </p:stCondLst>
-                            <p:childTnLst>
-                              <p:par>
-                                <p:cTn id="21" presetID="10" presetClass="entr" presetSubtype="0" fill="hold" grpId="0" nodeType="clickEffect">
-                                  <p:stCondLst>
-                                    <p:cond delay="0"/>
-                                  </p:stCondLst>
-                                  <p:childTnLst>
-                                    <p:set>
-                                      <p:cBhvr>
-                                        <p:cTn id="22" dur="1" fill="hold">
-                                          <p:stCondLst>
-                                            <p:cond delay="0"/>
-                                          </p:stCondLst>
-                                        </p:cTn>
-                                        <p:tgtEl>
-                                          <p:spTgt spid="3">
-                                            <p:txEl>
-                                              <p:pRg st="2" end="2"/>
-                                            </p:txEl>
-                                          </p:spTgt>
-                                        </p:tgtEl>
-                                        <p:attrNameLst>
-                                          <p:attrName>style.visibility</p:attrName>
-                                        </p:attrNameLst>
-                                      </p:cBhvr>
-                                      <p:to>
-                                        <p:strVal val="visible"/>
-                                      </p:to>
-                                    </p:set>
-                                    <p:animEffect transition="in" filter="fade">
-                                      <p:cBhvr>
-                                        <p:cTn id="23" dur="500"/>
-                                        <p:tgtEl>
-                                          <p:spTgt spid="3">
-                                            <p:txEl>
-                                              <p:pRg st="2" end="2"/>
-                                            </p:txEl>
-                                          </p:spTgt>
-                                        </p:tgtEl>
-                                      </p:cBhvr>
-                                    </p:animEffect>
-                                  </p:childTnLst>
-                                </p:cTn>
-                              </p:par>
-                              <p:par>
-                                <p:cTn id="24" presetID="10" presetClass="entr" presetSubtype="0" fill="hold" grpId="0" nodeType="withEffect">
-                                  <p:stCondLst>
-                                    <p:cond delay="0"/>
-                                  </p:stCondLst>
-                                  <p:childTnLst>
-                                    <p:set>
-                                      <p:cBhvr>
-                                        <p:cTn id="25" dur="1" fill="hold">
-                                          <p:stCondLst>
-                                            <p:cond delay="0"/>
-                                          </p:stCondLst>
-                                        </p:cTn>
-                                        <p:tgtEl>
-                                          <p:spTgt spid="5"/>
-                                        </p:tgtEl>
-                                        <p:attrNameLst>
-                                          <p:attrName>style.visibility</p:attrName>
-                                        </p:attrNameLst>
-                                      </p:cBhvr>
-                                      <p:to>
-                                        <p:strVal val="visible"/>
-                                      </p:to>
-                                    </p:set>
-                                    <p:animEffect transition="in" filter="fade">
-                                      <p:cBhvr>
-                                        <p:cTn id="26" dur="500"/>
-                                        <p:tgtEl>
-                                          <p:spTgt spid="5"/>
-                                        </p:tgtEl>
-                                      </p:cBhvr>
-                                    </p:animEffect>
-                                  </p:childTnLst>
-                                </p:cTn>
-                              </p:par>
-                            </p:childTnLst>
-                          </p:cTn>
-                        </p:par>
-                      </p:childTnLst>
-                    </p:cTn>
-                  </p:par>
-                  <p:par>
-                    <p:cTn id="27" fill="hold">
-                      <p:stCondLst>
-                        <p:cond delay="indefinite"/>
-                      </p:stCondLst>
-                      <p:childTnLst>
-                        <p:par>
-                          <p:cTn id="28" fill="hold">
-                            <p:stCondLst>
-                              <p:cond delay="0"/>
-                            </p:stCondLst>
-                            <p:childTnLst>
-                              <p:par>
-                                <p:cTn id="29" presetID="10" presetClass="entr" presetSubtype="0" fill="hold" grpId="0" nodeType="clickEffect">
-                                  <p:stCondLst>
-                                    <p:cond delay="0"/>
-                                  </p:stCondLst>
-                                  <p:childTnLst>
-                                    <p:set>
-                                      <p:cBhvr>
-                                        <p:cTn id="30" dur="1" fill="hold">
-                                          <p:stCondLst>
-                                            <p:cond delay="0"/>
-                                          </p:stCondLst>
-                                        </p:cTn>
-                                        <p:tgtEl>
-                                          <p:spTgt spid="3">
-                                            <p:txEl>
-                                              <p:pRg st="3" end="3"/>
-                                            </p:txEl>
-                                          </p:spTgt>
-                                        </p:tgtEl>
-                                        <p:attrNameLst>
-                                          <p:attrName>style.visibility</p:attrName>
-                                        </p:attrNameLst>
-                                      </p:cBhvr>
-                                      <p:to>
-                                        <p:strVal val="visible"/>
-                                      </p:to>
-                                    </p:set>
-                                    <p:animEffect transition="in" filter="fade">
-                                      <p:cBhvr>
-                                        <p:cTn id="31" dur="500"/>
-                                        <p:tgtEl>
-                                          <p:spTgt spid="3">
-                                            <p:txEl>
-                                              <p:pRg st="3" end="3"/>
-                                            </p:txEl>
-                                          </p:spTgt>
-                                        </p:tgtEl>
-                                      </p:cBhvr>
-                                    </p:animEffect>
-                                  </p:childTnLst>
-                                </p:cTn>
-                              </p:par>
-                              <p:par>
-                                <p:cTn id="32" presetID="10" presetClass="entr" presetSubtype="0" fill="hold" grpId="0" nodeType="withEffect">
-                                  <p:stCondLst>
-                                    <p:cond delay="0"/>
-                                  </p:stCondLst>
-                                  <p:childTnLst>
-                                    <p:set>
-                                      <p:cBhvr>
-                                        <p:cTn id="33" dur="1" fill="hold">
-                                          <p:stCondLst>
-                                            <p:cond delay="0"/>
-                                          </p:stCondLst>
-                                        </p:cTn>
-                                        <p:tgtEl>
-                                          <p:spTgt spid="8"/>
-                                        </p:tgtEl>
-                                        <p:attrNameLst>
-                                          <p:attrName>style.visibility</p:attrName>
-                                        </p:attrNameLst>
-                                      </p:cBhvr>
-                                      <p:to>
-                                        <p:strVal val="visible"/>
-                                      </p:to>
-                                    </p:set>
-                                    <p:animEffect transition="in" filter="fade">
-                                      <p:cBhvr>
-                                        <p:cTn id="34" dur="500"/>
-                                        <p:tgtEl>
-                                          <p:spTgt spid="8"/>
-                                        </p:tgtEl>
-                                      </p:cBhvr>
-                                    </p:animEffect>
-                                  </p:childTnLst>
-                                </p:cTn>
-                              </p:par>
-                            </p:childTnLst>
-                          </p:cTn>
-                        </p:par>
-                      </p:childTnLst>
-                    </p:cTn>
-                  </p:par>
-                  <p:par>
-                    <p:cTn id="35" fill="hold">
-                      <p:stCondLst>
-                        <p:cond delay="indefinite"/>
-                      </p:stCondLst>
-                      <p:childTnLst>
-                        <p:par>
-                          <p:cTn id="36" fill="hold">
-                            <p:stCondLst>
-                              <p:cond delay="0"/>
-                            </p:stCondLst>
-                            <p:childTnLst>
-                              <p:par>
-                                <p:cTn id="37" presetID="10" presetClass="entr" presetSubtype="0" fill="hold" grpId="0" nodeType="clickEffect">
-                                  <p:stCondLst>
-                                    <p:cond delay="0"/>
-                                  </p:stCondLst>
-                                  <p:childTnLst>
-                                    <p:set>
-                                      <p:cBhvr>
-                                        <p:cTn id="38" dur="1" fill="hold">
-                                          <p:stCondLst>
-                                            <p:cond delay="0"/>
-                                          </p:stCondLst>
-                                        </p:cTn>
-                                        <p:tgtEl>
-                                          <p:spTgt spid="3">
-                                            <p:txEl>
-                                              <p:pRg st="4" end="4"/>
-                                            </p:txEl>
-                                          </p:spTgt>
-                                        </p:tgtEl>
-                                        <p:attrNameLst>
-                                          <p:attrName>style.visibility</p:attrName>
-                                        </p:attrNameLst>
-                                      </p:cBhvr>
-                                      <p:to>
-                                        <p:strVal val="visible"/>
-                                      </p:to>
-                                    </p:set>
-                                    <p:animEffect transition="in" filter="fade">
-                                      <p:cBhvr>
-                                        <p:cTn id="39" dur="500"/>
-                                        <p:tgtEl>
-                                          <p:spTgt spid="3">
-                                            <p:txEl>
-                                              <p:pRg st="4" end="4"/>
-                                            </p:txEl>
-                                          </p:spTgt>
-                                        </p:tgtEl>
-                                      </p:cBhvr>
-                                    </p:animEffect>
-                                  </p:childTnLst>
-                                </p:cTn>
-                              </p:par>
-                              <p:par>
-                                <p:cTn id="40" presetID="10" presetClass="entr" presetSubtype="0" fill="hold" grpId="0" nodeType="withEffect">
-                                  <p:stCondLst>
-                                    <p:cond delay="0"/>
-                                  </p:stCondLst>
-                                  <p:childTnLst>
-                                    <p:set>
-                                      <p:cBhvr>
-                                        <p:cTn id="41" dur="1" fill="hold">
-                                          <p:stCondLst>
-                                            <p:cond delay="0"/>
-                                          </p:stCondLst>
-                                        </p:cTn>
-                                        <p:tgtEl>
-                                          <p:spTgt spid="6"/>
-                                        </p:tgtEl>
-                                        <p:attrNameLst>
-                                          <p:attrName>style.visibility</p:attrName>
-                                        </p:attrNameLst>
-                                      </p:cBhvr>
-                                      <p:to>
-                                        <p:strVal val="visible"/>
-                                      </p:to>
-                                    </p:set>
-                                    <p:animEffect transition="in" filter="fade">
-                                      <p:cBhvr>
-                                        <p:cTn id="42" dur="500"/>
-                                        <p:tgtEl>
-                                          <p:spTgt spid="6"/>
-                                        </p:tgtEl>
-                                      </p:cBhvr>
-                                    </p:animEffect>
-                                  </p:childTnLst>
-                                </p:cTn>
-                              </p:par>
-                            </p:childTnLst>
-                          </p:cTn>
-                        </p:par>
-                      </p:childTnLst>
-                    </p:cTn>
-                  </p:par>
-                  <p:par>
-                    <p:cTn id="43" fill="hold">
-                      <p:stCondLst>
-                        <p:cond delay="indefinite"/>
-                      </p:stCondLst>
-                      <p:childTnLst>
-                        <p:par>
-                          <p:cTn id="44" fill="hold">
-                            <p:stCondLst>
-                              <p:cond delay="0"/>
-                            </p:stCondLst>
-                            <p:childTnLst>
-                              <p:par>
-                                <p:cTn id="45" presetID="10" presetClass="entr" presetSubtype="0" fill="hold" grpId="0" nodeType="clickEffect">
-                                  <p:stCondLst>
-                                    <p:cond delay="0"/>
-                                  </p:stCondLst>
-                                  <p:childTnLst>
-                                    <p:set>
-                                      <p:cBhvr>
-                                        <p:cTn id="46" dur="1" fill="hold">
-                                          <p:stCondLst>
-                                            <p:cond delay="0"/>
-                                          </p:stCondLst>
-                                        </p:cTn>
-                                        <p:tgtEl>
-                                          <p:spTgt spid="3">
-                                            <p:txEl>
-                                              <p:pRg st="5" end="5"/>
-                                            </p:txEl>
-                                          </p:spTgt>
-                                        </p:tgtEl>
-                                        <p:attrNameLst>
-                                          <p:attrName>style.visibility</p:attrName>
-                                        </p:attrNameLst>
-                                      </p:cBhvr>
-                                      <p:to>
-                                        <p:strVal val="visible"/>
-                                      </p:to>
-                                    </p:set>
-                                    <p:animEffect transition="in" filter="fade">
-                                      <p:cBhvr>
-                                        <p:cTn id="47" dur="500"/>
-                                        <p:tgtEl>
-                                          <p:spTgt spid="3">
-                                            <p:txEl>
-                                              <p:pRg st="5" end="5"/>
-                                            </p:txEl>
-                                          </p:spTgt>
-                                        </p:tgtEl>
-                                      </p:cBhvr>
-                                    </p:animEffect>
-                                  </p:childTnLst>
-                                </p:cTn>
-                              </p:par>
-                              <p:par>
-                                <p:cTn id="48" presetID="10" presetClass="entr" presetSubtype="0" fill="hold" grpId="0" nodeType="withEffect">
-                                  <p:stCondLst>
-                                    <p:cond delay="0"/>
-                                  </p:stCondLst>
-                                  <p:childTnLst>
-                                    <p:set>
-                                      <p:cBhvr>
-                                        <p:cTn id="49" dur="1" fill="hold">
-                                          <p:stCondLst>
-                                            <p:cond delay="0"/>
-                                          </p:stCondLst>
-                                        </p:cTn>
-                                        <p:tgtEl>
-                                          <p:spTgt spid="9"/>
-                                        </p:tgtEl>
-                                        <p:attrNameLst>
-                                          <p:attrName>style.visibility</p:attrName>
-                                        </p:attrNameLst>
-                                      </p:cBhvr>
-                                      <p:to>
-                                        <p:strVal val="visible"/>
-                                      </p:to>
-                                    </p:set>
-                                    <p:animEffect transition="in" filter="fade">
-                                      <p:cBhvr>
-                                        <p:cTn id="50" dur="500"/>
-                                        <p:tgtEl>
-                                          <p:spTgt spid="9"/>
-                                        </p:tgtEl>
-                                      </p:cBhvr>
-                                    </p:animEffect>
-                                  </p:childTnLst>
-                                </p:cTn>
-                              </p:par>
-                            </p:childTnLst>
-                          </p:cTn>
-                        </p:par>
-                      </p:childTnLst>
-                    </p:cTn>
-                  </p:par>
-                  <p:par>
-                    <p:cTn id="51" fill="hold">
-                      <p:stCondLst>
-                        <p:cond delay="indefinite"/>
-                      </p:stCondLst>
-                      <p:childTnLst>
-                        <p:par>
-                          <p:cTn id="52" fill="hold">
-                            <p:stCondLst>
-                              <p:cond delay="0"/>
-                            </p:stCondLst>
-                            <p:childTnLst>
-                              <p:par>
-                                <p:cTn id="53" presetID="10" presetClass="entr" presetSubtype="0" fill="hold" grpId="0" nodeType="clickEffect">
-                                  <p:stCondLst>
-                                    <p:cond delay="0"/>
-                                  </p:stCondLst>
-                                  <p:childTnLst>
-                                    <p:set>
-                                      <p:cBhvr>
-                                        <p:cTn id="54" dur="1" fill="hold">
-                                          <p:stCondLst>
-                                            <p:cond delay="0"/>
-                                          </p:stCondLst>
-                                        </p:cTn>
-                                        <p:tgtEl>
-                                          <p:spTgt spid="3">
-                                            <p:txEl>
-                                              <p:pRg st="6" end="6"/>
-                                            </p:txEl>
-                                          </p:spTgt>
-                                        </p:tgtEl>
-                                        <p:attrNameLst>
-                                          <p:attrName>style.visibility</p:attrName>
-                                        </p:attrNameLst>
-                                      </p:cBhvr>
-                                      <p:to>
-                                        <p:strVal val="visible"/>
-                                      </p:to>
-                                    </p:set>
-                                    <p:animEffect transition="in" filter="fade">
-                                      <p:cBhvr>
-                                        <p:cTn id="55" dur="500"/>
-                                        <p:tgtEl>
-                                          <p:spTgt spid="3">
-                                            <p:txEl>
-                                              <p:pRg st="6" end="6"/>
-                                            </p:txEl>
-                                          </p:spTgt>
-                                        </p:tgtEl>
-                                      </p:cBhvr>
-                                    </p:animEffect>
-                                  </p:childTnLst>
-                                </p:cTn>
-                              </p:par>
-                              <p:par>
-                                <p:cTn id="56" presetID="10" presetClass="entr" presetSubtype="0" fill="hold" grpId="0" nodeType="withEffect">
-                                  <p:stCondLst>
-                                    <p:cond delay="0"/>
-                                  </p:stCondLst>
-                                  <p:childTnLst>
-                                    <p:set>
-                                      <p:cBhvr>
-                                        <p:cTn id="57" dur="1" fill="hold">
-                                          <p:stCondLst>
-                                            <p:cond delay="0"/>
-                                          </p:stCondLst>
-                                        </p:cTn>
-                                        <p:tgtEl>
-                                          <p:spTgt spid="7"/>
-                                        </p:tgtEl>
-                                        <p:attrNameLst>
-                                          <p:attrName>style.visibility</p:attrName>
-                                        </p:attrNameLst>
-                                      </p:cBhvr>
-                                      <p:to>
-                                        <p:strVal val="visible"/>
-                                      </p:to>
-                                    </p:set>
-                                    <p:animEffect transition="in" filter="fade">
-                                      <p:cBhvr>
-                                        <p:cTn id="58" dur="500"/>
-                                        <p:tgtEl>
-                                          <p:spTgt spid="7"/>
-                                        </p:tgtEl>
-                                      </p:cBhvr>
-                                    </p:animEffect>
-                                  </p:childTnLst>
-                                </p:cTn>
-                              </p:par>
-                            </p:childTnLst>
-                          </p:cTn>
-                        </p:par>
-                      </p:childTnLst>
-                    </p:cTn>
-                  </p:par>
-                </p:childTnLst>
-              </p:cTn>
-              <p:prevCondLst>
-                <p:cond evt="onPrev" delay="0">
-                  <p:tgtEl>
-                    <p:sldTgt/>
-                  </p:tgtEl>
-                </p:cond>
-              </p:prevCondLst>
-              <p:nextCondLst>
-                <p:cond evt="onNext" delay="0">
-                  <p:tgtEl>
-                    <p:sldTgt/>
-                  </p:tgtEl>
-                </p:cond>
-              </p:nextCondLst>
-            </p:seq>
-          </p:childTnLst>
-        </p:cTn>
+        <p:cTn id="1" dur="indefinite" restart="never" nodeType="tmRoot"/>
       </p:par>
     </p:tnLst>
-    <p:bldLst>
-      <p:bldP spid="3" grpId="0" uiExpand="1" build="p"/>
-      <p:bldP spid="4" grpId="0" uiExpand="1" animBg="1"/>
-      <p:bldP spid="11" grpId="0" uiExpand="1" animBg="1"/>
-      <p:bldP spid="5" grpId="0" uiExpand="1" animBg="1"/>
-      <p:bldP spid="8" grpId="0" uiExpand="1" animBg="1"/>
-      <p:bldP spid="6" grpId="0" uiExpand="1" animBg="1"/>
-      <p:bldP spid="9" grpId="0" uiExpand="1" animBg="1"/>
-      <p:bldP spid="7" grpId="0" animBg="1"/>
-    </p:bldLst>
   </p:timing>
 </p:sld>
 </file>
@@ -15043,18 +15236,18 @@
 </file>
 
 <file path=customXml/item1.xml><?xml version="1.0" encoding="utf-8"?>
-<p:properties xmlns:p="http://schemas.microsoft.com/office/2006/metadata/properties" xmlns:xsi="http://www.w3.org/2001/XMLSchema-instance" xmlns:pc="http://schemas.microsoft.com/office/infopath/2007/PartnerControls">
-  <documentManagement/>
-</p:properties>
-</file>
-
-<file path=customXml/item2.xml><?xml version="1.0" encoding="utf-8"?>
 <?mso-contentType ?>
 <FormTemplates xmlns="http://schemas.microsoft.com/sharepoint/v3/contenttype/forms">
   <Display>DocumentLibraryForm</Display>
   <Edit>DocumentLibraryForm</Edit>
   <New>DocumentLibraryForm</New>
 </FormTemplates>
+</file>
+
+<file path=customXml/item2.xml><?xml version="1.0" encoding="utf-8"?>
+<p:properties xmlns:p="http://schemas.microsoft.com/office/2006/metadata/properties" xmlns:xsi="http://www.w3.org/2001/XMLSchema-instance" xmlns:pc="http://schemas.microsoft.com/office/infopath/2007/PartnerControls">
+  <documentManagement/>
+</p:properties>
 </file>
 
 <file path=customXml/item3.xml><?xml version="1.0" encoding="utf-8"?>
@@ -15198,6 +15391,14 @@
 </file>
 
 <file path=customXml/itemProps1.xml><?xml version="1.0" encoding="utf-8"?>
+<ds:datastoreItem xmlns:ds="http://schemas.openxmlformats.org/officeDocument/2006/customXml" ds:itemID="{B0CA13EC-1D3C-4D6F-8D1C-E8A452CFC79A}">
+  <ds:schemaRefs>
+    <ds:schemaRef ds:uri="http://schemas.microsoft.com/sharepoint/v3/contenttype/forms"/>
+  </ds:schemaRefs>
+</ds:datastoreItem>
+</file>
+
+<file path=customXml/itemProps2.xml><?xml version="1.0" encoding="utf-8"?>
 <ds:datastoreItem xmlns:ds="http://schemas.openxmlformats.org/officeDocument/2006/customXml" ds:itemID="{7025FDD9-4C58-4084-9F89-0E6ADD6FFF55}">
   <ds:schemaRefs>
     <ds:schemaRef ds:uri="http://purl.org/dc/terms/"/>
@@ -15209,14 +15410,6 @@
     <ds:schemaRef ds:uri="e5a13ba8-98e3-4f23-a221-7ac9824aa662"/>
     <ds:schemaRef ds:uri="http://www.w3.org/XML/1998/namespace"/>
     <ds:schemaRef ds:uri="http://purl.org/dc/dcmitype/"/>
-  </ds:schemaRefs>
-</ds:datastoreItem>
-</file>
-
-<file path=customXml/itemProps2.xml><?xml version="1.0" encoding="utf-8"?>
-<ds:datastoreItem xmlns:ds="http://schemas.openxmlformats.org/officeDocument/2006/customXml" ds:itemID="{B0CA13EC-1D3C-4D6F-8D1C-E8A452CFC79A}">
-  <ds:schemaRefs>
-    <ds:schemaRef ds:uri="http://schemas.microsoft.com/sharepoint/v3/contenttype/forms"/>
   </ds:schemaRefs>
 </ds:datastoreItem>
 </file>
